--- a/0920-PPT/基于ES6的异步专题.pptx
+++ b/0920-PPT/基于ES6的异步专题.pptx
@@ -5,7 +5,7 @@
     <p:sldMasterId id="2147483648" r:id="rId1"/>
   </p:sldMasterIdLst>
   <p:notesMasterIdLst>
-    <p:notesMasterId r:id="rId21"/>
+    <p:notesMasterId r:id="rId25"/>
   </p:notesMasterIdLst>
   <p:sldIdLst>
     <p:sldId id="307" r:id="rId2"/>
@@ -22,11 +22,15 @@
     <p:sldId id="564" r:id="rId13"/>
     <p:sldId id="565" r:id="rId14"/>
     <p:sldId id="566" r:id="rId15"/>
-    <p:sldId id="567" r:id="rId16"/>
-    <p:sldId id="558" r:id="rId17"/>
-    <p:sldId id="561" r:id="rId18"/>
-    <p:sldId id="557" r:id="rId19"/>
-    <p:sldId id="259" r:id="rId20"/>
+    <p:sldId id="557" r:id="rId16"/>
+    <p:sldId id="569" r:id="rId17"/>
+    <p:sldId id="567" r:id="rId18"/>
+    <p:sldId id="558" r:id="rId19"/>
+    <p:sldId id="570" r:id="rId20"/>
+    <p:sldId id="571" r:id="rId21"/>
+    <p:sldId id="568" r:id="rId22"/>
+    <p:sldId id="572" r:id="rId23"/>
+    <p:sldId id="259" r:id="rId24"/>
   </p:sldIdLst>
   <p:sldSz cx="9144000" cy="6858000" type="screen4x3"/>
   <p:notesSz cx="6858000" cy="9144000"/>
@@ -127,7 +131,7 @@
   </p:defaultTextStyle>
   <p:extLst>
     <p:ext uri="{EFAFB233-063F-42B5-8137-9DF3F51BA10A}">
-      <p15:sldGuideLst xmlns:p15="http://schemas.microsoft.com/office/powerpoint/2012/main">
+      <p15:sldGuideLst xmlns="" xmlns:p15="http://schemas.microsoft.com/office/powerpoint/2012/main">
         <p15:guide id="1" orient="horz" pos="2160">
           <p15:clr>
             <a:srgbClr val="A4A3A4"/>
@@ -233,7 +237,7 @@
             <a:fld id="{41067791-0E5C-43D7-970A-79A416F408BF}" type="datetimeFigureOut">
               <a:rPr lang="zh-CN" altLang="en-US" smtClean="0"/>
               <a:pPr/>
-              <a:t>2020/9/20</a:t>
+              <a:t>2020/9/22</a:t>
             </a:fld>
             <a:endParaRPr lang="zh-CN" altLang="en-US"/>
           </a:p>
@@ -1029,7 +1033,7 @@
     </p:spTree>
     <p:extLst>
       <p:ext uri="{BB962C8B-B14F-4D97-AF65-F5344CB8AC3E}">
-        <p14:creationId xmlns:p14="http://schemas.microsoft.com/office/powerpoint/2010/main" val="126719216"/>
+        <p14:creationId xmlns="" xmlns:p14="http://schemas.microsoft.com/office/powerpoint/2010/main" val="126719216"/>
       </p:ext>
     </p:extLst>
   </p:cSld>
@@ -1623,7 +1627,7 @@
     </p:spTree>
     <p:extLst>
       <p:ext uri="{BB962C8B-B14F-4D97-AF65-F5344CB8AC3E}">
-        <p14:creationId xmlns:p14="http://schemas.microsoft.com/office/powerpoint/2010/main" val="488732261"/>
+        <p14:creationId xmlns="" xmlns:p14="http://schemas.microsoft.com/office/powerpoint/2010/main" val="488732261"/>
       </p:ext>
     </p:extLst>
   </p:cSld>
@@ -1679,143 +1683,551 @@
           </a:bodyPr>
           <a:lstStyle/>
           <a:p>
-            <a:pPr algn="l" latinLnBrk="1"/>
+            <a:r>
+              <a:rPr lang="zh-CN" altLang="en-US" dirty="0"/>
+              <a:t>宏任务、微任务</a:t>
+            </a:r>
+            <a:endParaRPr lang="en-US" altLang="zh-CN" dirty="0"/>
+          </a:p>
+          <a:p>
+            <a:endParaRPr lang="en-US" altLang="zh-CN" dirty="0"/>
+          </a:p>
+          <a:p>
+            <a:pPr algn="l"/>
+            <a:r>
+              <a:rPr lang="en-US" altLang="zh-CN" b="0" i="0" dirty="0">
+                <a:solidFill>
+                  <a:srgbClr val="000000"/>
+                </a:solidFill>
+                <a:effectLst/>
+                <a:latin typeface="Verdana" panose="020B0604030504040204" pitchFamily="34" charset="0"/>
+              </a:rPr>
+              <a:t>1.js</a:t>
+            </a:r>
             <a:r>
               <a:rPr lang="zh-CN" altLang="en-US" b="0" i="0" dirty="0">
                 <a:solidFill>
-                  <a:srgbClr val="333333"/>
-                </a:solidFill>
-                <a:effectLst/>
-                <a:latin typeface="Helvetica Neue"/>
-              </a:rPr>
-              <a:t>有了 </a:t>
-            </a:r>
+                  <a:srgbClr val="000000"/>
+                </a:solidFill>
+                <a:effectLst/>
+                <a:latin typeface="Verdana" panose="020B0604030504040204" pitchFamily="34" charset="0"/>
+              </a:rPr>
+              <a:t>的执行顺序，先同步后异步</a:t>
+            </a:r>
+          </a:p>
+          <a:p>
+            <a:pPr algn="l"/>
             <a:r>
               <a:rPr lang="en-US" altLang="zh-CN" b="0" i="0" dirty="0">
                 <a:solidFill>
-                  <a:srgbClr val="333333"/>
-                </a:solidFill>
-                <a:effectLst/>
-                <a:latin typeface="Helvetica Neue"/>
+                  <a:srgbClr val="000000"/>
+                </a:solidFill>
+                <a:effectLst/>
+                <a:latin typeface="Verdana" panose="020B0604030504040204" pitchFamily="34" charset="0"/>
+              </a:rPr>
+              <a:t>2.</a:t>
+            </a:r>
+            <a:r>
+              <a:rPr lang="zh-CN" altLang="en-US" b="0" i="0" dirty="0">
+                <a:solidFill>
+                  <a:srgbClr val="000000"/>
+                </a:solidFill>
+                <a:effectLst/>
+                <a:latin typeface="Verdana" panose="020B0604030504040204" pitchFamily="34" charset="0"/>
+              </a:rPr>
+              <a:t>异步中任务队列的执行顺序： 先微任务</a:t>
+            </a:r>
+            <a:r>
+              <a:rPr lang="en-US" altLang="zh-CN" b="0" i="0" dirty="0">
+                <a:solidFill>
+                  <a:srgbClr val="000000"/>
+                </a:solidFill>
+                <a:effectLst/>
+                <a:latin typeface="Verdana" panose="020B0604030504040204" pitchFamily="34" charset="0"/>
+              </a:rPr>
+              <a:t>microtask</a:t>
+            </a:r>
+            <a:r>
+              <a:rPr lang="zh-CN" altLang="en-US" b="0" i="0" dirty="0">
+                <a:solidFill>
+                  <a:srgbClr val="000000"/>
+                </a:solidFill>
+                <a:effectLst/>
+                <a:latin typeface="Verdana" panose="020B0604030504040204" pitchFamily="34" charset="0"/>
+              </a:rPr>
+              <a:t>队列，再宏任务</a:t>
+            </a:r>
+            <a:r>
+              <a:rPr lang="en-US" altLang="zh-CN" b="0" i="0" dirty="0" err="1">
+                <a:solidFill>
+                  <a:srgbClr val="000000"/>
+                </a:solidFill>
+                <a:effectLst/>
+                <a:latin typeface="Verdana" panose="020B0604030504040204" pitchFamily="34" charset="0"/>
+              </a:rPr>
+              <a:t>macrotask</a:t>
+            </a:r>
+            <a:r>
+              <a:rPr lang="zh-CN" altLang="en-US" b="0" i="0" dirty="0">
+                <a:solidFill>
+                  <a:srgbClr val="000000"/>
+                </a:solidFill>
+                <a:effectLst/>
+                <a:latin typeface="Verdana" panose="020B0604030504040204" pitchFamily="34" charset="0"/>
+              </a:rPr>
+              <a:t>队列</a:t>
+            </a:r>
+          </a:p>
+          <a:p>
+            <a:pPr algn="l"/>
+            <a:r>
+              <a:rPr lang="en-US" altLang="zh-CN" b="0" i="0" dirty="0">
+                <a:solidFill>
+                  <a:srgbClr val="000000"/>
+                </a:solidFill>
+                <a:effectLst/>
+                <a:latin typeface="Verdana" panose="020B0604030504040204" pitchFamily="34" charset="0"/>
+              </a:rPr>
+              <a:t>3.</a:t>
+            </a:r>
+            <a:r>
+              <a:rPr lang="zh-CN" altLang="en-US" b="0" i="0" dirty="0">
+                <a:solidFill>
+                  <a:srgbClr val="000000"/>
+                </a:solidFill>
+                <a:effectLst/>
+                <a:latin typeface="Verdana" panose="020B0604030504040204" pitchFamily="34" charset="0"/>
+              </a:rPr>
+              <a:t>调用</a:t>
+            </a:r>
+            <a:r>
+              <a:rPr lang="en-US" altLang="zh-CN" b="0" i="0" dirty="0">
+                <a:solidFill>
+                  <a:srgbClr val="000000"/>
+                </a:solidFill>
+                <a:effectLst/>
+                <a:latin typeface="Verdana" panose="020B0604030504040204" pitchFamily="34" charset="0"/>
               </a:rPr>
               <a:t>Promise </a:t>
             </a:r>
             <a:r>
               <a:rPr lang="zh-CN" altLang="en-US" b="0" i="0" dirty="0">
                 <a:solidFill>
-                  <a:srgbClr val="333333"/>
-                </a:solidFill>
-                <a:effectLst/>
-                <a:latin typeface="Helvetica Neue"/>
-              </a:rPr>
-              <a:t>对象，就可以将异步操作以同步操作的流程表达出来，避免了层层嵌套的回调函数。此外，</a:t>
+                  <a:srgbClr val="000000"/>
+                </a:solidFill>
+                <a:effectLst/>
+                <a:latin typeface="Verdana" panose="020B0604030504040204" pitchFamily="34" charset="0"/>
+              </a:rPr>
+              <a:t>中的</a:t>
             </a:r>
             <a:r>
               <a:rPr lang="en-US" altLang="zh-CN" b="0" i="0" dirty="0">
                 <a:solidFill>
-                  <a:srgbClr val="333333"/>
-                </a:solidFill>
-                <a:effectLst/>
-                <a:latin typeface="Helvetica Neue"/>
-              </a:rPr>
-              <a:t>Promise </a:t>
+                  <a:srgbClr val="000000"/>
+                </a:solidFill>
+                <a:effectLst/>
+                <a:latin typeface="Verdana" panose="020B0604030504040204" pitchFamily="34" charset="0"/>
+              </a:rPr>
+              <a:t>resolve</a:t>
             </a:r>
             <a:r>
               <a:rPr lang="zh-CN" altLang="en-US" b="0" i="0" dirty="0">
                 <a:solidFill>
-                  <a:srgbClr val="333333"/>
-                </a:solidFill>
-                <a:effectLst/>
-                <a:latin typeface="Helvetica Neue"/>
-              </a:rPr>
-              <a:t>对象提供统一的接口，使得控制异步操作更加容易。</a:t>
-            </a:r>
-          </a:p>
-          <a:p>
-            <a:pPr algn="l" latinLnBrk="1"/>
+                  <a:srgbClr val="000000"/>
+                </a:solidFill>
+                <a:effectLst/>
+                <a:latin typeface="Verdana" panose="020B0604030504040204" pitchFamily="34" charset="0"/>
+              </a:rPr>
+              <a:t>，</a:t>
+            </a:r>
             <a:r>
               <a:rPr lang="en-US" altLang="zh-CN" b="0" i="0" dirty="0">
                 <a:solidFill>
-                  <a:srgbClr val="333333"/>
-                </a:solidFill>
-                <a:effectLst/>
-                <a:latin typeface="Helvetica Neue"/>
-              </a:rPr>
-              <a:t>Promise </a:t>
+                  <a:srgbClr val="000000"/>
+                </a:solidFill>
+                <a:effectLst/>
+                <a:latin typeface="Verdana" panose="020B0604030504040204" pitchFamily="34" charset="0"/>
+              </a:rPr>
+              <a:t>reject</a:t>
             </a:r>
             <a:r>
               <a:rPr lang="zh-CN" altLang="en-US" b="0" i="0" dirty="0">
                 <a:solidFill>
-                  <a:srgbClr val="333333"/>
-                </a:solidFill>
-                <a:effectLst/>
-                <a:latin typeface="Helvetica Neue"/>
-              </a:rPr>
-              <a:t>也有一些缺点。首先，无法取消 </a:t>
+                  <a:srgbClr val="000000"/>
+                </a:solidFill>
+                <a:effectLst/>
+                <a:latin typeface="Verdana" panose="020B0604030504040204" pitchFamily="34" charset="0"/>
+              </a:rPr>
+              <a:t>属于微任务队列，</a:t>
+            </a:r>
+            <a:r>
+              <a:rPr lang="en-US" altLang="zh-CN" b="0" i="0" dirty="0" err="1">
+                <a:solidFill>
+                  <a:srgbClr val="000000"/>
+                </a:solidFill>
+                <a:effectLst/>
+                <a:latin typeface="Verdana" panose="020B0604030504040204" pitchFamily="34" charset="0"/>
+              </a:rPr>
+              <a:t>setTimeout</a:t>
+            </a:r>
+            <a:r>
+              <a:rPr lang="zh-CN" altLang="en-US" b="0" i="0" dirty="0">
+                <a:solidFill>
+                  <a:srgbClr val="000000"/>
+                </a:solidFill>
+                <a:effectLst/>
+                <a:latin typeface="Verdana" panose="020B0604030504040204" pitchFamily="34" charset="0"/>
+              </a:rPr>
+              <a:t>属于宏任务队列</a:t>
+            </a:r>
+          </a:p>
+          <a:p>
+            <a:pPr algn="l"/>
+            <a:r>
+              <a:rPr lang="zh-CN" altLang="en-US" b="0" i="0" dirty="0">
+                <a:solidFill>
+                  <a:srgbClr val="000000"/>
+                </a:solidFill>
+                <a:effectLst/>
+                <a:latin typeface="Verdana" panose="020B0604030504040204" pitchFamily="34" charset="0"/>
+              </a:rPr>
+              <a:t>注意以上都是 队列，先进先出。</a:t>
+            </a:r>
+          </a:p>
+          <a:p>
+            <a:pPr algn="l"/>
+            <a:r>
+              <a:rPr lang="zh-CN" altLang="en-US" b="0" i="0" dirty="0">
+                <a:solidFill>
+                  <a:srgbClr val="000000"/>
+                </a:solidFill>
+                <a:effectLst/>
+                <a:latin typeface="Verdana" panose="020B0604030504040204" pitchFamily="34" charset="0"/>
+              </a:rPr>
+              <a:t> </a:t>
+            </a:r>
+          </a:p>
+          <a:p>
+            <a:pPr algn="l"/>
+            <a:r>
+              <a:rPr lang="zh-CN" altLang="en-US" b="0" i="0" dirty="0">
+                <a:solidFill>
+                  <a:srgbClr val="000000"/>
+                </a:solidFill>
+                <a:effectLst/>
+                <a:latin typeface="Verdana" panose="020B0604030504040204" pitchFamily="34" charset="0"/>
+              </a:rPr>
+              <a:t>微任务包括 </a:t>
             </a:r>
             <a:r>
               <a:rPr lang="en-US" altLang="zh-CN" b="0" i="0" dirty="0">
                 <a:solidFill>
-                  <a:srgbClr val="333333"/>
-                </a:solidFill>
-                <a:effectLst/>
-                <a:latin typeface="Helvetica Neue"/>
-              </a:rPr>
-              <a:t>Promise</a:t>
+                  <a:srgbClr val="000000"/>
+                </a:solidFill>
+                <a:effectLst/>
+                <a:latin typeface="Verdana" panose="020B0604030504040204" pitchFamily="34" charset="0"/>
+              </a:rPr>
+              <a:t>`</a:t>
+            </a:r>
+            <a:r>
+              <a:rPr lang="en-US" altLang="zh-CN" b="0" i="0" dirty="0" err="1">
+                <a:solidFill>
+                  <a:srgbClr val="000000"/>
+                </a:solidFill>
+                <a:effectLst/>
+                <a:latin typeface="Verdana" panose="020B0604030504040204" pitchFamily="34" charset="0"/>
+              </a:rPr>
+              <a:t>process.nextTick</a:t>
+            </a:r>
+            <a:r>
+              <a:rPr lang="en-US" altLang="zh-CN" b="0" i="0" dirty="0">
+                <a:solidFill>
+                  <a:srgbClr val="000000"/>
+                </a:solidFill>
+                <a:effectLst/>
+                <a:latin typeface="Verdana" panose="020B0604030504040204" pitchFamily="34" charset="0"/>
+              </a:rPr>
+              <a:t>` </a:t>
             </a:r>
             <a:r>
               <a:rPr lang="zh-CN" altLang="en-US" b="0" i="0" dirty="0">
                 <a:solidFill>
-                  <a:srgbClr val="333333"/>
-                </a:solidFill>
-                <a:effectLst/>
-                <a:latin typeface="Helvetica Neue"/>
-              </a:rPr>
-              <a:t>，一旦新建它就会立即执行，无法中途取消。其次，如果不设置回调函数，</a:t>
+                  <a:srgbClr val="000000"/>
+                </a:solidFill>
+                <a:effectLst/>
+                <a:latin typeface="Verdana" panose="020B0604030504040204" pitchFamily="34" charset="0"/>
+              </a:rPr>
+              <a:t>，</a:t>
             </a:r>
             <a:r>
               <a:rPr lang="en-US" altLang="zh-CN" b="0" i="0" dirty="0">
                 <a:solidFill>
-                  <a:srgbClr val="333333"/>
-                </a:solidFill>
-                <a:effectLst/>
-                <a:latin typeface="Helvetica Neue"/>
-              </a:rPr>
-              <a:t>Promise </a:t>
+                  <a:srgbClr val="000000"/>
+                </a:solidFill>
+                <a:effectLst/>
+                <a:latin typeface="Verdana" panose="020B0604030504040204" pitchFamily="34" charset="0"/>
+              </a:rPr>
+              <a:t>`promise` </a:t>
             </a:r>
             <a:r>
               <a:rPr lang="zh-CN" altLang="en-US" b="0" i="0" dirty="0">
                 <a:solidFill>
-                  <a:srgbClr val="333333"/>
-                </a:solidFill>
-                <a:effectLst/>
-                <a:latin typeface="Helvetica Neue"/>
-              </a:rPr>
-              <a:t>内部抛出的错误，不会反应到外部。第三，当处于 </a:t>
+                  <a:srgbClr val="000000"/>
+                </a:solidFill>
+                <a:effectLst/>
+                <a:latin typeface="Verdana" panose="020B0604030504040204" pitchFamily="34" charset="0"/>
+              </a:rPr>
+              <a:t>，</a:t>
             </a:r>
             <a:r>
               <a:rPr lang="en-US" altLang="zh-CN" b="0" i="0" dirty="0">
                 <a:solidFill>
-                  <a:srgbClr val="333333"/>
-                </a:solidFill>
-                <a:effectLst/>
-                <a:latin typeface="Helvetica Neue"/>
-              </a:rPr>
-              <a:t>Pending </a:t>
+                  <a:srgbClr val="000000"/>
+                </a:solidFill>
+                <a:effectLst/>
+                <a:latin typeface="Verdana" panose="020B0604030504040204" pitchFamily="34" charset="0"/>
+              </a:rPr>
+              <a:t>`</a:t>
+            </a:r>
+            <a:r>
+              <a:rPr lang="en-US" altLang="zh-CN" b="0" i="0" dirty="0" err="1">
+                <a:solidFill>
+                  <a:srgbClr val="000000"/>
+                </a:solidFill>
+                <a:effectLst/>
+                <a:latin typeface="Verdana" panose="020B0604030504040204" pitchFamily="34" charset="0"/>
+              </a:rPr>
+              <a:t>MutationObserver</a:t>
+            </a:r>
+            <a:r>
+              <a:rPr lang="en-US" altLang="zh-CN" b="0" i="0" dirty="0">
+                <a:solidFill>
+                  <a:srgbClr val="000000"/>
+                </a:solidFill>
+                <a:effectLst/>
+                <a:latin typeface="Verdana" panose="020B0604030504040204" pitchFamily="34" charset="0"/>
+              </a:rPr>
+              <a:t>`</a:t>
             </a:r>
             <a:r>
               <a:rPr lang="zh-CN" altLang="en-US" b="0" i="0" dirty="0">
                 <a:solidFill>
-                  <a:srgbClr val="333333"/>
-                </a:solidFill>
-                <a:effectLst/>
-                <a:latin typeface="Helvetica Neue"/>
-              </a:rPr>
-              <a:t>状态时，无法得知目前进展到哪一个阶段（刚刚开始还是即将完成）。</a:t>
-            </a:r>
-          </a:p>
-          <a:p>
-            <a:endParaRPr lang="zh-CN" altLang="en-US" dirty="0"/>
+                  <a:srgbClr val="000000"/>
+                </a:solidFill>
+                <a:effectLst/>
+                <a:latin typeface="Verdana" panose="020B0604030504040204" pitchFamily="34" charset="0"/>
+              </a:rPr>
+              <a:t>。</a:t>
+            </a:r>
+          </a:p>
+          <a:p>
+            <a:pPr algn="l"/>
+            <a:r>
+              <a:rPr lang="zh-CN" altLang="en-US" b="0" i="0" dirty="0">
+                <a:solidFill>
+                  <a:srgbClr val="000000"/>
+                </a:solidFill>
+                <a:effectLst/>
+                <a:latin typeface="Verdana" panose="020B0604030504040204" pitchFamily="34" charset="0"/>
+              </a:rPr>
+              <a:t>宏任务包括 </a:t>
+            </a:r>
+            <a:r>
+              <a:rPr lang="en-US" altLang="zh-CN" b="0" i="0" dirty="0">
+                <a:solidFill>
+                  <a:srgbClr val="000000"/>
+                </a:solidFill>
+                <a:effectLst/>
+                <a:latin typeface="Verdana" panose="020B0604030504040204" pitchFamily="34" charset="0"/>
+              </a:rPr>
+              <a:t>`script` </a:t>
+            </a:r>
+            <a:r>
+              <a:rPr lang="zh-CN" altLang="en-US" b="0" i="0" dirty="0">
+                <a:solidFill>
+                  <a:srgbClr val="000000"/>
+                </a:solidFill>
+                <a:effectLst/>
+                <a:latin typeface="Verdana" panose="020B0604030504040204" pitchFamily="34" charset="0"/>
+              </a:rPr>
+              <a:t>， </a:t>
+            </a:r>
+            <a:r>
+              <a:rPr lang="en-US" altLang="zh-CN" b="0" i="0" dirty="0">
+                <a:solidFill>
+                  <a:srgbClr val="000000"/>
+                </a:solidFill>
+                <a:effectLst/>
+                <a:latin typeface="Verdana" panose="020B0604030504040204" pitchFamily="34" charset="0"/>
+              </a:rPr>
+              <a:t>`</a:t>
+            </a:r>
+            <a:r>
+              <a:rPr lang="en-US" altLang="zh-CN" b="0" i="0" dirty="0" err="1">
+                <a:solidFill>
+                  <a:srgbClr val="000000"/>
+                </a:solidFill>
+                <a:effectLst/>
+                <a:latin typeface="Verdana" panose="020B0604030504040204" pitchFamily="34" charset="0"/>
+              </a:rPr>
+              <a:t>setTimeout</a:t>
+            </a:r>
+            <a:r>
+              <a:rPr lang="en-US" altLang="zh-CN" b="0" i="0" dirty="0">
+                <a:solidFill>
+                  <a:srgbClr val="000000"/>
+                </a:solidFill>
+                <a:effectLst/>
+                <a:latin typeface="Verdana" panose="020B0604030504040204" pitchFamily="34" charset="0"/>
+              </a:rPr>
+              <a:t>` </a:t>
+            </a:r>
+            <a:r>
+              <a:rPr lang="zh-CN" altLang="en-US" b="0" i="0" dirty="0">
+                <a:solidFill>
+                  <a:srgbClr val="000000"/>
+                </a:solidFill>
+                <a:effectLst/>
+                <a:latin typeface="Verdana" panose="020B0604030504040204" pitchFamily="34" charset="0"/>
+              </a:rPr>
+              <a:t>，</a:t>
+            </a:r>
+            <a:r>
+              <a:rPr lang="en-US" altLang="zh-CN" b="0" i="0" dirty="0">
+                <a:solidFill>
+                  <a:srgbClr val="000000"/>
+                </a:solidFill>
+                <a:effectLst/>
+                <a:latin typeface="Verdana" panose="020B0604030504040204" pitchFamily="34" charset="0"/>
+              </a:rPr>
+              <a:t>`</a:t>
+            </a:r>
+            <a:r>
+              <a:rPr lang="en-US" altLang="zh-CN" b="0" i="0" dirty="0" err="1">
+                <a:solidFill>
+                  <a:srgbClr val="000000"/>
+                </a:solidFill>
+                <a:effectLst/>
+                <a:latin typeface="Verdana" panose="020B0604030504040204" pitchFamily="34" charset="0"/>
+              </a:rPr>
+              <a:t>setInterval</a:t>
+            </a:r>
+            <a:r>
+              <a:rPr lang="en-US" altLang="zh-CN" b="0" i="0" dirty="0">
+                <a:solidFill>
+                  <a:srgbClr val="000000"/>
+                </a:solidFill>
+                <a:effectLst/>
+                <a:latin typeface="Verdana" panose="020B0604030504040204" pitchFamily="34" charset="0"/>
+              </a:rPr>
+              <a:t>` </a:t>
+            </a:r>
+            <a:r>
+              <a:rPr lang="zh-CN" altLang="en-US" b="0" i="0" dirty="0">
+                <a:solidFill>
+                  <a:srgbClr val="000000"/>
+                </a:solidFill>
+                <a:effectLst/>
+                <a:latin typeface="Verdana" panose="020B0604030504040204" pitchFamily="34" charset="0"/>
+              </a:rPr>
+              <a:t>，</a:t>
+            </a:r>
+            <a:r>
+              <a:rPr lang="en-US" altLang="zh-CN" b="0" i="0" dirty="0">
+                <a:solidFill>
+                  <a:srgbClr val="000000"/>
+                </a:solidFill>
+                <a:effectLst/>
+                <a:latin typeface="Verdana" panose="020B0604030504040204" pitchFamily="34" charset="0"/>
+              </a:rPr>
+              <a:t>`</a:t>
+            </a:r>
+            <a:r>
+              <a:rPr lang="en-US" altLang="zh-CN" b="0" i="0" dirty="0" err="1">
+                <a:solidFill>
+                  <a:srgbClr val="000000"/>
+                </a:solidFill>
+                <a:effectLst/>
+                <a:latin typeface="Verdana" panose="020B0604030504040204" pitchFamily="34" charset="0"/>
+              </a:rPr>
+              <a:t>setImmediate</a:t>
+            </a:r>
+            <a:r>
+              <a:rPr lang="en-US" altLang="zh-CN" b="0" i="0" dirty="0">
+                <a:solidFill>
+                  <a:srgbClr val="000000"/>
+                </a:solidFill>
+                <a:effectLst/>
+                <a:latin typeface="Verdana" panose="020B0604030504040204" pitchFamily="34" charset="0"/>
+              </a:rPr>
+              <a:t>` </a:t>
+            </a:r>
+            <a:r>
+              <a:rPr lang="zh-CN" altLang="en-US" b="0" i="0" dirty="0">
+                <a:solidFill>
+                  <a:srgbClr val="000000"/>
+                </a:solidFill>
+                <a:effectLst/>
+                <a:latin typeface="Verdana" panose="020B0604030504040204" pitchFamily="34" charset="0"/>
+              </a:rPr>
+              <a:t>，</a:t>
+            </a:r>
+            <a:r>
+              <a:rPr lang="en-US" altLang="zh-CN" b="0" i="0" dirty="0">
+                <a:solidFill>
+                  <a:srgbClr val="000000"/>
+                </a:solidFill>
+                <a:effectLst/>
+                <a:latin typeface="Verdana" panose="020B0604030504040204" pitchFamily="34" charset="0"/>
+              </a:rPr>
+              <a:t>`I/O` </a:t>
+            </a:r>
+            <a:r>
+              <a:rPr lang="zh-CN" altLang="en-US" b="0" i="0" dirty="0">
+                <a:solidFill>
+                  <a:srgbClr val="000000"/>
+                </a:solidFill>
+                <a:effectLst/>
+                <a:latin typeface="Verdana" panose="020B0604030504040204" pitchFamily="34" charset="0"/>
+              </a:rPr>
+              <a:t>，</a:t>
+            </a:r>
+            <a:r>
+              <a:rPr lang="en-US" altLang="zh-CN" b="0" i="0" dirty="0">
+                <a:solidFill>
+                  <a:srgbClr val="000000"/>
+                </a:solidFill>
+                <a:effectLst/>
+                <a:latin typeface="Verdana" panose="020B0604030504040204" pitchFamily="34" charset="0"/>
+              </a:rPr>
+              <a:t>`UI rendering`</a:t>
+            </a:r>
+            <a:r>
+              <a:rPr lang="zh-CN" altLang="en-US" b="0" i="0" dirty="0">
+                <a:solidFill>
+                  <a:srgbClr val="000000"/>
+                </a:solidFill>
+                <a:effectLst/>
+                <a:latin typeface="Verdana" panose="020B0604030504040204" pitchFamily="34" charset="0"/>
+              </a:rPr>
+              <a:t>。</a:t>
+            </a:r>
+          </a:p>
+          <a:p>
+            <a:pPr algn="l"/>
+            <a:r>
+              <a:rPr lang="zh-CN" altLang="en-US" b="0" i="0" dirty="0">
+                <a:solidFill>
+                  <a:srgbClr val="000000"/>
+                </a:solidFill>
+                <a:effectLst/>
+                <a:latin typeface="Verdana" panose="020B0604030504040204" pitchFamily="34" charset="0"/>
+              </a:rPr>
+              <a:t> </a:t>
+            </a:r>
+          </a:p>
+          <a:p>
+            <a:endParaRPr lang="en-US" altLang="zh-CN" dirty="0"/>
           </a:p>
         </p:txBody>
       </p:sp>
@@ -1844,11 +2256,6 @@
         </p:txBody>
       </p:sp>
     </p:spTree>
-    <p:extLst>
-      <p:ext uri="{BB962C8B-B14F-4D97-AF65-F5344CB8AC3E}">
-        <p14:creationId xmlns:p14="http://schemas.microsoft.com/office/powerpoint/2010/main" val="1534662767"/>
-      </p:ext>
-    </p:extLst>
   </p:cSld>
   <p:clrMapOvr>
     <a:masterClrMapping/>
@@ -1904,58 +2311,549 @@
           <a:p>
             <a:r>
               <a:rPr lang="zh-CN" altLang="en-US" dirty="0"/>
-              <a:t>通过同步写法 改写异步；基于</a:t>
-            </a:r>
-            <a:r>
-              <a:rPr lang="en-US" altLang="zh-CN" dirty="0"/>
-              <a:t>Promise</a:t>
-            </a:r>
-          </a:p>
-          <a:p>
+              <a:t>宏任务、微任务</a:t>
+            </a:r>
             <a:endParaRPr lang="en-US" altLang="zh-CN" dirty="0"/>
           </a:p>
           <a:p>
-            <a:r>
-              <a:rPr lang="en-US" altLang="zh-CN" dirty="0"/>
-              <a:t>Async await  </a:t>
-            </a:r>
-            <a:r>
-              <a:rPr lang="zh-CN" altLang="en-US" dirty="0"/>
-              <a:t>后面一定要是</a:t>
-            </a:r>
-            <a:r>
-              <a:rPr lang="en-US" altLang="zh-CN" dirty="0"/>
-              <a:t>promise</a:t>
-            </a:r>
-            <a:r>
-              <a:rPr lang="zh-CN" altLang="en-US" dirty="0"/>
-              <a:t>对象</a:t>
-            </a:r>
             <a:endParaRPr lang="en-US" altLang="zh-CN" dirty="0"/>
           </a:p>
           <a:p>
+            <a:pPr algn="l"/>
+            <a:r>
+              <a:rPr lang="en-US" altLang="zh-CN" b="0" i="0" dirty="0">
+                <a:solidFill>
+                  <a:srgbClr val="000000"/>
+                </a:solidFill>
+                <a:effectLst/>
+                <a:latin typeface="Verdana" panose="020B0604030504040204" pitchFamily="34" charset="0"/>
+              </a:rPr>
+              <a:t>1.js</a:t>
+            </a:r>
+            <a:r>
+              <a:rPr lang="zh-CN" altLang="en-US" b="0" i="0" dirty="0">
+                <a:solidFill>
+                  <a:srgbClr val="000000"/>
+                </a:solidFill>
+                <a:effectLst/>
+                <a:latin typeface="Verdana" panose="020B0604030504040204" pitchFamily="34" charset="0"/>
+              </a:rPr>
+              <a:t>的执行顺序，先同步后异步</a:t>
+            </a:r>
+          </a:p>
+          <a:p>
+            <a:pPr algn="l"/>
+            <a:r>
+              <a:rPr lang="en-US" altLang="zh-CN" b="0" i="0" dirty="0">
+                <a:solidFill>
+                  <a:srgbClr val="000000"/>
+                </a:solidFill>
+                <a:effectLst/>
+                <a:latin typeface="Verdana" panose="020B0604030504040204" pitchFamily="34" charset="0"/>
+              </a:rPr>
+              <a:t>2.</a:t>
+            </a:r>
+            <a:r>
+              <a:rPr lang="zh-CN" altLang="en-US" b="0" i="0" dirty="0">
+                <a:solidFill>
+                  <a:srgbClr val="000000"/>
+                </a:solidFill>
+                <a:effectLst/>
+                <a:latin typeface="Verdana" panose="020B0604030504040204" pitchFamily="34" charset="0"/>
+              </a:rPr>
+              <a:t>异步中任务队列的执行顺序： 先微任务</a:t>
+            </a:r>
+            <a:r>
+              <a:rPr lang="en-US" altLang="zh-CN" b="0" i="0" dirty="0">
+                <a:solidFill>
+                  <a:srgbClr val="000000"/>
+                </a:solidFill>
+                <a:effectLst/>
+                <a:latin typeface="Verdana" panose="020B0604030504040204" pitchFamily="34" charset="0"/>
+              </a:rPr>
+              <a:t>microtask</a:t>
+            </a:r>
+            <a:r>
+              <a:rPr lang="zh-CN" altLang="en-US" b="0" i="0" dirty="0">
+                <a:solidFill>
+                  <a:srgbClr val="000000"/>
+                </a:solidFill>
+                <a:effectLst/>
+                <a:latin typeface="Verdana" panose="020B0604030504040204" pitchFamily="34" charset="0"/>
+              </a:rPr>
+              <a:t>队列，再宏任务</a:t>
+            </a:r>
+            <a:r>
+              <a:rPr lang="en-US" altLang="zh-CN" b="0" i="0" dirty="0" err="1">
+                <a:solidFill>
+                  <a:srgbClr val="000000"/>
+                </a:solidFill>
+                <a:effectLst/>
+                <a:latin typeface="Verdana" panose="020B0604030504040204" pitchFamily="34" charset="0"/>
+              </a:rPr>
+              <a:t>macrotask</a:t>
+            </a:r>
+            <a:r>
+              <a:rPr lang="zh-CN" altLang="en-US" b="0" i="0" dirty="0">
+                <a:solidFill>
+                  <a:srgbClr val="000000"/>
+                </a:solidFill>
+                <a:effectLst/>
+                <a:latin typeface="Verdana" panose="020B0604030504040204" pitchFamily="34" charset="0"/>
+              </a:rPr>
+              <a:t>队列</a:t>
+            </a:r>
+          </a:p>
+          <a:p>
+            <a:pPr algn="l"/>
+            <a:r>
+              <a:rPr lang="en-US" altLang="zh-CN" b="0" i="0" dirty="0">
+                <a:solidFill>
+                  <a:srgbClr val="000000"/>
+                </a:solidFill>
+                <a:effectLst/>
+                <a:latin typeface="Verdana" panose="020B0604030504040204" pitchFamily="34" charset="0"/>
+              </a:rPr>
+              <a:t>3.</a:t>
+            </a:r>
+            <a:r>
+              <a:rPr lang="zh-CN" altLang="en-US" b="0" i="0" dirty="0">
+                <a:solidFill>
+                  <a:srgbClr val="000000"/>
+                </a:solidFill>
+                <a:effectLst/>
+                <a:latin typeface="Verdana" panose="020B0604030504040204" pitchFamily="34" charset="0"/>
+              </a:rPr>
+              <a:t>调用</a:t>
+            </a:r>
+            <a:r>
+              <a:rPr lang="en-US" altLang="zh-CN" b="0" i="0" dirty="0">
+                <a:solidFill>
+                  <a:srgbClr val="000000"/>
+                </a:solidFill>
+                <a:effectLst/>
+                <a:latin typeface="Verdana" panose="020B0604030504040204" pitchFamily="34" charset="0"/>
+              </a:rPr>
+              <a:t>Promise </a:t>
+            </a:r>
+            <a:r>
+              <a:rPr lang="zh-CN" altLang="en-US" b="0" i="0" dirty="0">
+                <a:solidFill>
+                  <a:srgbClr val="000000"/>
+                </a:solidFill>
+                <a:effectLst/>
+                <a:latin typeface="Verdana" panose="020B0604030504040204" pitchFamily="34" charset="0"/>
+              </a:rPr>
+              <a:t>中的</a:t>
+            </a:r>
+            <a:r>
+              <a:rPr lang="en-US" altLang="zh-CN" b="0" i="0" dirty="0">
+                <a:solidFill>
+                  <a:srgbClr val="000000"/>
+                </a:solidFill>
+                <a:effectLst/>
+                <a:latin typeface="Verdana" panose="020B0604030504040204" pitchFamily="34" charset="0"/>
+              </a:rPr>
+              <a:t>resolve</a:t>
+            </a:r>
+            <a:r>
+              <a:rPr lang="zh-CN" altLang="en-US" b="0" i="0" dirty="0">
+                <a:solidFill>
+                  <a:srgbClr val="000000"/>
+                </a:solidFill>
+                <a:effectLst/>
+                <a:latin typeface="Verdana" panose="020B0604030504040204" pitchFamily="34" charset="0"/>
+              </a:rPr>
+              <a:t>，</a:t>
+            </a:r>
+            <a:r>
+              <a:rPr lang="en-US" altLang="zh-CN" b="0" i="0" dirty="0">
+                <a:solidFill>
+                  <a:srgbClr val="000000"/>
+                </a:solidFill>
+                <a:effectLst/>
+                <a:latin typeface="Verdana" panose="020B0604030504040204" pitchFamily="34" charset="0"/>
+              </a:rPr>
+              <a:t>reject</a:t>
+            </a:r>
+            <a:r>
+              <a:rPr lang="zh-CN" altLang="en-US" b="0" i="0" dirty="0">
+                <a:solidFill>
+                  <a:srgbClr val="000000"/>
+                </a:solidFill>
+                <a:effectLst/>
+                <a:latin typeface="Verdana" panose="020B0604030504040204" pitchFamily="34" charset="0"/>
+              </a:rPr>
+              <a:t>属于微任务队列，</a:t>
+            </a:r>
+            <a:r>
+              <a:rPr lang="en-US" altLang="zh-CN" b="0" i="0" dirty="0" err="1">
+                <a:solidFill>
+                  <a:srgbClr val="000000"/>
+                </a:solidFill>
+                <a:effectLst/>
+                <a:latin typeface="Verdana" panose="020B0604030504040204" pitchFamily="34" charset="0"/>
+              </a:rPr>
+              <a:t>setTimeout</a:t>
+            </a:r>
+            <a:r>
+              <a:rPr lang="zh-CN" altLang="en-US" b="0" i="0" dirty="0">
+                <a:solidFill>
+                  <a:srgbClr val="000000"/>
+                </a:solidFill>
+                <a:effectLst/>
+                <a:latin typeface="Verdana" panose="020B0604030504040204" pitchFamily="34" charset="0"/>
+              </a:rPr>
+              <a:t>属于宏任务队列</a:t>
+            </a:r>
+          </a:p>
+          <a:p>
+            <a:pPr algn="l"/>
+            <a:r>
+              <a:rPr lang="zh-CN" altLang="en-US" b="0" i="0" dirty="0">
+                <a:solidFill>
+                  <a:srgbClr val="000000"/>
+                </a:solidFill>
+                <a:effectLst/>
+                <a:latin typeface="Verdana" panose="020B0604030504040204" pitchFamily="34" charset="0"/>
+              </a:rPr>
+              <a:t>注意以上都是 队列，先进先出。</a:t>
+            </a:r>
+          </a:p>
+          <a:p>
+            <a:pPr algn="l"/>
+            <a:r>
+              <a:rPr lang="zh-CN" altLang="en-US" b="0" i="0" dirty="0">
+                <a:solidFill>
+                  <a:srgbClr val="000000"/>
+                </a:solidFill>
+                <a:effectLst/>
+                <a:latin typeface="Verdana" panose="020B0604030504040204" pitchFamily="34" charset="0"/>
+              </a:rPr>
+              <a:t> </a:t>
+            </a:r>
+          </a:p>
+          <a:p>
+            <a:pPr algn="l"/>
+            <a:r>
+              <a:rPr lang="zh-CN" altLang="en-US" b="0" i="0" dirty="0">
+                <a:solidFill>
+                  <a:srgbClr val="000000"/>
+                </a:solidFill>
+                <a:effectLst/>
+                <a:latin typeface="Verdana" panose="020B0604030504040204" pitchFamily="34" charset="0"/>
+              </a:rPr>
+              <a:t>微任务包括 </a:t>
+            </a:r>
+            <a:r>
+              <a:rPr lang="en-US" altLang="zh-CN" b="0" i="0" dirty="0">
+                <a:solidFill>
+                  <a:srgbClr val="000000"/>
+                </a:solidFill>
+                <a:effectLst/>
+                <a:latin typeface="Verdana" panose="020B0604030504040204" pitchFamily="34" charset="0"/>
+              </a:rPr>
+              <a:t>`</a:t>
+            </a:r>
+            <a:r>
+              <a:rPr lang="en-US" altLang="zh-CN" b="0" i="0" dirty="0" err="1">
+                <a:solidFill>
+                  <a:srgbClr val="000000"/>
+                </a:solidFill>
+                <a:effectLst/>
+                <a:latin typeface="Verdana" panose="020B0604030504040204" pitchFamily="34" charset="0"/>
+              </a:rPr>
+              <a:t>process.nextTick</a:t>
+            </a:r>
+            <a:r>
+              <a:rPr lang="en-US" altLang="zh-CN" b="0" i="0" dirty="0">
+                <a:solidFill>
+                  <a:srgbClr val="000000"/>
+                </a:solidFill>
+                <a:effectLst/>
+                <a:latin typeface="Verdana" panose="020B0604030504040204" pitchFamily="34" charset="0"/>
+              </a:rPr>
+              <a:t>` </a:t>
+            </a:r>
+            <a:r>
+              <a:rPr lang="zh-CN" altLang="en-US" b="0" i="0" dirty="0">
+                <a:solidFill>
+                  <a:srgbClr val="000000"/>
+                </a:solidFill>
+                <a:effectLst/>
+                <a:latin typeface="Verdana" panose="020B0604030504040204" pitchFamily="34" charset="0"/>
+              </a:rPr>
+              <a:t>，</a:t>
+            </a:r>
+            <a:r>
+              <a:rPr lang="en-US" altLang="zh-CN" b="0" i="0" dirty="0">
+                <a:solidFill>
+                  <a:srgbClr val="000000"/>
+                </a:solidFill>
+                <a:effectLst/>
+                <a:latin typeface="Verdana" panose="020B0604030504040204" pitchFamily="34" charset="0"/>
+              </a:rPr>
+              <a:t>`promise` </a:t>
+            </a:r>
+            <a:r>
+              <a:rPr lang="zh-CN" altLang="en-US" b="0" i="0" dirty="0">
+                <a:solidFill>
+                  <a:srgbClr val="000000"/>
+                </a:solidFill>
+                <a:effectLst/>
+                <a:latin typeface="Verdana" panose="020B0604030504040204" pitchFamily="34" charset="0"/>
+              </a:rPr>
+              <a:t>，</a:t>
+            </a:r>
+            <a:r>
+              <a:rPr lang="en-US" altLang="zh-CN" b="0" i="0" dirty="0">
+                <a:solidFill>
+                  <a:srgbClr val="000000"/>
+                </a:solidFill>
+                <a:effectLst/>
+                <a:latin typeface="Verdana" panose="020B0604030504040204" pitchFamily="34" charset="0"/>
+              </a:rPr>
+              <a:t>`</a:t>
+            </a:r>
+            <a:r>
+              <a:rPr lang="en-US" altLang="zh-CN" b="0" i="0" dirty="0" err="1">
+                <a:solidFill>
+                  <a:srgbClr val="000000"/>
+                </a:solidFill>
+                <a:effectLst/>
+                <a:latin typeface="Verdana" panose="020B0604030504040204" pitchFamily="34" charset="0"/>
+              </a:rPr>
+              <a:t>MutationObserver</a:t>
+            </a:r>
+            <a:r>
+              <a:rPr lang="en-US" altLang="zh-CN" b="0" i="0" dirty="0">
+                <a:solidFill>
+                  <a:srgbClr val="000000"/>
+                </a:solidFill>
+                <a:effectLst/>
+                <a:latin typeface="Verdana" panose="020B0604030504040204" pitchFamily="34" charset="0"/>
+              </a:rPr>
+              <a:t>`</a:t>
+            </a:r>
+            <a:r>
+              <a:rPr lang="zh-CN" altLang="en-US" b="0" i="0" dirty="0">
+                <a:solidFill>
+                  <a:srgbClr val="000000"/>
+                </a:solidFill>
+                <a:effectLst/>
+                <a:latin typeface="Verdana" panose="020B0604030504040204" pitchFamily="34" charset="0"/>
+              </a:rPr>
+              <a:t>。</a:t>
+            </a:r>
+          </a:p>
+          <a:p>
+            <a:pPr algn="l"/>
+            <a:r>
+              <a:rPr lang="zh-CN" altLang="en-US" b="0" i="0" dirty="0">
+                <a:solidFill>
+                  <a:srgbClr val="000000"/>
+                </a:solidFill>
+                <a:effectLst/>
+                <a:latin typeface="Verdana" panose="020B0604030504040204" pitchFamily="34" charset="0"/>
+              </a:rPr>
+              <a:t>宏任务包括 </a:t>
+            </a:r>
+            <a:r>
+              <a:rPr lang="en-US" altLang="zh-CN" b="0" i="0" dirty="0">
+                <a:solidFill>
+                  <a:srgbClr val="000000"/>
+                </a:solidFill>
+                <a:effectLst/>
+                <a:latin typeface="Verdana" panose="020B0604030504040204" pitchFamily="34" charset="0"/>
+              </a:rPr>
+              <a:t>`script` </a:t>
+            </a:r>
+            <a:r>
+              <a:rPr lang="zh-CN" altLang="en-US" b="0" i="0" dirty="0">
+                <a:solidFill>
+                  <a:srgbClr val="000000"/>
+                </a:solidFill>
+                <a:effectLst/>
+                <a:latin typeface="Verdana" panose="020B0604030504040204" pitchFamily="34" charset="0"/>
+              </a:rPr>
+              <a:t>， </a:t>
+            </a:r>
+            <a:r>
+              <a:rPr lang="en-US" altLang="zh-CN" b="0" i="0" dirty="0">
+                <a:solidFill>
+                  <a:srgbClr val="000000"/>
+                </a:solidFill>
+                <a:effectLst/>
+                <a:latin typeface="Verdana" panose="020B0604030504040204" pitchFamily="34" charset="0"/>
+              </a:rPr>
+              <a:t>`</a:t>
+            </a:r>
+            <a:r>
+              <a:rPr lang="en-US" altLang="zh-CN" b="0" i="0" dirty="0" err="1">
+                <a:solidFill>
+                  <a:srgbClr val="000000"/>
+                </a:solidFill>
+                <a:effectLst/>
+                <a:latin typeface="Verdana" panose="020B0604030504040204" pitchFamily="34" charset="0"/>
+              </a:rPr>
+              <a:t>setTimeout</a:t>
+            </a:r>
+            <a:r>
+              <a:rPr lang="en-US" altLang="zh-CN" b="0" i="0" dirty="0">
+                <a:solidFill>
+                  <a:srgbClr val="000000"/>
+                </a:solidFill>
+                <a:effectLst/>
+                <a:latin typeface="Verdana" panose="020B0604030504040204" pitchFamily="34" charset="0"/>
+              </a:rPr>
+              <a:t>` </a:t>
+            </a:r>
+            <a:r>
+              <a:rPr lang="zh-CN" altLang="en-US" b="0" i="0" dirty="0">
+                <a:solidFill>
+                  <a:srgbClr val="000000"/>
+                </a:solidFill>
+                <a:effectLst/>
+                <a:latin typeface="Verdana" panose="020B0604030504040204" pitchFamily="34" charset="0"/>
+              </a:rPr>
+              <a:t>，</a:t>
+            </a:r>
+            <a:r>
+              <a:rPr lang="en-US" altLang="zh-CN" b="0" i="0" dirty="0">
+                <a:solidFill>
+                  <a:srgbClr val="000000"/>
+                </a:solidFill>
+                <a:effectLst/>
+                <a:latin typeface="Verdana" panose="020B0604030504040204" pitchFamily="34" charset="0"/>
+              </a:rPr>
+              <a:t>`</a:t>
+            </a:r>
+            <a:r>
+              <a:rPr lang="en-US" altLang="zh-CN" b="0" i="0" dirty="0" err="1">
+                <a:solidFill>
+                  <a:srgbClr val="000000"/>
+                </a:solidFill>
+                <a:effectLst/>
+                <a:latin typeface="Verdana" panose="020B0604030504040204" pitchFamily="34" charset="0"/>
+              </a:rPr>
+              <a:t>setInterval</a:t>
+            </a:r>
+            <a:r>
+              <a:rPr lang="en-US" altLang="zh-CN" b="0" i="0" dirty="0">
+                <a:solidFill>
+                  <a:srgbClr val="000000"/>
+                </a:solidFill>
+                <a:effectLst/>
+                <a:latin typeface="Verdana" panose="020B0604030504040204" pitchFamily="34" charset="0"/>
+              </a:rPr>
+              <a:t>` </a:t>
+            </a:r>
+            <a:r>
+              <a:rPr lang="zh-CN" altLang="en-US" b="0" i="0" dirty="0">
+                <a:solidFill>
+                  <a:srgbClr val="000000"/>
+                </a:solidFill>
+                <a:effectLst/>
+                <a:latin typeface="Verdana" panose="020B0604030504040204" pitchFamily="34" charset="0"/>
+              </a:rPr>
+              <a:t>，</a:t>
+            </a:r>
+            <a:r>
+              <a:rPr lang="en-US" altLang="zh-CN" b="0" i="0" dirty="0">
+                <a:solidFill>
+                  <a:srgbClr val="000000"/>
+                </a:solidFill>
+                <a:effectLst/>
+                <a:latin typeface="Verdana" panose="020B0604030504040204" pitchFamily="34" charset="0"/>
+              </a:rPr>
+              <a:t>`</a:t>
+            </a:r>
+            <a:r>
+              <a:rPr lang="en-US" altLang="zh-CN" b="0" i="0" dirty="0" err="1">
+                <a:solidFill>
+                  <a:srgbClr val="000000"/>
+                </a:solidFill>
+                <a:effectLst/>
+                <a:latin typeface="Verdana" panose="020B0604030504040204" pitchFamily="34" charset="0"/>
+              </a:rPr>
+              <a:t>setImmediate</a:t>
+            </a:r>
+            <a:r>
+              <a:rPr lang="en-US" altLang="zh-CN" b="0" i="0" dirty="0">
+                <a:solidFill>
+                  <a:srgbClr val="000000"/>
+                </a:solidFill>
+                <a:effectLst/>
+                <a:latin typeface="Verdana" panose="020B0604030504040204" pitchFamily="34" charset="0"/>
+              </a:rPr>
+              <a:t>` </a:t>
+            </a:r>
+            <a:r>
+              <a:rPr lang="zh-CN" altLang="en-US" b="0" i="0" dirty="0">
+                <a:solidFill>
+                  <a:srgbClr val="000000"/>
+                </a:solidFill>
+                <a:effectLst/>
+                <a:latin typeface="Verdana" panose="020B0604030504040204" pitchFamily="34" charset="0"/>
+              </a:rPr>
+              <a:t>，</a:t>
+            </a:r>
+            <a:r>
+              <a:rPr lang="en-US" altLang="zh-CN" b="0" i="0" dirty="0">
+                <a:solidFill>
+                  <a:srgbClr val="000000"/>
+                </a:solidFill>
+                <a:effectLst/>
+                <a:latin typeface="Verdana" panose="020B0604030504040204" pitchFamily="34" charset="0"/>
+              </a:rPr>
+              <a:t>`I/O` </a:t>
+            </a:r>
+            <a:r>
+              <a:rPr lang="zh-CN" altLang="en-US" b="0" i="0" dirty="0">
+                <a:solidFill>
+                  <a:srgbClr val="000000"/>
+                </a:solidFill>
+                <a:effectLst/>
+                <a:latin typeface="Verdana" panose="020B0604030504040204" pitchFamily="34" charset="0"/>
+              </a:rPr>
+              <a:t>，</a:t>
+            </a:r>
+            <a:r>
+              <a:rPr lang="en-US" altLang="zh-CN" b="0" i="0" dirty="0">
+                <a:solidFill>
+                  <a:srgbClr val="000000"/>
+                </a:solidFill>
+                <a:effectLst/>
+                <a:latin typeface="Verdana" panose="020B0604030504040204" pitchFamily="34" charset="0"/>
+              </a:rPr>
+              <a:t>`UI rendering`</a:t>
+            </a:r>
+            <a:r>
+              <a:rPr lang="zh-CN" altLang="en-US" b="0" i="0" dirty="0">
+                <a:solidFill>
+                  <a:srgbClr val="000000"/>
+                </a:solidFill>
+                <a:effectLst/>
+                <a:latin typeface="Verdana" panose="020B0604030504040204" pitchFamily="34" charset="0"/>
+              </a:rPr>
+              <a:t>。</a:t>
+            </a:r>
+          </a:p>
+          <a:p>
+            <a:pPr algn="l"/>
+            <a:r>
+              <a:rPr lang="zh-CN" altLang="en-US" b="0" i="0" dirty="0">
+                <a:solidFill>
+                  <a:srgbClr val="000000"/>
+                </a:solidFill>
+                <a:effectLst/>
+                <a:latin typeface="Verdana" panose="020B0604030504040204" pitchFamily="34" charset="0"/>
+              </a:rPr>
+              <a:t> </a:t>
+            </a:r>
+          </a:p>
+          <a:p>
             <a:endParaRPr lang="en-US" altLang="zh-CN" dirty="0"/>
-          </a:p>
-          <a:p>
-            <a:r>
-              <a:rPr lang="zh-CN" altLang="en-US" dirty="0"/>
-              <a:t>可以通过</a:t>
-            </a:r>
-            <a:r>
-              <a:rPr lang="en-US" altLang="zh-CN" dirty="0"/>
-              <a:t>try/catch</a:t>
-            </a:r>
-            <a:r>
-              <a:rPr lang="zh-CN" altLang="en-US" dirty="0"/>
-              <a:t>捕获异常</a:t>
-            </a:r>
-            <a:endParaRPr lang="en-US" altLang="zh-CN" dirty="0"/>
-          </a:p>
-          <a:p>
-            <a:endParaRPr lang="en-US" altLang="zh-CN" dirty="0"/>
-          </a:p>
-          <a:p>
-            <a:endParaRPr lang="zh-CN" altLang="en-US" dirty="0"/>
           </a:p>
         </p:txBody>
       </p:sp>
@@ -2068,7 +2966,7 @@
     </p:spTree>
     <p:extLst>
       <p:ext uri="{BB962C8B-B14F-4D97-AF65-F5344CB8AC3E}">
-        <p14:creationId xmlns:p14="http://schemas.microsoft.com/office/powerpoint/2010/main" val="205720249"/>
+        <p14:creationId xmlns="" xmlns:p14="http://schemas.microsoft.com/office/powerpoint/2010/main" val="1534662767"/>
       </p:ext>
     </p:extLst>
   </p:cSld>
@@ -2126,549 +3024,58 @@
           <a:p>
             <a:r>
               <a:rPr lang="zh-CN" altLang="en-US" dirty="0"/>
-              <a:t>宏任务、微任务</a:t>
-            </a:r>
+              <a:t>通过同步写法 改写异步；基于</a:t>
+            </a:r>
+            <a:r>
+              <a:rPr lang="en-US" altLang="zh-CN" dirty="0"/>
+              <a:t>Promise</a:t>
+            </a:r>
+          </a:p>
+          <a:p>
             <a:endParaRPr lang="en-US" altLang="zh-CN" dirty="0"/>
           </a:p>
           <a:p>
+            <a:r>
+              <a:rPr lang="en-US" altLang="zh-CN" dirty="0"/>
+              <a:t>Async await  </a:t>
+            </a:r>
+            <a:r>
+              <a:rPr lang="zh-CN" altLang="en-US" dirty="0"/>
+              <a:t>后面一定要是</a:t>
+            </a:r>
+            <a:r>
+              <a:rPr lang="en-US" altLang="zh-CN" dirty="0"/>
+              <a:t>promise</a:t>
+            </a:r>
+            <a:r>
+              <a:rPr lang="zh-CN" altLang="en-US" dirty="0"/>
+              <a:t>对象</a:t>
+            </a:r>
             <a:endParaRPr lang="en-US" altLang="zh-CN" dirty="0"/>
           </a:p>
           <a:p>
-            <a:pPr algn="l"/>
-            <a:r>
-              <a:rPr lang="en-US" altLang="zh-CN" b="0" i="0" dirty="0">
-                <a:solidFill>
-                  <a:srgbClr val="000000"/>
-                </a:solidFill>
-                <a:effectLst/>
-                <a:latin typeface="Verdana" panose="020B0604030504040204" pitchFamily="34" charset="0"/>
-              </a:rPr>
-              <a:t>1.js</a:t>
-            </a:r>
-            <a:r>
-              <a:rPr lang="zh-CN" altLang="en-US" b="0" i="0" dirty="0">
-                <a:solidFill>
-                  <a:srgbClr val="000000"/>
-                </a:solidFill>
-                <a:effectLst/>
-                <a:latin typeface="Verdana" panose="020B0604030504040204" pitchFamily="34" charset="0"/>
-              </a:rPr>
-              <a:t>的执行顺序，先同步后异步</a:t>
-            </a:r>
-          </a:p>
-          <a:p>
-            <a:pPr algn="l"/>
-            <a:r>
-              <a:rPr lang="en-US" altLang="zh-CN" b="0" i="0" dirty="0">
-                <a:solidFill>
-                  <a:srgbClr val="000000"/>
-                </a:solidFill>
-                <a:effectLst/>
-                <a:latin typeface="Verdana" panose="020B0604030504040204" pitchFamily="34" charset="0"/>
-              </a:rPr>
-              <a:t>2.</a:t>
-            </a:r>
-            <a:r>
-              <a:rPr lang="zh-CN" altLang="en-US" b="0" i="0" dirty="0">
-                <a:solidFill>
-                  <a:srgbClr val="000000"/>
-                </a:solidFill>
-                <a:effectLst/>
-                <a:latin typeface="Verdana" panose="020B0604030504040204" pitchFamily="34" charset="0"/>
-              </a:rPr>
-              <a:t>异步中任务队列的执行顺序： 先微任务</a:t>
-            </a:r>
-            <a:r>
-              <a:rPr lang="en-US" altLang="zh-CN" b="0" i="0" dirty="0">
-                <a:solidFill>
-                  <a:srgbClr val="000000"/>
-                </a:solidFill>
-                <a:effectLst/>
-                <a:latin typeface="Verdana" panose="020B0604030504040204" pitchFamily="34" charset="0"/>
-              </a:rPr>
-              <a:t>microtask</a:t>
-            </a:r>
-            <a:r>
-              <a:rPr lang="zh-CN" altLang="en-US" b="0" i="0" dirty="0">
-                <a:solidFill>
-                  <a:srgbClr val="000000"/>
-                </a:solidFill>
-                <a:effectLst/>
-                <a:latin typeface="Verdana" panose="020B0604030504040204" pitchFamily="34" charset="0"/>
-              </a:rPr>
-              <a:t>队列，再宏任务</a:t>
-            </a:r>
-            <a:r>
-              <a:rPr lang="en-US" altLang="zh-CN" b="0" i="0" dirty="0" err="1">
-                <a:solidFill>
-                  <a:srgbClr val="000000"/>
-                </a:solidFill>
-                <a:effectLst/>
-                <a:latin typeface="Verdana" panose="020B0604030504040204" pitchFamily="34" charset="0"/>
-              </a:rPr>
-              <a:t>macrotask</a:t>
-            </a:r>
-            <a:r>
-              <a:rPr lang="zh-CN" altLang="en-US" b="0" i="0" dirty="0">
-                <a:solidFill>
-                  <a:srgbClr val="000000"/>
-                </a:solidFill>
-                <a:effectLst/>
-                <a:latin typeface="Verdana" panose="020B0604030504040204" pitchFamily="34" charset="0"/>
-              </a:rPr>
-              <a:t>队列</a:t>
-            </a:r>
-          </a:p>
-          <a:p>
-            <a:pPr algn="l"/>
-            <a:r>
-              <a:rPr lang="en-US" altLang="zh-CN" b="0" i="0" dirty="0">
-                <a:solidFill>
-                  <a:srgbClr val="000000"/>
-                </a:solidFill>
-                <a:effectLst/>
-                <a:latin typeface="Verdana" panose="020B0604030504040204" pitchFamily="34" charset="0"/>
-              </a:rPr>
-              <a:t>3.</a:t>
-            </a:r>
-            <a:r>
-              <a:rPr lang="zh-CN" altLang="en-US" b="0" i="0" dirty="0">
-                <a:solidFill>
-                  <a:srgbClr val="000000"/>
-                </a:solidFill>
-                <a:effectLst/>
-                <a:latin typeface="Verdana" panose="020B0604030504040204" pitchFamily="34" charset="0"/>
-              </a:rPr>
-              <a:t>调用</a:t>
-            </a:r>
-            <a:r>
-              <a:rPr lang="en-US" altLang="zh-CN" b="0" i="0" dirty="0">
-                <a:solidFill>
-                  <a:srgbClr val="000000"/>
-                </a:solidFill>
-                <a:effectLst/>
-                <a:latin typeface="Verdana" panose="020B0604030504040204" pitchFamily="34" charset="0"/>
-              </a:rPr>
-              <a:t>Promise </a:t>
-            </a:r>
-            <a:r>
-              <a:rPr lang="zh-CN" altLang="en-US" b="0" i="0" dirty="0">
-                <a:solidFill>
-                  <a:srgbClr val="000000"/>
-                </a:solidFill>
-                <a:effectLst/>
-                <a:latin typeface="Verdana" panose="020B0604030504040204" pitchFamily="34" charset="0"/>
-              </a:rPr>
-              <a:t>中的</a:t>
-            </a:r>
-            <a:r>
-              <a:rPr lang="en-US" altLang="zh-CN" b="0" i="0" dirty="0">
-                <a:solidFill>
-                  <a:srgbClr val="000000"/>
-                </a:solidFill>
-                <a:effectLst/>
-                <a:latin typeface="Verdana" panose="020B0604030504040204" pitchFamily="34" charset="0"/>
-              </a:rPr>
-              <a:t>resolve</a:t>
-            </a:r>
-            <a:r>
-              <a:rPr lang="zh-CN" altLang="en-US" b="0" i="0" dirty="0">
-                <a:solidFill>
-                  <a:srgbClr val="000000"/>
-                </a:solidFill>
-                <a:effectLst/>
-                <a:latin typeface="Verdana" panose="020B0604030504040204" pitchFamily="34" charset="0"/>
-              </a:rPr>
-              <a:t>，</a:t>
-            </a:r>
-            <a:r>
-              <a:rPr lang="en-US" altLang="zh-CN" b="0" i="0" dirty="0">
-                <a:solidFill>
-                  <a:srgbClr val="000000"/>
-                </a:solidFill>
-                <a:effectLst/>
-                <a:latin typeface="Verdana" panose="020B0604030504040204" pitchFamily="34" charset="0"/>
-              </a:rPr>
-              <a:t>reject</a:t>
-            </a:r>
-            <a:r>
-              <a:rPr lang="zh-CN" altLang="en-US" b="0" i="0" dirty="0">
-                <a:solidFill>
-                  <a:srgbClr val="000000"/>
-                </a:solidFill>
-                <a:effectLst/>
-                <a:latin typeface="Verdana" panose="020B0604030504040204" pitchFamily="34" charset="0"/>
-              </a:rPr>
-              <a:t>属于微任务队列，</a:t>
-            </a:r>
-            <a:r>
-              <a:rPr lang="en-US" altLang="zh-CN" b="0" i="0" dirty="0" err="1">
-                <a:solidFill>
-                  <a:srgbClr val="000000"/>
-                </a:solidFill>
-                <a:effectLst/>
-                <a:latin typeface="Verdana" panose="020B0604030504040204" pitchFamily="34" charset="0"/>
-              </a:rPr>
-              <a:t>setTimeout</a:t>
-            </a:r>
-            <a:r>
-              <a:rPr lang="zh-CN" altLang="en-US" b="0" i="0" dirty="0">
-                <a:solidFill>
-                  <a:srgbClr val="000000"/>
-                </a:solidFill>
-                <a:effectLst/>
-                <a:latin typeface="Verdana" panose="020B0604030504040204" pitchFamily="34" charset="0"/>
-              </a:rPr>
-              <a:t>属于宏任务队列</a:t>
-            </a:r>
-          </a:p>
-          <a:p>
-            <a:pPr algn="l"/>
-            <a:r>
-              <a:rPr lang="zh-CN" altLang="en-US" b="0" i="0" dirty="0">
-                <a:solidFill>
-                  <a:srgbClr val="000000"/>
-                </a:solidFill>
-                <a:effectLst/>
-                <a:latin typeface="Verdana" panose="020B0604030504040204" pitchFamily="34" charset="0"/>
-              </a:rPr>
-              <a:t>注意以上都是 队列，先进先出。</a:t>
-            </a:r>
-          </a:p>
-          <a:p>
-            <a:pPr algn="l"/>
-            <a:r>
-              <a:rPr lang="zh-CN" altLang="en-US" b="0" i="0" dirty="0">
-                <a:solidFill>
-                  <a:srgbClr val="000000"/>
-                </a:solidFill>
-                <a:effectLst/>
-                <a:latin typeface="Verdana" panose="020B0604030504040204" pitchFamily="34" charset="0"/>
-              </a:rPr>
-              <a:t> </a:t>
-            </a:r>
-          </a:p>
-          <a:p>
-            <a:pPr algn="l"/>
-            <a:r>
-              <a:rPr lang="zh-CN" altLang="en-US" b="0" i="0" dirty="0">
-                <a:solidFill>
-                  <a:srgbClr val="000000"/>
-                </a:solidFill>
-                <a:effectLst/>
-                <a:latin typeface="Verdana" panose="020B0604030504040204" pitchFamily="34" charset="0"/>
-              </a:rPr>
-              <a:t>微任务包括 </a:t>
-            </a:r>
-            <a:r>
-              <a:rPr lang="en-US" altLang="zh-CN" b="0" i="0" dirty="0">
-                <a:solidFill>
-                  <a:srgbClr val="000000"/>
-                </a:solidFill>
-                <a:effectLst/>
-                <a:latin typeface="Verdana" panose="020B0604030504040204" pitchFamily="34" charset="0"/>
-              </a:rPr>
-              <a:t>`</a:t>
-            </a:r>
-            <a:r>
-              <a:rPr lang="en-US" altLang="zh-CN" b="0" i="0" dirty="0" err="1">
-                <a:solidFill>
-                  <a:srgbClr val="000000"/>
-                </a:solidFill>
-                <a:effectLst/>
-                <a:latin typeface="Verdana" panose="020B0604030504040204" pitchFamily="34" charset="0"/>
-              </a:rPr>
-              <a:t>process.nextTick</a:t>
-            </a:r>
-            <a:r>
-              <a:rPr lang="en-US" altLang="zh-CN" b="0" i="0" dirty="0">
-                <a:solidFill>
-                  <a:srgbClr val="000000"/>
-                </a:solidFill>
-                <a:effectLst/>
-                <a:latin typeface="Verdana" panose="020B0604030504040204" pitchFamily="34" charset="0"/>
-              </a:rPr>
-              <a:t>` </a:t>
-            </a:r>
-            <a:r>
-              <a:rPr lang="zh-CN" altLang="en-US" b="0" i="0" dirty="0">
-                <a:solidFill>
-                  <a:srgbClr val="000000"/>
-                </a:solidFill>
-                <a:effectLst/>
-                <a:latin typeface="Verdana" panose="020B0604030504040204" pitchFamily="34" charset="0"/>
-              </a:rPr>
-              <a:t>，</a:t>
-            </a:r>
-            <a:r>
-              <a:rPr lang="en-US" altLang="zh-CN" b="0" i="0" dirty="0">
-                <a:solidFill>
-                  <a:srgbClr val="000000"/>
-                </a:solidFill>
-                <a:effectLst/>
-                <a:latin typeface="Verdana" panose="020B0604030504040204" pitchFamily="34" charset="0"/>
-              </a:rPr>
-              <a:t>`promise` </a:t>
-            </a:r>
-            <a:r>
-              <a:rPr lang="zh-CN" altLang="en-US" b="0" i="0" dirty="0">
-                <a:solidFill>
-                  <a:srgbClr val="000000"/>
-                </a:solidFill>
-                <a:effectLst/>
-                <a:latin typeface="Verdana" panose="020B0604030504040204" pitchFamily="34" charset="0"/>
-              </a:rPr>
-              <a:t>，</a:t>
-            </a:r>
-            <a:r>
-              <a:rPr lang="en-US" altLang="zh-CN" b="0" i="0" dirty="0">
-                <a:solidFill>
-                  <a:srgbClr val="000000"/>
-                </a:solidFill>
-                <a:effectLst/>
-                <a:latin typeface="Verdana" panose="020B0604030504040204" pitchFamily="34" charset="0"/>
-              </a:rPr>
-              <a:t>`</a:t>
-            </a:r>
-            <a:r>
-              <a:rPr lang="en-US" altLang="zh-CN" b="0" i="0" dirty="0" err="1">
-                <a:solidFill>
-                  <a:srgbClr val="000000"/>
-                </a:solidFill>
-                <a:effectLst/>
-                <a:latin typeface="Verdana" panose="020B0604030504040204" pitchFamily="34" charset="0"/>
-              </a:rPr>
-              <a:t>MutationObserver</a:t>
-            </a:r>
-            <a:r>
-              <a:rPr lang="en-US" altLang="zh-CN" b="0" i="0" dirty="0">
-                <a:solidFill>
-                  <a:srgbClr val="000000"/>
-                </a:solidFill>
-                <a:effectLst/>
-                <a:latin typeface="Verdana" panose="020B0604030504040204" pitchFamily="34" charset="0"/>
-              </a:rPr>
-              <a:t>`</a:t>
-            </a:r>
-            <a:r>
-              <a:rPr lang="zh-CN" altLang="en-US" b="0" i="0" dirty="0">
-                <a:solidFill>
-                  <a:srgbClr val="000000"/>
-                </a:solidFill>
-                <a:effectLst/>
-                <a:latin typeface="Verdana" panose="020B0604030504040204" pitchFamily="34" charset="0"/>
-              </a:rPr>
-              <a:t>。</a:t>
-            </a:r>
-          </a:p>
-          <a:p>
-            <a:pPr algn="l"/>
-            <a:r>
-              <a:rPr lang="zh-CN" altLang="en-US" b="0" i="0" dirty="0">
-                <a:solidFill>
-                  <a:srgbClr val="000000"/>
-                </a:solidFill>
-                <a:effectLst/>
-                <a:latin typeface="Verdana" panose="020B0604030504040204" pitchFamily="34" charset="0"/>
-              </a:rPr>
-              <a:t>宏任务包括 </a:t>
-            </a:r>
-            <a:r>
-              <a:rPr lang="en-US" altLang="zh-CN" b="0" i="0" dirty="0">
-                <a:solidFill>
-                  <a:srgbClr val="000000"/>
-                </a:solidFill>
-                <a:effectLst/>
-                <a:latin typeface="Verdana" panose="020B0604030504040204" pitchFamily="34" charset="0"/>
-              </a:rPr>
-              <a:t>`script` </a:t>
-            </a:r>
-            <a:r>
-              <a:rPr lang="zh-CN" altLang="en-US" b="0" i="0" dirty="0">
-                <a:solidFill>
-                  <a:srgbClr val="000000"/>
-                </a:solidFill>
-                <a:effectLst/>
-                <a:latin typeface="Verdana" panose="020B0604030504040204" pitchFamily="34" charset="0"/>
-              </a:rPr>
-              <a:t>， </a:t>
-            </a:r>
-            <a:r>
-              <a:rPr lang="en-US" altLang="zh-CN" b="0" i="0" dirty="0">
-                <a:solidFill>
-                  <a:srgbClr val="000000"/>
-                </a:solidFill>
-                <a:effectLst/>
-                <a:latin typeface="Verdana" panose="020B0604030504040204" pitchFamily="34" charset="0"/>
-              </a:rPr>
-              <a:t>`</a:t>
-            </a:r>
-            <a:r>
-              <a:rPr lang="en-US" altLang="zh-CN" b="0" i="0" dirty="0" err="1">
-                <a:solidFill>
-                  <a:srgbClr val="000000"/>
-                </a:solidFill>
-                <a:effectLst/>
-                <a:latin typeface="Verdana" panose="020B0604030504040204" pitchFamily="34" charset="0"/>
-              </a:rPr>
-              <a:t>setTimeout</a:t>
-            </a:r>
-            <a:r>
-              <a:rPr lang="en-US" altLang="zh-CN" b="0" i="0" dirty="0">
-                <a:solidFill>
-                  <a:srgbClr val="000000"/>
-                </a:solidFill>
-                <a:effectLst/>
-                <a:latin typeface="Verdana" panose="020B0604030504040204" pitchFamily="34" charset="0"/>
-              </a:rPr>
-              <a:t>` </a:t>
-            </a:r>
-            <a:r>
-              <a:rPr lang="zh-CN" altLang="en-US" b="0" i="0" dirty="0">
-                <a:solidFill>
-                  <a:srgbClr val="000000"/>
-                </a:solidFill>
-                <a:effectLst/>
-                <a:latin typeface="Verdana" panose="020B0604030504040204" pitchFamily="34" charset="0"/>
-              </a:rPr>
-              <a:t>，</a:t>
-            </a:r>
-            <a:r>
-              <a:rPr lang="en-US" altLang="zh-CN" b="0" i="0" dirty="0">
-                <a:solidFill>
-                  <a:srgbClr val="000000"/>
-                </a:solidFill>
-                <a:effectLst/>
-                <a:latin typeface="Verdana" panose="020B0604030504040204" pitchFamily="34" charset="0"/>
-              </a:rPr>
-              <a:t>`</a:t>
-            </a:r>
-            <a:r>
-              <a:rPr lang="en-US" altLang="zh-CN" b="0" i="0" dirty="0" err="1">
-                <a:solidFill>
-                  <a:srgbClr val="000000"/>
-                </a:solidFill>
-                <a:effectLst/>
-                <a:latin typeface="Verdana" panose="020B0604030504040204" pitchFamily="34" charset="0"/>
-              </a:rPr>
-              <a:t>setInterval</a:t>
-            </a:r>
-            <a:r>
-              <a:rPr lang="en-US" altLang="zh-CN" b="0" i="0" dirty="0">
-                <a:solidFill>
-                  <a:srgbClr val="000000"/>
-                </a:solidFill>
-                <a:effectLst/>
-                <a:latin typeface="Verdana" panose="020B0604030504040204" pitchFamily="34" charset="0"/>
-              </a:rPr>
-              <a:t>` </a:t>
-            </a:r>
-            <a:r>
-              <a:rPr lang="zh-CN" altLang="en-US" b="0" i="0" dirty="0">
-                <a:solidFill>
-                  <a:srgbClr val="000000"/>
-                </a:solidFill>
-                <a:effectLst/>
-                <a:latin typeface="Verdana" panose="020B0604030504040204" pitchFamily="34" charset="0"/>
-              </a:rPr>
-              <a:t>，</a:t>
-            </a:r>
-            <a:r>
-              <a:rPr lang="en-US" altLang="zh-CN" b="0" i="0" dirty="0">
-                <a:solidFill>
-                  <a:srgbClr val="000000"/>
-                </a:solidFill>
-                <a:effectLst/>
-                <a:latin typeface="Verdana" panose="020B0604030504040204" pitchFamily="34" charset="0"/>
-              </a:rPr>
-              <a:t>`</a:t>
-            </a:r>
-            <a:r>
-              <a:rPr lang="en-US" altLang="zh-CN" b="0" i="0" dirty="0" err="1">
-                <a:solidFill>
-                  <a:srgbClr val="000000"/>
-                </a:solidFill>
-                <a:effectLst/>
-                <a:latin typeface="Verdana" panose="020B0604030504040204" pitchFamily="34" charset="0"/>
-              </a:rPr>
-              <a:t>setImmediate</a:t>
-            </a:r>
-            <a:r>
-              <a:rPr lang="en-US" altLang="zh-CN" b="0" i="0" dirty="0">
-                <a:solidFill>
-                  <a:srgbClr val="000000"/>
-                </a:solidFill>
-                <a:effectLst/>
-                <a:latin typeface="Verdana" panose="020B0604030504040204" pitchFamily="34" charset="0"/>
-              </a:rPr>
-              <a:t>` </a:t>
-            </a:r>
-            <a:r>
-              <a:rPr lang="zh-CN" altLang="en-US" b="0" i="0" dirty="0">
-                <a:solidFill>
-                  <a:srgbClr val="000000"/>
-                </a:solidFill>
-                <a:effectLst/>
-                <a:latin typeface="Verdana" panose="020B0604030504040204" pitchFamily="34" charset="0"/>
-              </a:rPr>
-              <a:t>，</a:t>
-            </a:r>
-            <a:r>
-              <a:rPr lang="en-US" altLang="zh-CN" b="0" i="0" dirty="0">
-                <a:solidFill>
-                  <a:srgbClr val="000000"/>
-                </a:solidFill>
-                <a:effectLst/>
-                <a:latin typeface="Verdana" panose="020B0604030504040204" pitchFamily="34" charset="0"/>
-              </a:rPr>
-              <a:t>`I/O` </a:t>
-            </a:r>
-            <a:r>
-              <a:rPr lang="zh-CN" altLang="en-US" b="0" i="0" dirty="0">
-                <a:solidFill>
-                  <a:srgbClr val="000000"/>
-                </a:solidFill>
-                <a:effectLst/>
-                <a:latin typeface="Verdana" panose="020B0604030504040204" pitchFamily="34" charset="0"/>
-              </a:rPr>
-              <a:t>，</a:t>
-            </a:r>
-            <a:r>
-              <a:rPr lang="en-US" altLang="zh-CN" b="0" i="0" dirty="0">
-                <a:solidFill>
-                  <a:srgbClr val="000000"/>
-                </a:solidFill>
-                <a:effectLst/>
-                <a:latin typeface="Verdana" panose="020B0604030504040204" pitchFamily="34" charset="0"/>
-              </a:rPr>
-              <a:t>`UI rendering`</a:t>
-            </a:r>
-            <a:r>
-              <a:rPr lang="zh-CN" altLang="en-US" b="0" i="0" dirty="0">
-                <a:solidFill>
-                  <a:srgbClr val="000000"/>
-                </a:solidFill>
-                <a:effectLst/>
-                <a:latin typeface="Verdana" panose="020B0604030504040204" pitchFamily="34" charset="0"/>
-              </a:rPr>
-              <a:t>。</a:t>
-            </a:r>
-          </a:p>
-          <a:p>
-            <a:pPr algn="l"/>
-            <a:r>
-              <a:rPr lang="zh-CN" altLang="en-US" b="0" i="0" dirty="0">
-                <a:solidFill>
-                  <a:srgbClr val="000000"/>
-                </a:solidFill>
-                <a:effectLst/>
-                <a:latin typeface="Verdana" panose="020B0604030504040204" pitchFamily="34" charset="0"/>
-              </a:rPr>
-              <a:t> </a:t>
-            </a:r>
-          </a:p>
-          <a:p>
             <a:endParaRPr lang="en-US" altLang="zh-CN" dirty="0"/>
+          </a:p>
+          <a:p>
+            <a:r>
+              <a:rPr lang="zh-CN" altLang="en-US" dirty="0"/>
+              <a:t>可以通过</a:t>
+            </a:r>
+            <a:r>
+              <a:rPr lang="en-US" altLang="zh-CN" dirty="0"/>
+              <a:t>try/catch</a:t>
+            </a:r>
+            <a:r>
+              <a:rPr lang="zh-CN" altLang="en-US" dirty="0"/>
+              <a:t>捕获异常</a:t>
+            </a:r>
+            <a:endParaRPr lang="en-US" altLang="zh-CN" dirty="0"/>
+          </a:p>
+          <a:p>
+            <a:endParaRPr lang="en-US" altLang="zh-CN" dirty="0"/>
+          </a:p>
+          <a:p>
+            <a:endParaRPr lang="zh-CN" altLang="en-US" dirty="0"/>
           </a:p>
         </p:txBody>
       </p:sp>
@@ -2691,6 +3098,558 @@
               <a:rPr lang="zh-CN" altLang="en-US" smtClean="0"/>
               <a:pPr/>
               <a:t>18</a:t>
+            </a:fld>
+            <a:endParaRPr lang="zh-CN" altLang="en-US"/>
+          </a:p>
+        </p:txBody>
+      </p:sp>
+    </p:spTree>
+  </p:cSld>
+  <p:clrMapOvr>
+    <a:masterClrMapping/>
+  </p:clrMapOvr>
+</p:notes>
+</file>
+
+<file path=ppt/notesSlides/notesSlide16.xml><?xml version="1.0" encoding="utf-8"?>
+<p:notes xmlns:a="http://schemas.openxmlformats.org/drawingml/2006/main" xmlns:r="http://schemas.openxmlformats.org/officeDocument/2006/relationships" xmlns:p="http://schemas.openxmlformats.org/presentationml/2006/main">
+  <p:cSld>
+    <p:spTree>
+      <p:nvGrpSpPr>
+        <p:cNvPr id="1" name=""/>
+        <p:cNvGrpSpPr/>
+        <p:nvPr/>
+      </p:nvGrpSpPr>
+      <p:grpSpPr>
+        <a:xfrm>
+          <a:off x="0" y="0"/>
+          <a:ext cx="0" cy="0"/>
+          <a:chOff x="0" y="0"/>
+          <a:chExt cx="0" cy="0"/>
+        </a:xfrm>
+      </p:grpSpPr>
+      <p:sp>
+        <p:nvSpPr>
+          <p:cNvPr id="2" name="幻灯片图像占位符 1"/>
+          <p:cNvSpPr>
+            <a:spLocks noGrp="1" noRot="1" noChangeAspect="1"/>
+          </p:cNvSpPr>
+          <p:nvPr>
+            <p:ph type="sldImg"/>
+          </p:nvPr>
+        </p:nvSpPr>
+        <p:spPr/>
+      </p:sp>
+      <p:sp>
+        <p:nvSpPr>
+          <p:cNvPr id="3" name="备注占位符 2"/>
+          <p:cNvSpPr>
+            <a:spLocks noGrp="1"/>
+          </p:cNvSpPr>
+          <p:nvPr>
+            <p:ph type="body" idx="1"/>
+          </p:nvPr>
+        </p:nvSpPr>
+        <p:spPr/>
+        <p:txBody>
+          <a:bodyPr>
+            <a:normAutofit/>
+          </a:bodyPr>
+          <a:lstStyle/>
+          <a:p>
+            <a:r>
+              <a:rPr lang="zh-CN" altLang="en-US" dirty="0"/>
+              <a:t>通过同步写法 改写异步；基于</a:t>
+            </a:r>
+            <a:r>
+              <a:rPr lang="en-US" altLang="zh-CN" dirty="0"/>
+              <a:t>Promise</a:t>
+            </a:r>
+          </a:p>
+          <a:p>
+            <a:endParaRPr lang="en-US" altLang="zh-CN" dirty="0"/>
+          </a:p>
+          <a:p>
+            <a:r>
+              <a:rPr lang="en-US" altLang="zh-CN" dirty="0"/>
+              <a:t>Async await  </a:t>
+            </a:r>
+            <a:r>
+              <a:rPr lang="zh-CN" altLang="en-US" dirty="0"/>
+              <a:t>后面一定要是</a:t>
+            </a:r>
+            <a:r>
+              <a:rPr lang="en-US" altLang="zh-CN" dirty="0"/>
+              <a:t>promise</a:t>
+            </a:r>
+            <a:r>
+              <a:rPr lang="zh-CN" altLang="en-US" dirty="0"/>
+              <a:t>对象</a:t>
+            </a:r>
+            <a:endParaRPr lang="en-US" altLang="zh-CN" dirty="0"/>
+          </a:p>
+          <a:p>
+            <a:endParaRPr lang="en-US" altLang="zh-CN" dirty="0"/>
+          </a:p>
+          <a:p>
+            <a:r>
+              <a:rPr lang="zh-CN" altLang="en-US" dirty="0"/>
+              <a:t>可以通过</a:t>
+            </a:r>
+            <a:r>
+              <a:rPr lang="en-US" altLang="zh-CN" dirty="0"/>
+              <a:t>try/catch</a:t>
+            </a:r>
+            <a:r>
+              <a:rPr lang="zh-CN" altLang="en-US" dirty="0"/>
+              <a:t>捕获异常</a:t>
+            </a:r>
+            <a:endParaRPr lang="en-US" altLang="zh-CN" dirty="0"/>
+          </a:p>
+          <a:p>
+            <a:endParaRPr lang="en-US" altLang="zh-CN" dirty="0"/>
+          </a:p>
+          <a:p>
+            <a:endParaRPr lang="zh-CN" altLang="en-US" dirty="0"/>
+          </a:p>
+        </p:txBody>
+      </p:sp>
+      <p:sp>
+        <p:nvSpPr>
+          <p:cNvPr id="4" name="灯片编号占位符 3"/>
+          <p:cNvSpPr>
+            <a:spLocks noGrp="1"/>
+          </p:cNvSpPr>
+          <p:nvPr>
+            <p:ph type="sldNum" sz="quarter" idx="10"/>
+          </p:nvPr>
+        </p:nvSpPr>
+        <p:spPr/>
+        <p:txBody>
+          <a:bodyPr/>
+          <a:lstStyle/>
+          <a:p>
+            <a:fld id="{2ECEE1F2-8A3E-44A2-85F0-608F51E16203}" type="slidenum">
+              <a:rPr lang="zh-CN" altLang="en-US" smtClean="0"/>
+              <a:pPr/>
+              <a:t>19</a:t>
+            </a:fld>
+            <a:endParaRPr lang="zh-CN" altLang="en-US"/>
+          </a:p>
+        </p:txBody>
+      </p:sp>
+    </p:spTree>
+  </p:cSld>
+  <p:clrMapOvr>
+    <a:masterClrMapping/>
+  </p:clrMapOvr>
+</p:notes>
+</file>
+
+<file path=ppt/notesSlides/notesSlide17.xml><?xml version="1.0" encoding="utf-8"?>
+<p:notes xmlns:a="http://schemas.openxmlformats.org/drawingml/2006/main" xmlns:r="http://schemas.openxmlformats.org/officeDocument/2006/relationships" xmlns:p="http://schemas.openxmlformats.org/presentationml/2006/main">
+  <p:cSld>
+    <p:spTree>
+      <p:nvGrpSpPr>
+        <p:cNvPr id="1" name=""/>
+        <p:cNvGrpSpPr/>
+        <p:nvPr/>
+      </p:nvGrpSpPr>
+      <p:grpSpPr>
+        <a:xfrm>
+          <a:off x="0" y="0"/>
+          <a:ext cx="0" cy="0"/>
+          <a:chOff x="0" y="0"/>
+          <a:chExt cx="0" cy="0"/>
+        </a:xfrm>
+      </p:grpSpPr>
+      <p:sp>
+        <p:nvSpPr>
+          <p:cNvPr id="2" name="幻灯片图像占位符 1"/>
+          <p:cNvSpPr>
+            <a:spLocks noGrp="1" noRot="1" noChangeAspect="1"/>
+          </p:cNvSpPr>
+          <p:nvPr>
+            <p:ph type="sldImg"/>
+          </p:nvPr>
+        </p:nvSpPr>
+        <p:spPr/>
+      </p:sp>
+      <p:sp>
+        <p:nvSpPr>
+          <p:cNvPr id="3" name="备注占位符 2"/>
+          <p:cNvSpPr>
+            <a:spLocks noGrp="1"/>
+          </p:cNvSpPr>
+          <p:nvPr>
+            <p:ph type="body" idx="1"/>
+          </p:nvPr>
+        </p:nvSpPr>
+        <p:spPr/>
+        <p:txBody>
+          <a:bodyPr>
+            <a:normAutofit/>
+          </a:bodyPr>
+          <a:lstStyle/>
+          <a:p>
+            <a:endParaRPr lang="zh-CN" altLang="en-US" dirty="0"/>
+          </a:p>
+        </p:txBody>
+      </p:sp>
+      <p:sp>
+        <p:nvSpPr>
+          <p:cNvPr id="4" name="灯片编号占位符 3"/>
+          <p:cNvSpPr>
+            <a:spLocks noGrp="1"/>
+          </p:cNvSpPr>
+          <p:nvPr>
+            <p:ph type="sldNum" sz="quarter" idx="10"/>
+          </p:nvPr>
+        </p:nvSpPr>
+        <p:spPr/>
+        <p:txBody>
+          <a:bodyPr/>
+          <a:lstStyle/>
+          <a:p>
+            <a:fld id="{2ECEE1F2-8A3E-44A2-85F0-608F51E16203}" type="slidenum">
+              <a:rPr lang="zh-CN" altLang="en-US" smtClean="0"/>
+              <a:pPr/>
+              <a:t>20</a:t>
+            </a:fld>
+            <a:endParaRPr lang="zh-CN" altLang="en-US"/>
+          </a:p>
+        </p:txBody>
+      </p:sp>
+    </p:spTree>
+  </p:cSld>
+  <p:clrMapOvr>
+    <a:masterClrMapping/>
+  </p:clrMapOvr>
+</p:notes>
+</file>
+
+<file path=ppt/notesSlides/notesSlide18.xml><?xml version="1.0" encoding="utf-8"?>
+<p:notes xmlns:a="http://schemas.openxmlformats.org/drawingml/2006/main" xmlns:r="http://schemas.openxmlformats.org/officeDocument/2006/relationships" xmlns:p="http://schemas.openxmlformats.org/presentationml/2006/main">
+  <p:cSld>
+    <p:spTree>
+      <p:nvGrpSpPr>
+        <p:cNvPr id="1" name=""/>
+        <p:cNvGrpSpPr/>
+        <p:nvPr/>
+      </p:nvGrpSpPr>
+      <p:grpSpPr>
+        <a:xfrm>
+          <a:off x="0" y="0"/>
+          <a:ext cx="0" cy="0"/>
+          <a:chOff x="0" y="0"/>
+          <a:chExt cx="0" cy="0"/>
+        </a:xfrm>
+      </p:grpSpPr>
+      <p:sp>
+        <p:nvSpPr>
+          <p:cNvPr id="2" name="幻灯片图像占位符 1"/>
+          <p:cNvSpPr>
+            <a:spLocks noGrp="1" noRot="1" noChangeAspect="1"/>
+          </p:cNvSpPr>
+          <p:nvPr>
+            <p:ph type="sldImg"/>
+          </p:nvPr>
+        </p:nvSpPr>
+        <p:spPr/>
+      </p:sp>
+      <p:sp>
+        <p:nvSpPr>
+          <p:cNvPr id="3" name="备注占位符 2"/>
+          <p:cNvSpPr>
+            <a:spLocks noGrp="1"/>
+          </p:cNvSpPr>
+          <p:nvPr>
+            <p:ph type="body" idx="1"/>
+          </p:nvPr>
+        </p:nvSpPr>
+        <p:spPr/>
+        <p:txBody>
+          <a:bodyPr>
+            <a:normAutofit/>
+          </a:bodyPr>
+          <a:lstStyle/>
+          <a:p>
+            <a:r>
+              <a:rPr lang="zh-CN" altLang="en-US" sz="1200" b="0" i="0" kern="1200" smtClean="0">
+                <a:solidFill>
+                  <a:schemeClr val="tx1"/>
+                </a:solidFill>
+                <a:latin typeface="+mn-lt"/>
+                <a:ea typeface="+mn-ea"/>
+                <a:cs typeface="+mn-cs"/>
+              </a:rPr>
+              <a:t>使用</a:t>
+            </a:r>
+            <a:r>
+              <a:rPr lang="en-US" altLang="zh-CN" sz="1200" b="0" i="0" kern="1200" smtClean="0">
+                <a:solidFill>
+                  <a:schemeClr val="tx1"/>
+                </a:solidFill>
+                <a:latin typeface="+mn-lt"/>
+                <a:ea typeface="+mn-ea"/>
+                <a:cs typeface="+mn-cs"/>
+              </a:rPr>
+              <a:t>Async/Await</a:t>
+            </a:r>
+            <a:r>
+              <a:rPr lang="zh-CN" altLang="en-US" sz="1200" b="0" i="0" kern="1200" smtClean="0">
+                <a:solidFill>
+                  <a:schemeClr val="tx1"/>
+                </a:solidFill>
+                <a:latin typeface="+mn-lt"/>
+                <a:ea typeface="+mn-ea"/>
+                <a:cs typeface="+mn-cs"/>
+              </a:rPr>
+              <a:t>明显节约了不少代码。我们不需要写</a:t>
+            </a:r>
+            <a:r>
+              <a:rPr lang="en-US" altLang="zh-CN" sz="1200" b="0" i="0" kern="1200" smtClean="0">
+                <a:solidFill>
+                  <a:schemeClr val="tx1"/>
+                </a:solidFill>
+                <a:latin typeface="+mn-lt"/>
+                <a:ea typeface="+mn-ea"/>
+                <a:cs typeface="+mn-cs"/>
+              </a:rPr>
+              <a:t>.then</a:t>
+            </a:r>
+            <a:r>
+              <a:rPr lang="zh-CN" altLang="en-US" sz="1200" b="0" i="0" kern="1200" smtClean="0">
+                <a:solidFill>
+                  <a:schemeClr val="tx1"/>
+                </a:solidFill>
+                <a:latin typeface="+mn-lt"/>
+                <a:ea typeface="+mn-ea"/>
+                <a:cs typeface="+mn-cs"/>
+              </a:rPr>
+              <a:t>，不需要写匿名函数处理</a:t>
+            </a:r>
+            <a:r>
+              <a:rPr lang="en-US" altLang="zh-CN" sz="1200" b="0" i="0" kern="1200" smtClean="0">
+                <a:solidFill>
+                  <a:schemeClr val="tx1"/>
+                </a:solidFill>
+                <a:latin typeface="+mn-lt"/>
+                <a:ea typeface="+mn-ea"/>
+                <a:cs typeface="+mn-cs"/>
+              </a:rPr>
+              <a:t>Promise</a:t>
+            </a:r>
+            <a:r>
+              <a:rPr lang="zh-CN" altLang="en-US" sz="1200" b="0" i="0" kern="1200" smtClean="0">
+                <a:solidFill>
+                  <a:schemeClr val="tx1"/>
+                </a:solidFill>
+                <a:latin typeface="+mn-lt"/>
+                <a:ea typeface="+mn-ea"/>
+                <a:cs typeface="+mn-cs"/>
+              </a:rPr>
+              <a:t>的</a:t>
+            </a:r>
+            <a:r>
+              <a:rPr lang="en-US" altLang="zh-CN" sz="1200" b="0" i="0" kern="1200" smtClean="0">
+                <a:solidFill>
+                  <a:schemeClr val="tx1"/>
+                </a:solidFill>
+                <a:latin typeface="+mn-lt"/>
+                <a:ea typeface="+mn-ea"/>
+                <a:cs typeface="+mn-cs"/>
+              </a:rPr>
+              <a:t>resolve</a:t>
+            </a:r>
+            <a:r>
+              <a:rPr lang="zh-CN" altLang="en-US" sz="1200" b="0" i="0" kern="1200" smtClean="0">
+                <a:solidFill>
+                  <a:schemeClr val="tx1"/>
+                </a:solidFill>
+                <a:latin typeface="+mn-lt"/>
+                <a:ea typeface="+mn-ea"/>
+                <a:cs typeface="+mn-cs"/>
+              </a:rPr>
+              <a:t>值，也不需要定义多余的</a:t>
+            </a:r>
+            <a:r>
+              <a:rPr lang="en-US" altLang="zh-CN" sz="1200" b="0" i="0" kern="1200" smtClean="0">
+                <a:solidFill>
+                  <a:schemeClr val="tx1"/>
+                </a:solidFill>
+                <a:latin typeface="+mn-lt"/>
+                <a:ea typeface="+mn-ea"/>
+                <a:cs typeface="+mn-cs"/>
+              </a:rPr>
+              <a:t>data</a:t>
+            </a:r>
+            <a:r>
+              <a:rPr lang="zh-CN" altLang="en-US" sz="1200" b="0" i="0" kern="1200" smtClean="0">
+                <a:solidFill>
+                  <a:schemeClr val="tx1"/>
+                </a:solidFill>
+                <a:latin typeface="+mn-lt"/>
+                <a:ea typeface="+mn-ea"/>
+                <a:cs typeface="+mn-cs"/>
+              </a:rPr>
+              <a:t>变量，还避免了嵌套代码。这些小的优点会迅速累计起来，这在之后的代码示例中会更加明显。</a:t>
+            </a:r>
+            <a:endParaRPr lang="en-US" altLang="zh-CN" dirty="0"/>
+          </a:p>
+          <a:p>
+            <a:endParaRPr lang="en-US" altLang="zh-CN" smtClean="0"/>
+          </a:p>
+          <a:p>
+            <a:r>
+              <a:rPr lang="en-US" sz="1200" b="0" i="0" kern="1200" smtClean="0">
+                <a:solidFill>
+                  <a:schemeClr val="tx1"/>
+                </a:solidFill>
+                <a:latin typeface="+mn-lt"/>
+                <a:ea typeface="+mn-ea"/>
+                <a:cs typeface="+mn-cs"/>
+              </a:rPr>
+              <a:t>Async/Await</a:t>
+            </a:r>
+            <a:r>
+              <a:rPr lang="zh-CN" altLang="en-US" sz="1200" b="0" i="0" kern="1200" smtClean="0">
+                <a:solidFill>
+                  <a:schemeClr val="tx1"/>
+                </a:solidFill>
+                <a:latin typeface="+mn-lt"/>
+                <a:ea typeface="+mn-ea"/>
+                <a:cs typeface="+mn-cs"/>
+              </a:rPr>
+              <a:t>让</a:t>
+            </a:r>
+            <a:r>
+              <a:rPr lang="en-US" sz="1200" b="0" i="0" kern="1200" smtClean="0">
+                <a:solidFill>
+                  <a:schemeClr val="tx1"/>
+                </a:solidFill>
+                <a:latin typeface="+mn-lt"/>
+                <a:ea typeface="+mn-ea"/>
+                <a:cs typeface="+mn-cs"/>
+              </a:rPr>
+              <a:t>try/catch</a:t>
+            </a:r>
+            <a:r>
+              <a:rPr lang="zh-CN" altLang="en-US" sz="1200" b="0" i="0" kern="1200" smtClean="0">
+                <a:solidFill>
+                  <a:schemeClr val="tx1"/>
+                </a:solidFill>
+                <a:latin typeface="+mn-lt"/>
+                <a:ea typeface="+mn-ea"/>
+                <a:cs typeface="+mn-cs"/>
+              </a:rPr>
+              <a:t>可以同时处理同步和异步错误。</a:t>
+            </a:r>
+            <a:endParaRPr lang="zh-CN" altLang="en-US" dirty="0"/>
+          </a:p>
+        </p:txBody>
+      </p:sp>
+      <p:sp>
+        <p:nvSpPr>
+          <p:cNvPr id="4" name="灯片编号占位符 3"/>
+          <p:cNvSpPr>
+            <a:spLocks noGrp="1"/>
+          </p:cNvSpPr>
+          <p:nvPr>
+            <p:ph type="sldNum" sz="quarter" idx="10"/>
+          </p:nvPr>
+        </p:nvSpPr>
+        <p:spPr/>
+        <p:txBody>
+          <a:bodyPr/>
+          <a:lstStyle/>
+          <a:p>
+            <a:fld id="{2ECEE1F2-8A3E-44A2-85F0-608F51E16203}" type="slidenum">
+              <a:rPr lang="zh-CN" altLang="en-US" smtClean="0"/>
+              <a:pPr/>
+              <a:t>21</a:t>
+            </a:fld>
+            <a:endParaRPr lang="zh-CN" altLang="en-US"/>
+          </a:p>
+        </p:txBody>
+      </p:sp>
+    </p:spTree>
+  </p:cSld>
+  <p:clrMapOvr>
+    <a:masterClrMapping/>
+  </p:clrMapOvr>
+</p:notes>
+</file>
+
+<file path=ppt/notesSlides/notesSlide19.xml><?xml version="1.0" encoding="utf-8"?>
+<p:notes xmlns:a="http://schemas.openxmlformats.org/drawingml/2006/main" xmlns:r="http://schemas.openxmlformats.org/officeDocument/2006/relationships" xmlns:p="http://schemas.openxmlformats.org/presentationml/2006/main">
+  <p:cSld>
+    <p:spTree>
+      <p:nvGrpSpPr>
+        <p:cNvPr id="1" name=""/>
+        <p:cNvGrpSpPr/>
+        <p:nvPr/>
+      </p:nvGrpSpPr>
+      <p:grpSpPr>
+        <a:xfrm>
+          <a:off x="0" y="0"/>
+          <a:ext cx="0" cy="0"/>
+          <a:chOff x="0" y="0"/>
+          <a:chExt cx="0" cy="0"/>
+        </a:xfrm>
+      </p:grpSpPr>
+      <p:sp>
+        <p:nvSpPr>
+          <p:cNvPr id="2" name="幻灯片图像占位符 1"/>
+          <p:cNvSpPr>
+            <a:spLocks noGrp="1" noRot="1" noChangeAspect="1"/>
+          </p:cNvSpPr>
+          <p:nvPr>
+            <p:ph type="sldImg"/>
+          </p:nvPr>
+        </p:nvSpPr>
+        <p:spPr/>
+      </p:sp>
+      <p:sp>
+        <p:nvSpPr>
+          <p:cNvPr id="3" name="备注占位符 2"/>
+          <p:cNvSpPr>
+            <a:spLocks noGrp="1"/>
+          </p:cNvSpPr>
+          <p:nvPr>
+            <p:ph type="body" idx="1"/>
+          </p:nvPr>
+        </p:nvSpPr>
+        <p:spPr/>
+        <p:txBody>
+          <a:bodyPr>
+            <a:normAutofit/>
+          </a:bodyPr>
+          <a:lstStyle/>
+          <a:p>
+            <a:endParaRPr lang="zh-CN" altLang="en-US" dirty="0"/>
+          </a:p>
+        </p:txBody>
+      </p:sp>
+      <p:sp>
+        <p:nvSpPr>
+          <p:cNvPr id="4" name="灯片编号占位符 3"/>
+          <p:cNvSpPr>
+            <a:spLocks noGrp="1"/>
+          </p:cNvSpPr>
+          <p:nvPr>
+            <p:ph type="sldNum" sz="quarter" idx="10"/>
+          </p:nvPr>
+        </p:nvSpPr>
+        <p:spPr/>
+        <p:txBody>
+          <a:bodyPr/>
+          <a:lstStyle/>
+          <a:p>
+            <a:fld id="{2ECEE1F2-8A3E-44A2-85F0-608F51E16203}" type="slidenum">
+              <a:rPr lang="zh-CN" altLang="en-US" smtClean="0"/>
+              <a:pPr/>
+              <a:t>22</a:t>
             </a:fld>
             <a:endParaRPr lang="zh-CN" altLang="en-US"/>
           </a:p>
@@ -3194,6 +4153,10 @@
               </a:rPr>
               <a:t>优点： 简单</a:t>
             </a:r>
+            <a:r>
+              <a:rPr lang="zh-CN" altLang="en-US" dirty="0"/>
+              <a:t/>
+            </a:r>
             <a:br>
               <a:rPr lang="zh-CN" altLang="en-US" dirty="0"/>
             </a:br>
@@ -3349,6 +4312,10 @@
               </a:rPr>
               <a:t>优点：代码解耦</a:t>
             </a:r>
+            <a:r>
+              <a:rPr lang="zh-CN" altLang="en-US" dirty="0"/>
+              <a:t/>
+            </a:r>
             <a:br>
               <a:rPr lang="zh-CN" altLang="en-US" dirty="0"/>
             </a:br>
@@ -3526,6 +4493,10 @@
               </a:rPr>
               <a:t>）来管理发布和订阅，事件越多越强大</a:t>
             </a:r>
+            <a:r>
+              <a:rPr lang="zh-CN" altLang="en-US" dirty="0"/>
+              <a:t/>
+            </a:r>
             <a:br>
               <a:rPr lang="zh-CN" altLang="en-US" dirty="0"/>
             </a:br>
@@ -3681,6 +4652,10 @@
               </a:rPr>
               <a:t>优点： 既有回调函数的简单直观，又具备事件的状态内聚</a:t>
             </a:r>
+            <a:r>
+              <a:rPr lang="zh-CN" altLang="en-US" dirty="0"/>
+              <a:t/>
+            </a:r>
             <a:br>
               <a:rPr lang="zh-CN" altLang="en-US" dirty="0"/>
             </a:br>
@@ -3919,7 +4894,7 @@
     </p:spTree>
     <p:extLst>
       <p:ext uri="{BB962C8B-B14F-4D97-AF65-F5344CB8AC3E}">
-        <p14:creationId xmlns:p14="http://schemas.microsoft.com/office/powerpoint/2010/main" val="272834305"/>
+        <p14:creationId xmlns="" xmlns:p14="http://schemas.microsoft.com/office/powerpoint/2010/main" val="272834305"/>
       </p:ext>
     </p:extLst>
   </p:cSld>
@@ -3984,7 +4959,7 @@
               <a:t>什么是</a:t>
             </a:r>
             <a:r>
-              <a:rPr lang="en-US" altLang="zh-CN" dirty="0">
+              <a:rPr lang="en-US" altLang="zh-CN">
                 <a:solidFill>
                   <a:schemeClr val="tx1"/>
                 </a:solidFill>
@@ -3992,12 +4967,28 @@
               <a:t>Promise</a:t>
             </a:r>
             <a:r>
-              <a:rPr lang="zh-CN" altLang="en-US" dirty="0">
+              <a:rPr lang="zh-CN" altLang="en-US" smtClean="0">
                 <a:solidFill>
                   <a:schemeClr val="tx1"/>
                 </a:solidFill>
               </a:rPr>
               <a:t>？</a:t>
+            </a:r>
+            <a:r>
+              <a:rPr lang="en-US" altLang="zh-CN" smtClean="0">
+                <a:solidFill>
+                  <a:schemeClr val="tx1"/>
+                </a:solidFill>
+              </a:rPr>
+              <a:t>Promise</a:t>
+            </a:r>
+            <a:r>
+              <a:rPr lang="zh-CN" altLang="en-US" smtClean="0">
+                <a:solidFill>
+                  <a:schemeClr val="tx1"/>
+                </a:solidFill>
+              </a:rPr>
+              <a:t>是一个对象。</a:t>
             </a:r>
             <a:endParaRPr lang="en-US" altLang="zh-CN" dirty="0">
               <a:solidFill>
@@ -4027,7 +5018,50 @@
                   <a:schemeClr val="tx1"/>
                 </a:solidFill>
               </a:rPr>
-              <a:t>能做什么？</a:t>
+              <a:t>能做</a:t>
+            </a:r>
+            <a:r>
+              <a:rPr lang="zh-CN" altLang="en-US">
+                <a:solidFill>
+                  <a:schemeClr val="tx1"/>
+                </a:solidFill>
+              </a:rPr>
+              <a:t>什么</a:t>
+            </a:r>
+            <a:r>
+              <a:rPr lang="zh-CN" altLang="en-US" smtClean="0">
+                <a:solidFill>
+                  <a:schemeClr val="tx1"/>
+                </a:solidFill>
+              </a:rPr>
+              <a:t>？</a:t>
+            </a:r>
+            <a:r>
+              <a:rPr lang="en-US" altLang="zh-CN" smtClean="0">
+                <a:solidFill>
+                  <a:schemeClr val="tx1"/>
+                </a:solidFill>
+              </a:rPr>
+              <a:t>Promise</a:t>
+            </a:r>
+            <a:r>
+              <a:rPr lang="zh-CN" altLang="en-US" smtClean="0">
+                <a:solidFill>
+                  <a:schemeClr val="tx1"/>
+                </a:solidFill>
+              </a:rPr>
+              <a:t>保存</a:t>
+            </a:r>
+            <a:r>
+              <a:rPr lang="zh-CN" altLang="en-US" sz="1200" b="0" i="0" kern="1200" smtClean="0">
+                <a:solidFill>
+                  <a:schemeClr val="tx1"/>
+                </a:solidFill>
+                <a:latin typeface="+mn-lt"/>
+                <a:ea typeface="+mn-ea"/>
+                <a:cs typeface="+mn-cs"/>
+              </a:rPr>
+              <a:t>未来将要发生的事件，用来传递异步操作的消息。</a:t>
             </a:r>
             <a:endParaRPr lang="en-US" altLang="zh-CN" dirty="0">
               <a:solidFill>
@@ -4052,7 +5086,7 @@
               <a:t>为什么要用</a:t>
             </a:r>
             <a:r>
-              <a:rPr lang="en-US" altLang="zh-CN" dirty="0">
+              <a:rPr lang="en-US" altLang="zh-CN">
                 <a:solidFill>
                   <a:schemeClr val="tx1"/>
                 </a:solidFill>
@@ -4060,12 +5094,12 @@
               <a:t>Promise</a:t>
             </a:r>
             <a:r>
-              <a:rPr lang="zh-CN" altLang="en-US" dirty="0">
+              <a:rPr lang="zh-CN" altLang="en-US" smtClean="0">
                 <a:solidFill>
                   <a:schemeClr val="tx1"/>
                 </a:solidFill>
               </a:rPr>
-              <a:t>？</a:t>
+              <a:t>？我们希望能够解决回调地狱，同时能更加便捷的使用异步操作。</a:t>
             </a:r>
             <a:endParaRPr lang="en-US" altLang="zh-CN" dirty="0">
               <a:solidFill>
@@ -4587,7 +5621,7 @@
     </p:spTree>
     <p:extLst>
       <p:ext uri="{BB962C8B-B14F-4D97-AF65-F5344CB8AC3E}">
-        <p14:creationId xmlns:p14="http://schemas.microsoft.com/office/powerpoint/2010/main" val="2012282296"/>
+        <p14:creationId xmlns="" xmlns:p14="http://schemas.microsoft.com/office/powerpoint/2010/main" val="2012282296"/>
       </p:ext>
     </p:extLst>
   </p:cSld>
@@ -4777,7 +5811,7 @@
             <a:fld id="{5157FB5B-49F7-4AAA-B137-F6C60ACE97BF}" type="datetimeFigureOut">
               <a:rPr lang="zh-CN" altLang="en-US" smtClean="0"/>
               <a:pPr/>
-              <a:t>2020/9/20</a:t>
+              <a:t>2020/9/22</a:t>
             </a:fld>
             <a:endParaRPr lang="zh-CN" altLang="en-US"/>
           </a:p>
@@ -4942,7 +5976,7 @@
             <a:fld id="{5157FB5B-49F7-4AAA-B137-F6C60ACE97BF}" type="datetimeFigureOut">
               <a:rPr lang="zh-CN" altLang="en-US" smtClean="0"/>
               <a:pPr/>
-              <a:t>2020/9/20</a:t>
+              <a:t>2020/9/22</a:t>
             </a:fld>
             <a:endParaRPr lang="zh-CN" altLang="en-US"/>
           </a:p>
@@ -5117,7 +6151,7 @@
             <a:fld id="{5157FB5B-49F7-4AAA-B137-F6C60ACE97BF}" type="datetimeFigureOut">
               <a:rPr lang="zh-CN" altLang="en-US" smtClean="0"/>
               <a:pPr/>
-              <a:t>2020/9/20</a:t>
+              <a:t>2020/9/22</a:t>
             </a:fld>
             <a:endParaRPr lang="zh-CN" altLang="en-US"/>
           </a:p>
@@ -5282,7 +6316,7 @@
             <a:fld id="{5157FB5B-49F7-4AAA-B137-F6C60ACE97BF}" type="datetimeFigureOut">
               <a:rPr lang="zh-CN" altLang="en-US" smtClean="0"/>
               <a:pPr/>
-              <a:t>2020/9/20</a:t>
+              <a:t>2020/9/22</a:t>
             </a:fld>
             <a:endParaRPr lang="zh-CN" altLang="en-US"/>
           </a:p>
@@ -5524,7 +6558,7 @@
             <a:fld id="{5157FB5B-49F7-4AAA-B137-F6C60ACE97BF}" type="datetimeFigureOut">
               <a:rPr lang="zh-CN" altLang="en-US" smtClean="0"/>
               <a:pPr/>
-              <a:t>2020/9/20</a:t>
+              <a:t>2020/9/22</a:t>
             </a:fld>
             <a:endParaRPr lang="zh-CN" altLang="en-US"/>
           </a:p>
@@ -5806,7 +6840,7 @@
             <a:fld id="{5157FB5B-49F7-4AAA-B137-F6C60ACE97BF}" type="datetimeFigureOut">
               <a:rPr lang="zh-CN" altLang="en-US" smtClean="0"/>
               <a:pPr/>
-              <a:t>2020/9/20</a:t>
+              <a:t>2020/9/22</a:t>
             </a:fld>
             <a:endParaRPr lang="zh-CN" altLang="en-US"/>
           </a:p>
@@ -6222,7 +7256,7 @@
             <a:fld id="{5157FB5B-49F7-4AAA-B137-F6C60ACE97BF}" type="datetimeFigureOut">
               <a:rPr lang="zh-CN" altLang="en-US" smtClean="0"/>
               <a:pPr/>
-              <a:t>2020/9/20</a:t>
+              <a:t>2020/9/22</a:t>
             </a:fld>
             <a:endParaRPr lang="zh-CN" altLang="en-US"/>
           </a:p>
@@ -6336,7 +7370,7 @@
             <a:fld id="{5157FB5B-49F7-4AAA-B137-F6C60ACE97BF}" type="datetimeFigureOut">
               <a:rPr lang="zh-CN" altLang="en-US" smtClean="0"/>
               <a:pPr/>
-              <a:t>2020/9/20</a:t>
+              <a:t>2020/9/22</a:t>
             </a:fld>
             <a:endParaRPr lang="zh-CN" altLang="en-US"/>
           </a:p>
@@ -6428,7 +7462,7 @@
             <a:fld id="{5157FB5B-49F7-4AAA-B137-F6C60ACE97BF}" type="datetimeFigureOut">
               <a:rPr lang="zh-CN" altLang="en-US" smtClean="0"/>
               <a:pPr/>
-              <a:t>2020/9/20</a:t>
+              <a:t>2020/9/22</a:t>
             </a:fld>
             <a:endParaRPr lang="zh-CN" altLang="en-US"/>
           </a:p>
@@ -6700,7 +7734,7 @@
             <a:fld id="{5157FB5B-49F7-4AAA-B137-F6C60ACE97BF}" type="datetimeFigureOut">
               <a:rPr lang="zh-CN" altLang="en-US" smtClean="0"/>
               <a:pPr/>
-              <a:t>2020/9/20</a:t>
+              <a:t>2020/9/22</a:t>
             </a:fld>
             <a:endParaRPr lang="zh-CN" altLang="en-US"/>
           </a:p>
@@ -6949,7 +7983,7 @@
             <a:fld id="{5157FB5B-49F7-4AAA-B137-F6C60ACE97BF}" type="datetimeFigureOut">
               <a:rPr lang="zh-CN" altLang="en-US" smtClean="0"/>
               <a:pPr/>
-              <a:t>2020/9/20</a:t>
+              <a:t>2020/9/22</a:t>
             </a:fld>
             <a:endParaRPr lang="zh-CN" altLang="en-US"/>
           </a:p>
@@ -7166,7 +8200,7 @@
             <a:fld id="{5157FB5B-49F7-4AAA-B137-F6C60ACE97BF}" type="datetimeFigureOut">
               <a:rPr lang="zh-CN" altLang="en-US" smtClean="0"/>
               <a:pPr/>
-              <a:t>2020/9/20</a:t>
+              <a:t>2020/9/22</a:t>
             </a:fld>
             <a:endParaRPr lang="zh-CN" altLang="en-US"/>
           </a:p>
@@ -7574,11 +8608,11 @@
           <a:lstStyle/>
           <a:p>
             <a:r>
-              <a:rPr lang="zh-CN" altLang="en-US" sz="4000">
+              <a:rPr lang="zh-CN" altLang="en-US" sz="4000" smtClean="0">
                 <a:latin typeface="微软雅黑" panose="020B0503020204020204" pitchFamily="34" charset="-122"/>
                 <a:ea typeface="微软雅黑" panose="020B0503020204020204" pitchFamily="34" charset="-122"/>
               </a:rPr>
-              <a:t>异步专题</a:t>
+              <a:t>基于前端的异步编程</a:t>
             </a:r>
             <a:endParaRPr lang="zh-CN" altLang="en-US" sz="1100" dirty="0">
               <a:latin typeface="微软雅黑" panose="020B0503020204020204" pitchFamily="34" charset="-122"/>
@@ -7802,7 +8836,7 @@
           <p:cNvPr id="2" name="矩形 1">
             <a:extLst>
               <a:ext uri="{FF2B5EF4-FFF2-40B4-BE49-F238E27FC236}">
-                <a16:creationId xmlns:a16="http://schemas.microsoft.com/office/drawing/2014/main" id="{A1D42ACF-F1EA-4CAF-AFC2-016C0338FEB6}"/>
+                <a16:creationId xmlns="" xmlns:a16="http://schemas.microsoft.com/office/drawing/2014/main" id="{A1D42ACF-F1EA-4CAF-AFC2-016C0338FEB6}"/>
               </a:ext>
             </a:extLst>
           </p:cNvPr>
@@ -7920,7 +8954,7 @@
           <p:cNvPr id="3" name="爆炸形: 8 pt  2">
             <a:extLst>
               <a:ext uri="{FF2B5EF4-FFF2-40B4-BE49-F238E27FC236}">
-                <a16:creationId xmlns:a16="http://schemas.microsoft.com/office/drawing/2014/main" id="{33FF1F4D-021E-4310-9C0B-8D50A6F1790F}"/>
+                <a16:creationId xmlns="" xmlns:a16="http://schemas.microsoft.com/office/drawing/2014/main" id="{33FF1F4D-021E-4310-9C0B-8D50A6F1790F}"/>
               </a:ext>
             </a:extLst>
           </p:cNvPr>
@@ -7966,7 +9000,7 @@
     </p:spTree>
     <p:extLst>
       <p:ext uri="{BB962C8B-B14F-4D97-AF65-F5344CB8AC3E}">
-        <p14:creationId xmlns:p14="http://schemas.microsoft.com/office/powerpoint/2010/main" val="1659725272"/>
+        <p14:creationId xmlns="" xmlns:p14="http://schemas.microsoft.com/office/powerpoint/2010/main" val="1659725272"/>
       </p:ext>
     </p:extLst>
   </p:cSld>
@@ -8098,7 +9132,7 @@
           <p:cNvPr id="2" name="思想气泡: 云 1">
             <a:extLst>
               <a:ext uri="{FF2B5EF4-FFF2-40B4-BE49-F238E27FC236}">
-                <a16:creationId xmlns:a16="http://schemas.microsoft.com/office/drawing/2014/main" id="{7FC2D24F-A02E-446C-9735-E01740E92E3E}"/>
+                <a16:creationId xmlns="" xmlns:a16="http://schemas.microsoft.com/office/drawing/2014/main" id="{7FC2D24F-A02E-446C-9735-E01740E92E3E}"/>
               </a:ext>
             </a:extLst>
           </p:cNvPr>
@@ -8146,7 +9180,7 @@
           <p:cNvPr id="3" name="矩形 2">
             <a:extLst>
               <a:ext uri="{FF2B5EF4-FFF2-40B4-BE49-F238E27FC236}">
-                <a16:creationId xmlns:a16="http://schemas.microsoft.com/office/drawing/2014/main" id="{DCFE554A-B118-458E-B70A-1650DABF3B52}"/>
+                <a16:creationId xmlns="" xmlns:a16="http://schemas.microsoft.com/office/drawing/2014/main" id="{DCFE554A-B118-458E-B70A-1650DABF3B52}"/>
               </a:ext>
             </a:extLst>
           </p:cNvPr>
@@ -8463,7 +9497,7 @@
           <p:cNvPr id="9" name="图片 8">
             <a:extLst>
               <a:ext uri="{FF2B5EF4-FFF2-40B4-BE49-F238E27FC236}">
-                <a16:creationId xmlns:a16="http://schemas.microsoft.com/office/drawing/2014/main" id="{6AC5D49A-83A9-4799-A59A-4CA91A9FB4B3}"/>
+                <a16:creationId xmlns="" xmlns:a16="http://schemas.microsoft.com/office/drawing/2014/main" id="{6AC5D49A-83A9-4799-A59A-4CA91A9FB4B3}"/>
               </a:ext>
             </a:extLst>
           </p:cNvPr>
@@ -8491,7 +9525,7 @@
     </p:spTree>
     <p:extLst>
       <p:ext uri="{BB962C8B-B14F-4D97-AF65-F5344CB8AC3E}">
-        <p14:creationId xmlns:p14="http://schemas.microsoft.com/office/powerpoint/2010/main" val="1416763377"/>
+        <p14:creationId xmlns="" xmlns:p14="http://schemas.microsoft.com/office/powerpoint/2010/main" val="1416763377"/>
       </p:ext>
     </p:extLst>
   </p:cSld>
@@ -8615,16 +9649,420 @@
           </a:p>
         </p:txBody>
       </p:sp>
+      <p:sp>
+        <p:nvSpPr>
+          <p:cNvPr id="4" name="椭圆 3"/>
+          <p:cNvSpPr/>
+          <p:nvPr/>
+        </p:nvSpPr>
+        <p:spPr>
+          <a:xfrm>
+            <a:off x="5072066" y="4071942"/>
+            <a:ext cx="1571636" cy="857256"/>
+          </a:xfrm>
+          <a:prstGeom prst="ellipse">
+            <a:avLst/>
+          </a:prstGeom>
+          <a:solidFill>
+            <a:schemeClr val="accent2">
+              <a:lumMod val="40000"/>
+              <a:lumOff val="60000"/>
+            </a:schemeClr>
+          </a:solidFill>
+        </p:spPr>
+        <p:style>
+          <a:lnRef idx="2">
+            <a:schemeClr val="accent1">
+              <a:shade val="50000"/>
+            </a:schemeClr>
+          </a:lnRef>
+          <a:fillRef idx="1">
+            <a:schemeClr val="accent1"/>
+          </a:fillRef>
+          <a:effectRef idx="0">
+            <a:schemeClr val="accent1"/>
+          </a:effectRef>
+          <a:fontRef idx="minor">
+            <a:schemeClr val="lt1"/>
+          </a:fontRef>
+        </p:style>
+        <p:txBody>
+          <a:bodyPr rtlCol="0" anchor="ctr"/>
+          <a:lstStyle/>
+          <a:p>
+            <a:pPr algn="ctr"/>
+            <a:r>
+              <a:rPr lang="en-US" altLang="zh-CN" sz="1600" smtClean="0">
+                <a:solidFill>
+                  <a:srgbClr val="333333"/>
+                </a:solidFill>
+                <a:latin typeface="Helvetica Neue"/>
+              </a:rPr>
+              <a:t>rejected</a:t>
+            </a:r>
+            <a:endParaRPr lang="en-US" altLang="zh-CN" sz="1600" dirty="0">
+              <a:solidFill>
+                <a:schemeClr val="tx1"/>
+              </a:solidFill>
+            </a:endParaRPr>
+          </a:p>
+        </p:txBody>
+      </p:sp>
+      <p:sp>
+        <p:nvSpPr>
+          <p:cNvPr id="5" name="椭圆 4"/>
+          <p:cNvSpPr/>
+          <p:nvPr/>
+        </p:nvSpPr>
+        <p:spPr>
+          <a:xfrm>
+            <a:off x="1857356" y="3357562"/>
+            <a:ext cx="1571636" cy="857256"/>
+          </a:xfrm>
+          <a:prstGeom prst="ellipse">
+            <a:avLst/>
+          </a:prstGeom>
+          <a:solidFill>
+            <a:schemeClr val="tx2">
+              <a:lumMod val="20000"/>
+              <a:lumOff val="80000"/>
+            </a:schemeClr>
+          </a:solidFill>
+        </p:spPr>
+        <p:style>
+          <a:lnRef idx="2">
+            <a:schemeClr val="accent1">
+              <a:shade val="50000"/>
+            </a:schemeClr>
+          </a:lnRef>
+          <a:fillRef idx="1">
+            <a:schemeClr val="accent1"/>
+          </a:fillRef>
+          <a:effectRef idx="0">
+            <a:schemeClr val="accent1"/>
+          </a:effectRef>
+          <a:fontRef idx="minor">
+            <a:schemeClr val="lt1"/>
+          </a:fontRef>
+        </p:style>
+        <p:txBody>
+          <a:bodyPr rtlCol="0" anchor="ctr"/>
+          <a:lstStyle/>
+          <a:p>
+            <a:pPr algn="ctr"/>
+            <a:r>
+              <a:rPr lang="en-US" altLang="zh-CN" sz="1600" smtClean="0">
+                <a:solidFill>
+                  <a:srgbClr val="333333"/>
+                </a:solidFill>
+                <a:latin typeface="Helvetica Neue"/>
+              </a:rPr>
+              <a:t>pending</a:t>
+            </a:r>
+            <a:endParaRPr lang="en-US" altLang="zh-CN" sz="1600" dirty="0">
+              <a:solidFill>
+                <a:schemeClr val="tx1"/>
+              </a:solidFill>
+            </a:endParaRPr>
+          </a:p>
+        </p:txBody>
+      </p:sp>
+      <p:sp>
+        <p:nvSpPr>
+          <p:cNvPr id="7" name="椭圆 6"/>
+          <p:cNvSpPr/>
+          <p:nvPr/>
+        </p:nvSpPr>
+        <p:spPr>
+          <a:xfrm>
+            <a:off x="4429124" y="2071678"/>
+            <a:ext cx="1571636" cy="857256"/>
+          </a:xfrm>
+          <a:prstGeom prst="ellipse">
+            <a:avLst/>
+          </a:prstGeom>
+          <a:solidFill>
+            <a:schemeClr val="accent3">
+              <a:lumMod val="40000"/>
+              <a:lumOff val="60000"/>
+            </a:schemeClr>
+          </a:solidFill>
+        </p:spPr>
+        <p:style>
+          <a:lnRef idx="2">
+            <a:schemeClr val="accent1">
+              <a:shade val="50000"/>
+            </a:schemeClr>
+          </a:lnRef>
+          <a:fillRef idx="1">
+            <a:schemeClr val="accent1"/>
+          </a:fillRef>
+          <a:effectRef idx="0">
+            <a:schemeClr val="accent1"/>
+          </a:effectRef>
+          <a:fontRef idx="minor">
+            <a:schemeClr val="lt1"/>
+          </a:fontRef>
+        </p:style>
+        <p:txBody>
+          <a:bodyPr rtlCol="0" anchor="ctr"/>
+          <a:lstStyle/>
+          <a:p>
+            <a:pPr algn="ctr"/>
+            <a:r>
+              <a:rPr lang="en-US" altLang="zh-CN" sz="1600" smtClean="0">
+                <a:solidFill>
+                  <a:srgbClr val="333333"/>
+                </a:solidFill>
+                <a:latin typeface="Helvetica Neue"/>
+              </a:rPr>
+              <a:t>fulfilled</a:t>
+            </a:r>
+            <a:endParaRPr lang="en-US" altLang="zh-CN" sz="1600" dirty="0">
+              <a:solidFill>
+                <a:schemeClr val="tx1"/>
+              </a:solidFill>
+            </a:endParaRPr>
+          </a:p>
+        </p:txBody>
+      </p:sp>
+      <p:cxnSp>
+        <p:nvCxnSpPr>
+          <p:cNvPr id="10" name="直接箭头连接符 9"/>
+          <p:cNvCxnSpPr/>
+          <p:nvPr/>
+        </p:nvCxnSpPr>
+        <p:spPr>
+          <a:xfrm flipV="1">
+            <a:off x="3286116" y="2786058"/>
+            <a:ext cx="1285884" cy="714380"/>
+          </a:xfrm>
+          <a:prstGeom prst="straightConnector1">
+            <a:avLst/>
+          </a:prstGeom>
+          <a:ln>
+            <a:tailEnd type="arrow"/>
+          </a:ln>
+        </p:spPr>
+        <p:style>
+          <a:lnRef idx="1">
+            <a:schemeClr val="accent1"/>
+          </a:lnRef>
+          <a:fillRef idx="0">
+            <a:schemeClr val="accent1"/>
+          </a:fillRef>
+          <a:effectRef idx="0">
+            <a:schemeClr val="accent1"/>
+          </a:effectRef>
+          <a:fontRef idx="minor">
+            <a:schemeClr val="tx1"/>
+          </a:fontRef>
+        </p:style>
+      </p:cxnSp>
+      <p:cxnSp>
+        <p:nvCxnSpPr>
+          <p:cNvPr id="12" name="直接箭头连接符 11"/>
+          <p:cNvCxnSpPr/>
+          <p:nvPr/>
+        </p:nvCxnSpPr>
+        <p:spPr>
+          <a:xfrm>
+            <a:off x="3357554" y="3929066"/>
+            <a:ext cx="1785950" cy="357190"/>
+          </a:xfrm>
+          <a:prstGeom prst="straightConnector1">
+            <a:avLst/>
+          </a:prstGeom>
+          <a:ln>
+            <a:tailEnd type="arrow"/>
+          </a:ln>
+        </p:spPr>
+        <p:style>
+          <a:lnRef idx="1">
+            <a:schemeClr val="accent1"/>
+          </a:lnRef>
+          <a:fillRef idx="0">
+            <a:schemeClr val="accent1"/>
+          </a:fillRef>
+          <a:effectRef idx="0">
+            <a:schemeClr val="accent1"/>
+          </a:effectRef>
+          <a:fontRef idx="minor">
+            <a:schemeClr val="tx1"/>
+          </a:fontRef>
+        </p:style>
+      </p:cxnSp>
     </p:spTree>
     <p:extLst>
       <p:ext uri="{BB962C8B-B14F-4D97-AF65-F5344CB8AC3E}">
-        <p14:creationId xmlns:p14="http://schemas.microsoft.com/office/powerpoint/2010/main" val="2843405449"/>
+        <p14:creationId xmlns="" xmlns:p14="http://schemas.microsoft.com/office/powerpoint/2010/main" val="2843405449"/>
       </p:ext>
     </p:extLst>
   </p:cSld>
   <p:clrMapOvr>
     <a:masterClrMapping/>
   </p:clrMapOvr>
+  <p:timing>
+    <p:tnLst>
+      <p:par>
+        <p:cTn id="1" dur="indefinite" restart="never" nodeType="tmRoot">
+          <p:childTnLst>
+            <p:seq concurrent="1" nextAc="seek">
+              <p:cTn id="2" dur="indefinite" nodeType="mainSeq">
+                <p:childTnLst>
+                  <p:par>
+                    <p:cTn id="3" fill="hold">
+                      <p:stCondLst>
+                        <p:cond delay="indefinite"/>
+                        <p:cond evt="onBegin" delay="0">
+                          <p:tn val="2"/>
+                        </p:cond>
+                      </p:stCondLst>
+                      <p:childTnLst>
+                        <p:par>
+                          <p:cTn id="4" fill="hold">
+                            <p:stCondLst>
+                              <p:cond delay="0"/>
+                            </p:stCondLst>
+                            <p:childTnLst>
+                              <p:par>
+                                <p:cTn id="5" presetID="3" presetClass="entr" presetSubtype="10" fill="hold" grpId="0" nodeType="withEffect">
+                                  <p:stCondLst>
+                                    <p:cond delay="0"/>
+                                  </p:stCondLst>
+                                  <p:childTnLst>
+                                    <p:set>
+                                      <p:cBhvr>
+                                        <p:cTn id="6" dur="1" fill="hold">
+                                          <p:stCondLst>
+                                            <p:cond delay="0"/>
+                                          </p:stCondLst>
+                                        </p:cTn>
+                                        <p:tgtEl>
+                                          <p:spTgt spid="4"/>
+                                        </p:tgtEl>
+                                        <p:attrNameLst>
+                                          <p:attrName>style.visibility</p:attrName>
+                                        </p:attrNameLst>
+                                      </p:cBhvr>
+                                      <p:to>
+                                        <p:strVal val="visible"/>
+                                      </p:to>
+                                    </p:set>
+                                    <p:animEffect transition="in" filter="blinds(horizontal)">
+                                      <p:cBhvr>
+                                        <p:cTn id="7" dur="500"/>
+                                        <p:tgtEl>
+                                          <p:spTgt spid="4"/>
+                                        </p:tgtEl>
+                                      </p:cBhvr>
+                                    </p:animEffect>
+                                  </p:childTnLst>
+                                </p:cTn>
+                              </p:par>
+                              <p:par>
+                                <p:cTn id="8" presetID="3" presetClass="entr" presetSubtype="10" fill="hold" grpId="0" nodeType="withEffect">
+                                  <p:stCondLst>
+                                    <p:cond delay="0"/>
+                                  </p:stCondLst>
+                                  <p:childTnLst>
+                                    <p:set>
+                                      <p:cBhvr>
+                                        <p:cTn id="9" dur="1" fill="hold">
+                                          <p:stCondLst>
+                                            <p:cond delay="0"/>
+                                          </p:stCondLst>
+                                        </p:cTn>
+                                        <p:tgtEl>
+                                          <p:spTgt spid="5"/>
+                                        </p:tgtEl>
+                                        <p:attrNameLst>
+                                          <p:attrName>style.visibility</p:attrName>
+                                        </p:attrNameLst>
+                                      </p:cBhvr>
+                                      <p:to>
+                                        <p:strVal val="visible"/>
+                                      </p:to>
+                                    </p:set>
+                                    <p:animEffect transition="in" filter="blinds(horizontal)">
+                                      <p:cBhvr>
+                                        <p:cTn id="10" dur="500"/>
+                                        <p:tgtEl>
+                                          <p:spTgt spid="5"/>
+                                        </p:tgtEl>
+                                      </p:cBhvr>
+                                    </p:animEffect>
+                                  </p:childTnLst>
+                                </p:cTn>
+                              </p:par>
+                              <p:par>
+                                <p:cTn id="11" presetID="3" presetClass="entr" presetSubtype="10" fill="hold" grpId="0" nodeType="withEffect">
+                                  <p:stCondLst>
+                                    <p:cond delay="0"/>
+                                  </p:stCondLst>
+                                  <p:childTnLst>
+                                    <p:set>
+                                      <p:cBhvr>
+                                        <p:cTn id="12" dur="1" fill="hold">
+                                          <p:stCondLst>
+                                            <p:cond delay="0"/>
+                                          </p:stCondLst>
+                                        </p:cTn>
+                                        <p:tgtEl>
+                                          <p:spTgt spid="7"/>
+                                        </p:tgtEl>
+                                        <p:attrNameLst>
+                                          <p:attrName>style.visibility</p:attrName>
+                                        </p:attrNameLst>
+                                      </p:cBhvr>
+                                      <p:to>
+                                        <p:strVal val="visible"/>
+                                      </p:to>
+                                    </p:set>
+                                    <p:animEffect transition="in" filter="blinds(horizontal)">
+                                      <p:cBhvr>
+                                        <p:cTn id="13" dur="500"/>
+                                        <p:tgtEl>
+                                          <p:spTgt spid="7"/>
+                                        </p:tgtEl>
+                                      </p:cBhvr>
+                                    </p:animEffect>
+                                  </p:childTnLst>
+                                </p:cTn>
+                              </p:par>
+                            </p:childTnLst>
+                          </p:cTn>
+                        </p:par>
+                      </p:childTnLst>
+                    </p:cTn>
+                  </p:par>
+                </p:childTnLst>
+              </p:cTn>
+              <p:prevCondLst>
+                <p:cond evt="onPrev" delay="0">
+                  <p:tgtEl>
+                    <p:sldTgt/>
+                  </p:tgtEl>
+                </p:cond>
+              </p:prevCondLst>
+              <p:nextCondLst>
+                <p:cond evt="onNext" delay="0">
+                  <p:tgtEl>
+                    <p:sldTgt/>
+                  </p:tgtEl>
+                </p:cond>
+              </p:nextCondLst>
+            </p:seq>
+          </p:childTnLst>
+        </p:cTn>
+      </p:par>
+    </p:tnLst>
+    <p:bldLst>
+      <p:bldP spid="4" grpId="0" animBg="1"/>
+      <p:bldP spid="5" grpId="0" animBg="1"/>
+      <p:bldP spid="7" grpId="0" animBg="1"/>
+    </p:bldLst>
+  </p:timing>
 </p:sld>
 </file>
 
@@ -8745,10 +10183,190 @@
           </a:p>
         </p:txBody>
       </p:sp>
+      <p:sp>
+        <p:nvSpPr>
+          <p:cNvPr id="7" name="圆角矩形 6"/>
+          <p:cNvSpPr/>
+          <p:nvPr/>
+        </p:nvSpPr>
+        <p:spPr>
+          <a:xfrm>
+            <a:off x="857224" y="2143116"/>
+            <a:ext cx="3214710" cy="3500462"/>
+          </a:xfrm>
+          <a:prstGeom prst="roundRect">
+            <a:avLst/>
+          </a:prstGeom>
+          <a:solidFill>
+            <a:schemeClr val="tx2">
+              <a:lumMod val="20000"/>
+              <a:lumOff val="80000"/>
+            </a:schemeClr>
+          </a:solidFill>
+        </p:spPr>
+        <p:style>
+          <a:lnRef idx="2">
+            <a:schemeClr val="accent1">
+              <a:shade val="50000"/>
+            </a:schemeClr>
+          </a:lnRef>
+          <a:fillRef idx="1">
+            <a:schemeClr val="accent1"/>
+          </a:fillRef>
+          <a:effectRef idx="0">
+            <a:schemeClr val="accent1"/>
+          </a:effectRef>
+          <a:fontRef idx="minor">
+            <a:schemeClr val="lt1"/>
+          </a:fontRef>
+        </p:style>
+        <p:txBody>
+          <a:bodyPr rtlCol="0" anchor="ctr"/>
+          <a:lstStyle/>
+          <a:p>
+            <a:r>
+              <a:rPr lang="en-US" altLang="zh-CN" smtClean="0">
+                <a:solidFill>
+                  <a:srgbClr val="333333"/>
+                </a:solidFill>
+                <a:latin typeface="Helvetica Neue"/>
+              </a:rPr>
+              <a:t>Promise.prototype.then</a:t>
+            </a:r>
+            <a:endParaRPr lang="en-US" altLang="zh-CN" smtClean="0">
+              <a:solidFill>
+                <a:schemeClr val="tx1"/>
+              </a:solidFill>
+            </a:endParaRPr>
+          </a:p>
+          <a:p>
+            <a:endParaRPr lang="en-US" altLang="zh-CN" smtClean="0">
+              <a:solidFill>
+                <a:schemeClr val="tx1"/>
+              </a:solidFill>
+            </a:endParaRPr>
+          </a:p>
+          <a:p>
+            <a:r>
+              <a:rPr lang="en-US" altLang="zh-CN" smtClean="0">
+                <a:solidFill>
+                  <a:srgbClr val="333333"/>
+                </a:solidFill>
+                <a:latin typeface="Helvetica Neue"/>
+              </a:rPr>
+              <a:t>Promise.prototype.catch</a:t>
+            </a:r>
+            <a:endParaRPr lang="en-US" altLang="zh-CN" dirty="0">
+              <a:solidFill>
+                <a:schemeClr val="tx1"/>
+              </a:solidFill>
+            </a:endParaRPr>
+          </a:p>
+        </p:txBody>
+      </p:sp>
+      <p:sp>
+        <p:nvSpPr>
+          <p:cNvPr id="8" name="圆角矩形 7"/>
+          <p:cNvSpPr/>
+          <p:nvPr/>
+        </p:nvSpPr>
+        <p:spPr>
+          <a:xfrm>
+            <a:off x="4929190" y="2071678"/>
+            <a:ext cx="3214710" cy="3500462"/>
+          </a:xfrm>
+          <a:prstGeom prst="roundRect">
+            <a:avLst/>
+          </a:prstGeom>
+          <a:solidFill>
+            <a:schemeClr val="accent2">
+              <a:lumMod val="20000"/>
+              <a:lumOff val="80000"/>
+            </a:schemeClr>
+          </a:solidFill>
+        </p:spPr>
+        <p:style>
+          <a:lnRef idx="2">
+            <a:schemeClr val="accent1">
+              <a:shade val="50000"/>
+            </a:schemeClr>
+          </a:lnRef>
+          <a:fillRef idx="1">
+            <a:schemeClr val="accent1"/>
+          </a:fillRef>
+          <a:effectRef idx="0">
+            <a:schemeClr val="accent1"/>
+          </a:effectRef>
+          <a:fontRef idx="minor">
+            <a:schemeClr val="lt1"/>
+          </a:fontRef>
+        </p:style>
+        <p:txBody>
+          <a:bodyPr rtlCol="0" anchor="ctr"/>
+          <a:lstStyle/>
+          <a:p>
+            <a:r>
+              <a:rPr lang="en-US" altLang="zh-CN" smtClean="0">
+                <a:solidFill>
+                  <a:srgbClr val="333333"/>
+                </a:solidFill>
+                <a:latin typeface="Helvetica Neue"/>
+              </a:rPr>
+              <a:t>Promise.all</a:t>
+            </a:r>
+            <a:endParaRPr lang="en-US" altLang="zh-CN" smtClean="0">
+              <a:solidFill>
+                <a:schemeClr val="tx1"/>
+              </a:solidFill>
+            </a:endParaRPr>
+          </a:p>
+          <a:p>
+            <a:r>
+              <a:rPr lang="en-US" altLang="zh-CN" smtClean="0">
+                <a:solidFill>
+                  <a:srgbClr val="333333"/>
+                </a:solidFill>
+                <a:latin typeface="Helvetica Neue"/>
+              </a:rPr>
+              <a:t>Promise.race</a:t>
+            </a:r>
+          </a:p>
+          <a:p>
+            <a:endParaRPr lang="en-US" altLang="zh-CN" smtClean="0">
+              <a:solidFill>
+                <a:srgbClr val="333333"/>
+              </a:solidFill>
+              <a:latin typeface="Helvetica Neue"/>
+            </a:endParaRPr>
+          </a:p>
+          <a:p>
+            <a:r>
+              <a:rPr lang="en-US" altLang="zh-CN" smtClean="0">
+                <a:solidFill>
+                  <a:srgbClr val="333333"/>
+                </a:solidFill>
+                <a:latin typeface="Helvetica Neue"/>
+              </a:rPr>
+              <a:t>Promise.resolve</a:t>
+            </a:r>
+          </a:p>
+          <a:p>
+            <a:r>
+              <a:rPr lang="en-US" altLang="zh-CN" smtClean="0">
+                <a:solidFill>
+                  <a:srgbClr val="333333"/>
+                </a:solidFill>
+                <a:latin typeface="Helvetica Neue"/>
+              </a:rPr>
+              <a:t>Promise.reject</a:t>
+            </a:r>
+          </a:p>
+        </p:txBody>
+      </p:sp>
     </p:spTree>
     <p:extLst>
       <p:ext uri="{BB962C8B-B14F-4D97-AF65-F5344CB8AC3E}">
-        <p14:creationId xmlns:p14="http://schemas.microsoft.com/office/powerpoint/2010/main" val="324544657"/>
+        <p14:creationId xmlns="" xmlns:p14="http://schemas.microsoft.com/office/powerpoint/2010/main" val="324544657"/>
       </p:ext>
     </p:extLst>
   </p:cSld>
@@ -8803,447 +10421,6 @@
               </a:lnSpc>
             </a:pPr>
             <a:r>
-              <a:rPr lang="en-US" altLang="zh-CN" sz="2800" dirty="0">
-                <a:latin typeface="微软雅黑" panose="020B0503020204020204" pitchFamily="34" charset="-122"/>
-                <a:ea typeface="微软雅黑" panose="020B0503020204020204" pitchFamily="34" charset="-122"/>
-              </a:rPr>
-              <a:t>Promise</a:t>
-            </a:r>
-            <a:endParaRPr lang="zh-CN" sz="2800" dirty="0">
-              <a:latin typeface="微软雅黑" panose="020B0503020204020204" pitchFamily="34" charset="-122"/>
-              <a:ea typeface="微软雅黑" panose="020B0503020204020204" pitchFamily="34" charset="-122"/>
-            </a:endParaRPr>
-          </a:p>
-        </p:txBody>
-      </p:sp>
-      <p:sp>
-        <p:nvSpPr>
-          <p:cNvPr id="6" name="TextBox 5"/>
-          <p:cNvSpPr txBox="1"/>
-          <p:nvPr/>
-        </p:nvSpPr>
-        <p:spPr>
-          <a:xfrm>
-            <a:off x="395536" y="1340768"/>
-            <a:ext cx="3357586" cy="954107"/>
-          </a:xfrm>
-          <a:prstGeom prst="rect">
-            <a:avLst/>
-          </a:prstGeom>
-          <a:noFill/>
-        </p:spPr>
-        <p:txBody>
-          <a:bodyPr wrap="square" rtlCol="0">
-            <a:spAutoFit/>
-          </a:bodyPr>
-          <a:lstStyle/>
-          <a:p>
-            <a:r>
-              <a:rPr lang="en-US" altLang="zh-CN" sz="2000" dirty="0">
-                <a:latin typeface="微软雅黑" panose="020B0503020204020204" pitchFamily="34" charset="-122"/>
-                <a:ea typeface="微软雅黑" panose="020B0503020204020204" pitchFamily="34" charset="-122"/>
-              </a:rPr>
-              <a:t>5</a:t>
-            </a:r>
-            <a:r>
-              <a:rPr lang="zh-CN" altLang="en-US" sz="2000" dirty="0">
-                <a:latin typeface="微软雅黑" panose="020B0503020204020204" pitchFamily="34" charset="-122"/>
-                <a:ea typeface="微软雅黑" panose="020B0503020204020204" pitchFamily="34" charset="-122"/>
-              </a:rPr>
-              <a:t>、总结</a:t>
-            </a:r>
-            <a:endParaRPr lang="en-US" altLang="zh-CN" sz="2000" dirty="0">
-              <a:latin typeface="微软雅黑" panose="020B0503020204020204" pitchFamily="34" charset="-122"/>
-              <a:ea typeface="微软雅黑" panose="020B0503020204020204" pitchFamily="34" charset="-122"/>
-            </a:endParaRPr>
-          </a:p>
-          <a:p>
-            <a:r>
-              <a:rPr lang="en-US" altLang="zh-CN" dirty="0"/>
-              <a:t>	</a:t>
-            </a:r>
-          </a:p>
-          <a:p>
-            <a:r>
-              <a:rPr lang="en-US" altLang="zh-CN" dirty="0"/>
-              <a:t>		</a:t>
-            </a:r>
-            <a:endParaRPr lang="zh-CN" altLang="en-US" dirty="0"/>
-          </a:p>
-        </p:txBody>
-      </p:sp>
-    </p:spTree>
-    <p:extLst>
-      <p:ext uri="{BB962C8B-B14F-4D97-AF65-F5344CB8AC3E}">
-        <p14:creationId xmlns:p14="http://schemas.microsoft.com/office/powerpoint/2010/main" val="118381098"/>
-      </p:ext>
-    </p:extLst>
-  </p:cSld>
-  <p:clrMapOvr>
-    <a:masterClrMapping/>
-  </p:clrMapOvr>
-</p:sld>
-</file>
-
-<file path=ppt/slides/slide16.xml><?xml version="1.0" encoding="utf-8"?>
-<p:sld xmlns:a="http://schemas.openxmlformats.org/drawingml/2006/main" xmlns:r="http://schemas.openxmlformats.org/officeDocument/2006/relationships" xmlns:p="http://schemas.openxmlformats.org/presentationml/2006/main">
-  <p:cSld>
-    <p:spTree>
-      <p:nvGrpSpPr>
-        <p:cNvPr id="1" name=""/>
-        <p:cNvGrpSpPr/>
-        <p:nvPr/>
-      </p:nvGrpSpPr>
-      <p:grpSpPr>
-        <a:xfrm>
-          <a:off x="0" y="0"/>
-          <a:ext cx="0" cy="0"/>
-          <a:chOff x="0" y="0"/>
-          <a:chExt cx="0" cy="0"/>
-        </a:xfrm>
-      </p:grpSpPr>
-      <p:sp>
-        <p:nvSpPr>
-          <p:cNvPr id="32" name="标题 1"/>
-          <p:cNvSpPr>
-            <a:spLocks noGrp="1"/>
-          </p:cNvSpPr>
-          <p:nvPr>
-            <p:ph type="ctrTitle"/>
-          </p:nvPr>
-        </p:nvSpPr>
-        <p:spPr>
-          <a:xfrm>
-            <a:off x="285720" y="71414"/>
-            <a:ext cx="4000528" cy="571504"/>
-          </a:xfrm>
-        </p:spPr>
-        <p:txBody>
-          <a:bodyPr>
-            <a:noAutofit/>
-          </a:bodyPr>
-          <a:lstStyle/>
-          <a:p>
-            <a:pPr marL="457200" indent="-457200">
-              <a:lnSpc>
-                <a:spcPct val="200000"/>
-              </a:lnSpc>
-            </a:pPr>
-            <a:r>
-              <a:rPr lang="en-US" altLang="zh-CN" sz="2800" dirty="0">
-                <a:latin typeface="微软雅黑" panose="020B0503020204020204" pitchFamily="34" charset="-122"/>
-                <a:ea typeface="微软雅黑" panose="020B0503020204020204" pitchFamily="34" charset="-122"/>
-              </a:rPr>
-              <a:t>async/await</a:t>
-            </a:r>
-            <a:endParaRPr lang="zh-CN" sz="2800" dirty="0">
-              <a:latin typeface="微软雅黑" panose="020B0503020204020204" pitchFamily="34" charset="-122"/>
-              <a:ea typeface="微软雅黑" panose="020B0503020204020204" pitchFamily="34" charset="-122"/>
-            </a:endParaRPr>
-          </a:p>
-        </p:txBody>
-      </p:sp>
-      <p:sp>
-        <p:nvSpPr>
-          <p:cNvPr id="6" name="TextBox 5"/>
-          <p:cNvSpPr txBox="1"/>
-          <p:nvPr/>
-        </p:nvSpPr>
-        <p:spPr>
-          <a:xfrm>
-            <a:off x="357158" y="1357298"/>
-            <a:ext cx="3357586" cy="954107"/>
-          </a:xfrm>
-          <a:prstGeom prst="rect">
-            <a:avLst/>
-          </a:prstGeom>
-          <a:noFill/>
-        </p:spPr>
-        <p:txBody>
-          <a:bodyPr wrap="square" rtlCol="0">
-            <a:spAutoFit/>
-          </a:bodyPr>
-          <a:lstStyle/>
-          <a:p>
-            <a:r>
-              <a:rPr lang="en-US" altLang="zh-CN" sz="2000" dirty="0">
-                <a:latin typeface="微软雅黑" panose="020B0503020204020204" pitchFamily="34" charset="-122"/>
-                <a:ea typeface="微软雅黑" panose="020B0503020204020204" pitchFamily="34" charset="-122"/>
-              </a:rPr>
-              <a:t>1</a:t>
-            </a:r>
-            <a:r>
-              <a:rPr lang="zh-CN" altLang="en-US" sz="2000" dirty="0">
-                <a:latin typeface="微软雅黑" panose="020B0503020204020204" pitchFamily="34" charset="-122"/>
-                <a:ea typeface="微软雅黑" panose="020B0503020204020204" pitchFamily="34" charset="-122"/>
-              </a:rPr>
-              <a:t>、</a:t>
-            </a:r>
-            <a:r>
-              <a:rPr lang="en-US" altLang="zh-CN" sz="2000" dirty="0">
-                <a:latin typeface="微软雅黑" panose="020B0503020204020204" pitchFamily="34" charset="-122"/>
-                <a:ea typeface="微软雅黑" panose="020B0503020204020204" pitchFamily="34" charset="-122"/>
-              </a:rPr>
-              <a:t>ES7</a:t>
-            </a:r>
-            <a:r>
-              <a:rPr lang="zh-CN" altLang="en-US" sz="2000" dirty="0">
-                <a:latin typeface="微软雅黑" panose="020B0503020204020204" pitchFamily="34" charset="-122"/>
-                <a:ea typeface="微软雅黑" panose="020B0503020204020204" pitchFamily="34" charset="-122"/>
-              </a:rPr>
-              <a:t>的异步函数</a:t>
-            </a:r>
-            <a:endParaRPr lang="en-US" altLang="zh-CN" sz="2000" dirty="0">
-              <a:latin typeface="微软雅黑" panose="020B0503020204020204" pitchFamily="34" charset="-122"/>
-              <a:ea typeface="微软雅黑" panose="020B0503020204020204" pitchFamily="34" charset="-122"/>
-            </a:endParaRPr>
-          </a:p>
-          <a:p>
-            <a:r>
-              <a:rPr lang="en-US" altLang="zh-CN" dirty="0"/>
-              <a:t>	</a:t>
-            </a:r>
-          </a:p>
-          <a:p>
-            <a:r>
-              <a:rPr lang="en-US" altLang="zh-CN" dirty="0"/>
-              <a:t>		</a:t>
-            </a:r>
-            <a:endParaRPr lang="zh-CN" altLang="en-US" dirty="0"/>
-          </a:p>
-        </p:txBody>
-      </p:sp>
-      <p:sp>
-        <p:nvSpPr>
-          <p:cNvPr id="2" name="爆炸形: 8 pt  1">
-            <a:extLst>
-              <a:ext uri="{FF2B5EF4-FFF2-40B4-BE49-F238E27FC236}">
-                <a16:creationId xmlns:a16="http://schemas.microsoft.com/office/drawing/2014/main" id="{86ABD85C-8562-41B2-984D-333FFA3945D2}"/>
-              </a:ext>
-            </a:extLst>
-          </p:cNvPr>
-          <p:cNvSpPr/>
-          <p:nvPr/>
-        </p:nvSpPr>
-        <p:spPr>
-          <a:xfrm>
-            <a:off x="3851920" y="2337199"/>
-            <a:ext cx="3096344" cy="1629394"/>
-          </a:xfrm>
-          <a:prstGeom prst="irregularSeal1">
-            <a:avLst/>
-          </a:prstGeom>
-        </p:spPr>
-        <p:style>
-          <a:lnRef idx="1">
-            <a:schemeClr val="accent1"/>
-          </a:lnRef>
-          <a:fillRef idx="2">
-            <a:schemeClr val="accent1"/>
-          </a:fillRef>
-          <a:effectRef idx="1">
-            <a:schemeClr val="accent1"/>
-          </a:effectRef>
-          <a:fontRef idx="minor">
-            <a:schemeClr val="dk1"/>
-          </a:fontRef>
-        </p:style>
-        <p:txBody>
-          <a:bodyPr rtlCol="0" anchor="ctr"/>
-          <a:lstStyle/>
-          <a:p>
-            <a:pPr algn="ctr"/>
-            <a:r>
-              <a:rPr lang="zh-CN" altLang="en-US" sz="2400" dirty="0"/>
-              <a:t>异步的终极解决方案</a:t>
-            </a:r>
-            <a:endParaRPr lang="zh-CN" altLang="en-US" dirty="0"/>
-          </a:p>
-        </p:txBody>
-      </p:sp>
-    </p:spTree>
-  </p:cSld>
-  <p:clrMapOvr>
-    <a:masterClrMapping/>
-  </p:clrMapOvr>
-</p:sld>
-</file>
-
-<file path=ppt/slides/slide17.xml><?xml version="1.0" encoding="utf-8"?>
-<p:sld xmlns:a="http://schemas.openxmlformats.org/drawingml/2006/main" xmlns:r="http://schemas.openxmlformats.org/officeDocument/2006/relationships" xmlns:p="http://schemas.openxmlformats.org/presentationml/2006/main">
-  <p:cSld>
-    <p:spTree>
-      <p:nvGrpSpPr>
-        <p:cNvPr id="1" name=""/>
-        <p:cNvGrpSpPr/>
-        <p:nvPr/>
-      </p:nvGrpSpPr>
-      <p:grpSpPr>
-        <a:xfrm>
-          <a:off x="0" y="0"/>
-          <a:ext cx="0" cy="0"/>
-          <a:chOff x="0" y="0"/>
-          <a:chExt cx="0" cy="0"/>
-        </a:xfrm>
-      </p:grpSpPr>
-      <p:sp>
-        <p:nvSpPr>
-          <p:cNvPr id="32" name="标题 1"/>
-          <p:cNvSpPr>
-            <a:spLocks noGrp="1"/>
-          </p:cNvSpPr>
-          <p:nvPr>
-            <p:ph type="ctrTitle"/>
-          </p:nvPr>
-        </p:nvSpPr>
-        <p:spPr>
-          <a:xfrm>
-            <a:off x="285720" y="71414"/>
-            <a:ext cx="4000528" cy="571504"/>
-          </a:xfrm>
-        </p:spPr>
-        <p:txBody>
-          <a:bodyPr>
-            <a:noAutofit/>
-          </a:bodyPr>
-          <a:lstStyle/>
-          <a:p>
-            <a:pPr marL="457200" indent="-457200">
-              <a:lnSpc>
-                <a:spcPct val="200000"/>
-              </a:lnSpc>
-            </a:pPr>
-            <a:r>
-              <a:rPr lang="zh-CN" altLang="en-US" sz="2800">
-                <a:latin typeface="微软雅黑" panose="020B0503020204020204" pitchFamily="34" charset="-122"/>
-                <a:ea typeface="微软雅黑" panose="020B0503020204020204" pitchFamily="34" charset="-122"/>
-              </a:rPr>
-              <a:t>异步编程</a:t>
-            </a:r>
-            <a:endParaRPr lang="zh-CN" sz="2800" dirty="0">
-              <a:latin typeface="微软雅黑" panose="020B0503020204020204" pitchFamily="34" charset="-122"/>
-              <a:ea typeface="微软雅黑" panose="020B0503020204020204" pitchFamily="34" charset="-122"/>
-            </a:endParaRPr>
-          </a:p>
-        </p:txBody>
-      </p:sp>
-      <p:sp>
-        <p:nvSpPr>
-          <p:cNvPr id="6" name="TextBox 5"/>
-          <p:cNvSpPr txBox="1"/>
-          <p:nvPr/>
-        </p:nvSpPr>
-        <p:spPr>
-          <a:xfrm>
-            <a:off x="357158" y="1357298"/>
-            <a:ext cx="3357586" cy="954107"/>
-          </a:xfrm>
-          <a:prstGeom prst="rect">
-            <a:avLst/>
-          </a:prstGeom>
-          <a:noFill/>
-        </p:spPr>
-        <p:txBody>
-          <a:bodyPr wrap="square" rtlCol="0">
-            <a:spAutoFit/>
-          </a:bodyPr>
-          <a:lstStyle/>
-          <a:p>
-            <a:r>
-              <a:rPr lang="en-US" altLang="zh-CN" sz="2000" dirty="0">
-                <a:latin typeface="微软雅黑" panose="020B0503020204020204" pitchFamily="34" charset="-122"/>
-                <a:ea typeface="微软雅黑" panose="020B0503020204020204" pitchFamily="34" charset="-122"/>
-              </a:rPr>
-              <a:t>3</a:t>
-            </a:r>
-            <a:r>
-              <a:rPr lang="zh-CN" altLang="en-US" sz="2000" dirty="0">
-                <a:latin typeface="微软雅黑" panose="020B0503020204020204" pitchFamily="34" charset="-122"/>
-                <a:ea typeface="微软雅黑" panose="020B0503020204020204" pitchFamily="34" charset="-122"/>
-              </a:rPr>
-              <a:t>、</a:t>
-            </a:r>
-            <a:r>
-              <a:rPr lang="en-US" altLang="zh-CN" sz="2000" dirty="0">
-                <a:latin typeface="微软雅黑" panose="020B0503020204020204" pitchFamily="34" charset="-122"/>
-                <a:ea typeface="微软雅黑" panose="020B0503020204020204" pitchFamily="34" charset="-122"/>
-              </a:rPr>
-              <a:t>how</a:t>
-            </a:r>
-          </a:p>
-          <a:p>
-            <a:r>
-              <a:rPr lang="en-US" altLang="zh-CN" dirty="0"/>
-              <a:t>	</a:t>
-            </a:r>
-          </a:p>
-          <a:p>
-            <a:r>
-              <a:rPr lang="en-US" altLang="zh-CN" dirty="0"/>
-              <a:t>		</a:t>
-            </a:r>
-            <a:endParaRPr lang="zh-CN" altLang="en-US" dirty="0"/>
-          </a:p>
-        </p:txBody>
-      </p:sp>
-    </p:spTree>
-    <p:extLst>
-      <p:ext uri="{BB962C8B-B14F-4D97-AF65-F5344CB8AC3E}">
-        <p14:creationId xmlns:p14="http://schemas.microsoft.com/office/powerpoint/2010/main" val="1647627391"/>
-      </p:ext>
-    </p:extLst>
-  </p:cSld>
-  <p:clrMapOvr>
-    <a:masterClrMapping/>
-  </p:clrMapOvr>
-</p:sld>
-</file>
-
-<file path=ppt/slides/slide18.xml><?xml version="1.0" encoding="utf-8"?>
-<p:sld xmlns:a="http://schemas.openxmlformats.org/drawingml/2006/main" xmlns:r="http://schemas.openxmlformats.org/officeDocument/2006/relationships" xmlns:p="http://schemas.openxmlformats.org/presentationml/2006/main">
-  <p:cSld>
-    <p:spTree>
-      <p:nvGrpSpPr>
-        <p:cNvPr id="1" name=""/>
-        <p:cNvGrpSpPr/>
-        <p:nvPr/>
-      </p:nvGrpSpPr>
-      <p:grpSpPr>
-        <a:xfrm>
-          <a:off x="0" y="0"/>
-          <a:ext cx="0" cy="0"/>
-          <a:chOff x="0" y="0"/>
-          <a:chExt cx="0" cy="0"/>
-        </a:xfrm>
-      </p:grpSpPr>
-      <p:sp>
-        <p:nvSpPr>
-          <p:cNvPr id="32" name="标题 1"/>
-          <p:cNvSpPr>
-            <a:spLocks noGrp="1"/>
-          </p:cNvSpPr>
-          <p:nvPr>
-            <p:ph type="ctrTitle"/>
-          </p:nvPr>
-        </p:nvSpPr>
-        <p:spPr>
-          <a:xfrm>
-            <a:off x="285720" y="71414"/>
-            <a:ext cx="4000528" cy="571504"/>
-          </a:xfrm>
-        </p:spPr>
-        <p:txBody>
-          <a:bodyPr>
-            <a:noAutofit/>
-          </a:bodyPr>
-          <a:lstStyle/>
-          <a:p>
-            <a:pPr marL="457200" indent="-457200">
-              <a:lnSpc>
-                <a:spcPct val="200000"/>
-              </a:lnSpc>
-            </a:pPr>
-            <a:r>
               <a:rPr lang="zh-CN" altLang="en-US" sz="2800">
                 <a:latin typeface="微软雅黑" panose="020B0503020204020204" pitchFamily="34" charset="-122"/>
                 <a:ea typeface="微软雅黑" panose="020B0503020204020204" pitchFamily="34" charset="-122"/>
@@ -9280,18 +10457,25 @@
           <a:lstStyle/>
           <a:p>
             <a:r>
-              <a:rPr lang="en-US" altLang="zh-CN" sz="2000" dirty="0">
+              <a:rPr lang="en-US" altLang="zh-CN" sz="2000" smtClean="0">
                 <a:latin typeface="微软雅黑" panose="020B0503020204020204" pitchFamily="34" charset="-122"/>
                 <a:ea typeface="微软雅黑" panose="020B0503020204020204" pitchFamily="34" charset="-122"/>
               </a:rPr>
-              <a:t>4</a:t>
+              <a:t>5</a:t>
+            </a:r>
+            <a:r>
+              <a:rPr lang="zh-CN" altLang="en-US" sz="2000" smtClean="0">
+                <a:latin typeface="微软雅黑" panose="020B0503020204020204" pitchFamily="34" charset="-122"/>
+                <a:ea typeface="微软雅黑" panose="020B0503020204020204" pitchFamily="34" charset="-122"/>
+              </a:rPr>
+              <a:t>、</a:t>
             </a:r>
             <a:r>
               <a:rPr lang="zh-CN" altLang="en-US" sz="2000" dirty="0">
                 <a:latin typeface="微软雅黑" panose="020B0503020204020204" pitchFamily="34" charset="-122"/>
                 <a:ea typeface="微软雅黑" panose="020B0503020204020204" pitchFamily="34" charset="-122"/>
               </a:rPr>
-              <a:t>、宏任务与微任务</a:t>
+              <a:t>宏任务与微任务</a:t>
             </a:r>
             <a:endParaRPr lang="en-US" altLang="zh-CN" sz="2000" dirty="0">
               <a:latin typeface="微软雅黑" panose="020B0503020204020204" pitchFamily="34" charset="-122"/>
@@ -9368,7 +10552,2322 @@
 </p:sld>
 </file>
 
+<file path=ppt/slides/slide16.xml><?xml version="1.0" encoding="utf-8"?>
+<p:sld xmlns:a="http://schemas.openxmlformats.org/drawingml/2006/main" xmlns:r="http://schemas.openxmlformats.org/officeDocument/2006/relationships" xmlns:p="http://schemas.openxmlformats.org/presentationml/2006/main">
+  <p:cSld>
+    <p:spTree>
+      <p:nvGrpSpPr>
+        <p:cNvPr id="1" name=""/>
+        <p:cNvGrpSpPr/>
+        <p:nvPr/>
+      </p:nvGrpSpPr>
+      <p:grpSpPr>
+        <a:xfrm>
+          <a:off x="0" y="0"/>
+          <a:ext cx="0" cy="0"/>
+          <a:chOff x="0" y="0"/>
+          <a:chExt cx="0" cy="0"/>
+        </a:xfrm>
+      </p:grpSpPr>
+      <p:sp>
+        <p:nvSpPr>
+          <p:cNvPr id="32" name="标题 1"/>
+          <p:cNvSpPr>
+            <a:spLocks noGrp="1"/>
+          </p:cNvSpPr>
+          <p:nvPr>
+            <p:ph type="ctrTitle"/>
+          </p:nvPr>
+        </p:nvSpPr>
+        <p:spPr>
+          <a:xfrm>
+            <a:off x="285720" y="71414"/>
+            <a:ext cx="4000528" cy="571504"/>
+          </a:xfrm>
+        </p:spPr>
+        <p:txBody>
+          <a:bodyPr>
+            <a:noAutofit/>
+          </a:bodyPr>
+          <a:lstStyle/>
+          <a:p>
+            <a:pPr marL="457200" indent="-457200">
+              <a:lnSpc>
+                <a:spcPct val="200000"/>
+              </a:lnSpc>
+            </a:pPr>
+            <a:r>
+              <a:rPr lang="zh-CN" altLang="en-US" sz="2800">
+                <a:latin typeface="微软雅黑" panose="020B0503020204020204" pitchFamily="34" charset="-122"/>
+                <a:ea typeface="微软雅黑" panose="020B0503020204020204" pitchFamily="34" charset="-122"/>
+              </a:rPr>
+              <a:t>基本概念</a:t>
+            </a:r>
+            <a:endParaRPr lang="en-US" altLang="zh-CN" sz="2800" dirty="0">
+              <a:latin typeface="微软雅黑" panose="020B0503020204020204" pitchFamily="34" charset="-122"/>
+              <a:ea typeface="微软雅黑" panose="020B0503020204020204" pitchFamily="34" charset="-122"/>
+            </a:endParaRPr>
+          </a:p>
+        </p:txBody>
+      </p:sp>
+      <p:sp>
+        <p:nvSpPr>
+          <p:cNvPr id="14" name="TextBox 13"/>
+          <p:cNvSpPr txBox="1"/>
+          <p:nvPr/>
+        </p:nvSpPr>
+        <p:spPr>
+          <a:xfrm>
+            <a:off x="357158" y="1357298"/>
+            <a:ext cx="8857168" cy="1846659"/>
+          </a:xfrm>
+          <a:prstGeom prst="rect">
+            <a:avLst/>
+          </a:prstGeom>
+          <a:noFill/>
+        </p:spPr>
+        <p:txBody>
+          <a:bodyPr wrap="square" rtlCol="0">
+            <a:spAutoFit/>
+          </a:bodyPr>
+          <a:lstStyle/>
+          <a:p>
+            <a:r>
+              <a:rPr lang="en-US" altLang="zh-CN" sz="2000" smtClean="0">
+                <a:latin typeface="微软雅黑" panose="020B0503020204020204" pitchFamily="34" charset="-122"/>
+                <a:ea typeface="微软雅黑" panose="020B0503020204020204" pitchFamily="34" charset="-122"/>
+              </a:rPr>
+              <a:t>5</a:t>
+            </a:r>
+            <a:r>
+              <a:rPr lang="zh-CN" altLang="en-US" sz="2000" smtClean="0">
+                <a:latin typeface="微软雅黑" panose="020B0503020204020204" pitchFamily="34" charset="-122"/>
+                <a:ea typeface="微软雅黑" panose="020B0503020204020204" pitchFamily="34" charset="-122"/>
+              </a:rPr>
+              <a:t>、</a:t>
+            </a:r>
+            <a:r>
+              <a:rPr lang="zh-CN" altLang="en-US" sz="2000" dirty="0">
+                <a:latin typeface="微软雅黑" panose="020B0503020204020204" pitchFamily="34" charset="-122"/>
+                <a:ea typeface="微软雅黑" panose="020B0503020204020204" pitchFamily="34" charset="-122"/>
+              </a:rPr>
+              <a:t>宏任务与微任务</a:t>
+            </a:r>
+            <a:endParaRPr lang="en-US" altLang="zh-CN" sz="2000" dirty="0">
+              <a:latin typeface="微软雅黑" panose="020B0503020204020204" pitchFamily="34" charset="-122"/>
+              <a:ea typeface="微软雅黑" panose="020B0503020204020204" pitchFamily="34" charset="-122"/>
+            </a:endParaRPr>
+          </a:p>
+          <a:p>
+            <a:endParaRPr lang="en-US" altLang="zh-CN" sz="2000" dirty="0">
+              <a:latin typeface="微软雅黑" panose="020B0503020204020204" pitchFamily="34" charset="-122"/>
+              <a:ea typeface="微软雅黑" panose="020B0503020204020204" pitchFamily="34" charset="-122"/>
+            </a:endParaRPr>
+          </a:p>
+          <a:p>
+            <a:r>
+              <a:rPr lang="en-US" altLang="zh-CN" sz="2000" dirty="0">
+                <a:latin typeface="微软雅黑" panose="020B0503020204020204" pitchFamily="34" charset="-122"/>
+                <a:ea typeface="微软雅黑" panose="020B0503020204020204" pitchFamily="34" charset="-122"/>
+              </a:rPr>
+              <a:t>	</a:t>
+            </a:r>
+          </a:p>
+          <a:p>
+            <a:r>
+              <a:rPr lang="en-US" altLang="zh-CN" dirty="0"/>
+              <a:t>	</a:t>
+            </a:r>
+          </a:p>
+          <a:p>
+            <a:r>
+              <a:rPr lang="en-US" altLang="zh-CN" dirty="0"/>
+              <a:t>	</a:t>
+            </a:r>
+          </a:p>
+          <a:p>
+            <a:r>
+              <a:rPr lang="en-US" altLang="zh-CN" dirty="0"/>
+              <a:t>	</a:t>
+            </a:r>
+            <a:endParaRPr lang="zh-CN" altLang="en-US" dirty="0"/>
+          </a:p>
+        </p:txBody>
+      </p:sp>
+      <p:sp>
+        <p:nvSpPr>
+          <p:cNvPr id="5" name="圆角矩形 4"/>
+          <p:cNvSpPr/>
+          <p:nvPr/>
+        </p:nvSpPr>
+        <p:spPr>
+          <a:xfrm>
+            <a:off x="857224" y="2143116"/>
+            <a:ext cx="2857520" cy="3500462"/>
+          </a:xfrm>
+          <a:prstGeom prst="roundRect">
+            <a:avLst/>
+          </a:prstGeom>
+          <a:solidFill>
+            <a:schemeClr val="tx2">
+              <a:lumMod val="20000"/>
+              <a:lumOff val="80000"/>
+            </a:schemeClr>
+          </a:solidFill>
+        </p:spPr>
+        <p:style>
+          <a:lnRef idx="2">
+            <a:schemeClr val="accent1">
+              <a:shade val="50000"/>
+            </a:schemeClr>
+          </a:lnRef>
+          <a:fillRef idx="1">
+            <a:schemeClr val="accent1"/>
+          </a:fillRef>
+          <a:effectRef idx="0">
+            <a:schemeClr val="accent1"/>
+          </a:effectRef>
+          <a:fontRef idx="minor">
+            <a:schemeClr val="lt1"/>
+          </a:fontRef>
+        </p:style>
+        <p:txBody>
+          <a:bodyPr rtlCol="0" anchor="ctr"/>
+          <a:lstStyle/>
+          <a:p>
+            <a:r>
+              <a:rPr lang="en-US" altLang="zh-CN" smtClean="0">
+                <a:solidFill>
+                  <a:srgbClr val="000000"/>
+                </a:solidFill>
+                <a:latin typeface="Verdana" panose="020B0604030504040204" pitchFamily="34" charset="0"/>
+              </a:rPr>
+              <a:t>Promise</a:t>
+            </a:r>
+          </a:p>
+          <a:p>
+            <a:r>
+              <a:rPr lang="en-US" altLang="zh-CN" smtClean="0">
+                <a:solidFill>
+                  <a:srgbClr val="000000"/>
+                </a:solidFill>
+                <a:latin typeface="Verdana" panose="020B0604030504040204" pitchFamily="34" charset="0"/>
+              </a:rPr>
+              <a:t>MutationObserver</a:t>
+            </a:r>
+          </a:p>
+          <a:p>
+            <a:r>
+              <a:rPr lang="en-US" altLang="zh-CN" smtClean="0">
+                <a:solidFill>
+                  <a:srgbClr val="000000"/>
+                </a:solidFill>
+                <a:latin typeface="Verdana" panose="020B0604030504040204" pitchFamily="34" charset="0"/>
+              </a:rPr>
+              <a:t>process.nextTick</a:t>
+            </a:r>
+            <a:endParaRPr lang="en-US" altLang="zh-CN" smtClean="0">
+              <a:solidFill>
+                <a:srgbClr val="000000"/>
+              </a:solidFill>
+              <a:latin typeface="Verdana" panose="020B0604030504040204" pitchFamily="34" charset="0"/>
+            </a:endParaRPr>
+          </a:p>
+          <a:p>
+            <a:endParaRPr lang="en-US" altLang="zh-CN" dirty="0">
+              <a:solidFill>
+                <a:schemeClr val="tx1"/>
+              </a:solidFill>
+            </a:endParaRPr>
+          </a:p>
+        </p:txBody>
+      </p:sp>
+      <p:sp>
+        <p:nvSpPr>
+          <p:cNvPr id="6" name="圆角矩形 5"/>
+          <p:cNvSpPr/>
+          <p:nvPr/>
+        </p:nvSpPr>
+        <p:spPr>
+          <a:xfrm>
+            <a:off x="4929190" y="2071678"/>
+            <a:ext cx="3214710" cy="3500462"/>
+          </a:xfrm>
+          <a:prstGeom prst="roundRect">
+            <a:avLst/>
+          </a:prstGeom>
+          <a:solidFill>
+            <a:schemeClr val="accent2">
+              <a:lumMod val="20000"/>
+              <a:lumOff val="80000"/>
+            </a:schemeClr>
+          </a:solidFill>
+        </p:spPr>
+        <p:style>
+          <a:lnRef idx="2">
+            <a:schemeClr val="accent1">
+              <a:shade val="50000"/>
+            </a:schemeClr>
+          </a:lnRef>
+          <a:fillRef idx="1">
+            <a:schemeClr val="accent1"/>
+          </a:fillRef>
+          <a:effectRef idx="0">
+            <a:schemeClr val="accent1"/>
+          </a:effectRef>
+          <a:fontRef idx="minor">
+            <a:schemeClr val="lt1"/>
+          </a:fontRef>
+        </p:style>
+        <p:txBody>
+          <a:bodyPr rtlCol="0" anchor="ctr"/>
+          <a:lstStyle/>
+          <a:p>
+            <a:r>
+              <a:rPr lang="en-US" altLang="zh-CN" smtClean="0">
+                <a:solidFill>
+                  <a:srgbClr val="000000"/>
+                </a:solidFill>
+                <a:latin typeface="Verdana" panose="020B0604030504040204" pitchFamily="34" charset="0"/>
+              </a:rPr>
+              <a:t>Script</a:t>
+            </a:r>
+          </a:p>
+          <a:p>
+            <a:r>
+              <a:rPr lang="en-US" altLang="zh-CN" smtClean="0">
+                <a:solidFill>
+                  <a:srgbClr val="000000"/>
+                </a:solidFill>
+                <a:latin typeface="Verdana" panose="020B0604030504040204" pitchFamily="34" charset="0"/>
+              </a:rPr>
+              <a:t>setTimeout</a:t>
+            </a:r>
+          </a:p>
+          <a:p>
+            <a:r>
+              <a:rPr lang="en-US" altLang="zh-CN" smtClean="0">
+                <a:solidFill>
+                  <a:srgbClr val="000000"/>
+                </a:solidFill>
+                <a:latin typeface="Verdana" panose="020B0604030504040204" pitchFamily="34" charset="0"/>
+              </a:rPr>
+              <a:t>setInterval</a:t>
+            </a:r>
+          </a:p>
+          <a:p>
+            <a:r>
+              <a:rPr lang="en-US" altLang="zh-CN" smtClean="0">
+                <a:solidFill>
+                  <a:srgbClr val="000000"/>
+                </a:solidFill>
+                <a:latin typeface="Verdana" panose="020B0604030504040204" pitchFamily="34" charset="0"/>
+              </a:rPr>
+              <a:t>I/O</a:t>
+            </a:r>
+          </a:p>
+          <a:p>
+            <a:r>
+              <a:rPr lang="en-US" altLang="zh-CN" smtClean="0">
+                <a:solidFill>
+                  <a:srgbClr val="000000"/>
+                </a:solidFill>
+                <a:latin typeface="Verdana" panose="020B0604030504040204" pitchFamily="34" charset="0"/>
+              </a:rPr>
+              <a:t>UI rendering</a:t>
+            </a:r>
+            <a:endParaRPr lang="en-US" altLang="zh-CN" smtClean="0">
+              <a:solidFill>
+                <a:srgbClr val="000000"/>
+              </a:solidFill>
+              <a:latin typeface="Verdana" panose="020B0604030504040204" pitchFamily="34" charset="0"/>
+            </a:endParaRPr>
+          </a:p>
+          <a:p>
+            <a:endParaRPr lang="en-US" altLang="zh-CN" smtClean="0">
+              <a:solidFill>
+                <a:srgbClr val="000000"/>
+              </a:solidFill>
+              <a:latin typeface="Verdana" panose="020B0604030504040204" pitchFamily="34" charset="0"/>
+            </a:endParaRPr>
+          </a:p>
+          <a:p>
+            <a:endParaRPr lang="en-US" altLang="zh-CN" smtClean="0">
+              <a:solidFill>
+                <a:srgbClr val="000000"/>
+              </a:solidFill>
+              <a:latin typeface="Verdana" panose="020B0604030504040204" pitchFamily="34" charset="0"/>
+            </a:endParaRPr>
+          </a:p>
+          <a:p>
+            <a:endParaRPr lang="en-US" altLang="zh-CN" smtClean="0">
+              <a:solidFill>
+                <a:srgbClr val="333333"/>
+              </a:solidFill>
+              <a:latin typeface="Helvetica Neue"/>
+            </a:endParaRPr>
+          </a:p>
+        </p:txBody>
+      </p:sp>
+    </p:spTree>
+  </p:cSld>
+  <p:clrMapOvr>
+    <a:masterClrMapping/>
+  </p:clrMapOvr>
+</p:sld>
+</file>
+
+<file path=ppt/slides/slide17.xml><?xml version="1.0" encoding="utf-8"?>
+<p:sld xmlns:a="http://schemas.openxmlformats.org/drawingml/2006/main" xmlns:r="http://schemas.openxmlformats.org/officeDocument/2006/relationships" xmlns:p="http://schemas.openxmlformats.org/presentationml/2006/main">
+  <p:cSld>
+    <p:spTree>
+      <p:nvGrpSpPr>
+        <p:cNvPr id="1" name=""/>
+        <p:cNvGrpSpPr/>
+        <p:nvPr/>
+      </p:nvGrpSpPr>
+      <p:grpSpPr>
+        <a:xfrm>
+          <a:off x="0" y="0"/>
+          <a:ext cx="0" cy="0"/>
+          <a:chOff x="0" y="0"/>
+          <a:chExt cx="0" cy="0"/>
+        </a:xfrm>
+      </p:grpSpPr>
+      <p:sp>
+        <p:nvSpPr>
+          <p:cNvPr id="32" name="标题 1"/>
+          <p:cNvSpPr>
+            <a:spLocks noGrp="1"/>
+          </p:cNvSpPr>
+          <p:nvPr>
+            <p:ph type="ctrTitle"/>
+          </p:nvPr>
+        </p:nvSpPr>
+        <p:spPr>
+          <a:xfrm>
+            <a:off x="285720" y="71414"/>
+            <a:ext cx="4000528" cy="571504"/>
+          </a:xfrm>
+        </p:spPr>
+        <p:txBody>
+          <a:bodyPr>
+            <a:noAutofit/>
+          </a:bodyPr>
+          <a:lstStyle/>
+          <a:p>
+            <a:pPr marL="457200" indent="-457200">
+              <a:lnSpc>
+                <a:spcPct val="200000"/>
+              </a:lnSpc>
+            </a:pPr>
+            <a:r>
+              <a:rPr lang="en-US" altLang="zh-CN" sz="2800" dirty="0">
+                <a:latin typeface="微软雅黑" panose="020B0503020204020204" pitchFamily="34" charset="-122"/>
+                <a:ea typeface="微软雅黑" panose="020B0503020204020204" pitchFamily="34" charset="-122"/>
+              </a:rPr>
+              <a:t>Promise</a:t>
+            </a:r>
+            <a:endParaRPr lang="zh-CN" sz="2800" dirty="0">
+              <a:latin typeface="微软雅黑" panose="020B0503020204020204" pitchFamily="34" charset="-122"/>
+              <a:ea typeface="微软雅黑" panose="020B0503020204020204" pitchFamily="34" charset="-122"/>
+            </a:endParaRPr>
+          </a:p>
+        </p:txBody>
+      </p:sp>
+      <p:sp>
+        <p:nvSpPr>
+          <p:cNvPr id="6" name="TextBox 5"/>
+          <p:cNvSpPr txBox="1"/>
+          <p:nvPr/>
+        </p:nvSpPr>
+        <p:spPr>
+          <a:xfrm>
+            <a:off x="395536" y="1340768"/>
+            <a:ext cx="3357586" cy="954107"/>
+          </a:xfrm>
+          <a:prstGeom prst="rect">
+            <a:avLst/>
+          </a:prstGeom>
+          <a:noFill/>
+        </p:spPr>
+        <p:txBody>
+          <a:bodyPr wrap="square" rtlCol="0">
+            <a:spAutoFit/>
+          </a:bodyPr>
+          <a:lstStyle/>
+          <a:p>
+            <a:r>
+              <a:rPr lang="en-US" altLang="zh-CN" sz="2000" smtClean="0">
+                <a:latin typeface="微软雅黑" panose="020B0503020204020204" pitchFamily="34" charset="-122"/>
+                <a:ea typeface="微软雅黑" panose="020B0503020204020204" pitchFamily="34" charset="-122"/>
+              </a:rPr>
+              <a:t>6</a:t>
+            </a:r>
+            <a:r>
+              <a:rPr lang="zh-CN" altLang="en-US" sz="2000" smtClean="0">
+                <a:latin typeface="微软雅黑" panose="020B0503020204020204" pitchFamily="34" charset="-122"/>
+                <a:ea typeface="微软雅黑" panose="020B0503020204020204" pitchFamily="34" charset="-122"/>
+              </a:rPr>
+              <a:t>、</a:t>
+            </a:r>
+            <a:r>
+              <a:rPr lang="zh-CN" altLang="en-US" sz="2000" dirty="0">
+                <a:latin typeface="微软雅黑" panose="020B0503020204020204" pitchFamily="34" charset="-122"/>
+                <a:ea typeface="微软雅黑" panose="020B0503020204020204" pitchFamily="34" charset="-122"/>
+              </a:rPr>
+              <a:t>总结</a:t>
+            </a:r>
+            <a:endParaRPr lang="en-US" altLang="zh-CN" sz="2000" dirty="0">
+              <a:latin typeface="微软雅黑" panose="020B0503020204020204" pitchFamily="34" charset="-122"/>
+              <a:ea typeface="微软雅黑" panose="020B0503020204020204" pitchFamily="34" charset="-122"/>
+            </a:endParaRPr>
+          </a:p>
+          <a:p>
+            <a:r>
+              <a:rPr lang="en-US" altLang="zh-CN" dirty="0"/>
+              <a:t>	</a:t>
+            </a:r>
+          </a:p>
+          <a:p>
+            <a:r>
+              <a:rPr lang="en-US" altLang="zh-CN" dirty="0"/>
+              <a:t>		</a:t>
+            </a:r>
+            <a:endParaRPr lang="zh-CN" altLang="en-US" dirty="0"/>
+          </a:p>
+        </p:txBody>
+      </p:sp>
+      <p:sp>
+        <p:nvSpPr>
+          <p:cNvPr id="4" name="矩形 3">
+            <a:extLst>
+              <a:ext uri="{FF2B5EF4-FFF2-40B4-BE49-F238E27FC236}">
+                <a16:creationId xmlns="" xmlns:a16="http://schemas.microsoft.com/office/drawing/2014/main" id="{A1D42ACF-F1EA-4CAF-AFC2-016C0338FEB6}"/>
+              </a:ext>
+            </a:extLst>
+          </p:cNvPr>
+          <p:cNvSpPr/>
+          <p:nvPr/>
+        </p:nvSpPr>
+        <p:spPr>
+          <a:xfrm>
+            <a:off x="785786" y="2357430"/>
+            <a:ext cx="7128792" cy="3286148"/>
+          </a:xfrm>
+          <a:prstGeom prst="rect">
+            <a:avLst/>
+          </a:prstGeom>
+          <a:solidFill>
+            <a:schemeClr val="accent5">
+              <a:lumMod val="20000"/>
+              <a:lumOff val="80000"/>
+            </a:schemeClr>
+          </a:solidFill>
+        </p:spPr>
+        <p:style>
+          <a:lnRef idx="2">
+            <a:schemeClr val="accent1">
+              <a:shade val="50000"/>
+            </a:schemeClr>
+          </a:lnRef>
+          <a:fillRef idx="1">
+            <a:schemeClr val="accent1"/>
+          </a:fillRef>
+          <a:effectRef idx="0">
+            <a:schemeClr val="accent1"/>
+          </a:effectRef>
+          <a:fontRef idx="minor">
+            <a:schemeClr val="lt1"/>
+          </a:fontRef>
+        </p:style>
+        <p:txBody>
+          <a:bodyPr rtlCol="0" anchor="ctr"/>
+          <a:lstStyle/>
+          <a:p>
+            <a:r>
+              <a:rPr lang="zh-CN" altLang="en-US" smtClean="0">
+                <a:solidFill>
+                  <a:schemeClr val="tx1"/>
+                </a:solidFill>
+              </a:rPr>
+              <a:t>有了 </a:t>
+            </a:r>
+            <a:r>
+              <a:rPr lang="en-US" altLang="zh-CN" smtClean="0">
+                <a:solidFill>
+                  <a:schemeClr val="tx1"/>
+                </a:solidFill>
+              </a:rPr>
+              <a:t>Promise </a:t>
+            </a:r>
+            <a:r>
+              <a:rPr lang="zh-CN" altLang="en-US" smtClean="0">
+                <a:solidFill>
+                  <a:schemeClr val="tx1"/>
+                </a:solidFill>
+              </a:rPr>
+              <a:t>对象，就可以将异步操作以同步操作的流程表达出来，避免了层层嵌套的回调函数。此外，</a:t>
+            </a:r>
+            <a:r>
+              <a:rPr lang="en-US" altLang="zh-CN" smtClean="0">
+                <a:solidFill>
+                  <a:schemeClr val="tx1"/>
+                </a:solidFill>
+              </a:rPr>
+              <a:t>Promise </a:t>
+            </a:r>
+            <a:r>
+              <a:rPr lang="zh-CN" altLang="en-US" smtClean="0">
+                <a:solidFill>
+                  <a:schemeClr val="tx1"/>
+                </a:solidFill>
+              </a:rPr>
+              <a:t>对象提供统一的接口，使得控制异步操作更加容易。</a:t>
+            </a:r>
+            <a:endParaRPr lang="en-US" altLang="zh-CN" smtClean="0">
+              <a:solidFill>
+                <a:schemeClr val="tx1"/>
+              </a:solidFill>
+            </a:endParaRPr>
+          </a:p>
+          <a:p>
+            <a:endParaRPr lang="en-US" altLang="zh-CN" dirty="0">
+              <a:solidFill>
+                <a:schemeClr val="tx1"/>
+              </a:solidFill>
+            </a:endParaRPr>
+          </a:p>
+          <a:p>
+            <a:r>
+              <a:rPr lang="en-US" altLang="zh-CN" smtClean="0">
+                <a:solidFill>
+                  <a:schemeClr val="tx1"/>
+                </a:solidFill>
+              </a:rPr>
+              <a:t>Promise </a:t>
+            </a:r>
+            <a:r>
+              <a:rPr lang="zh-CN" altLang="en-US" smtClean="0">
+                <a:solidFill>
+                  <a:schemeClr val="tx1"/>
+                </a:solidFill>
+              </a:rPr>
+              <a:t>也有一些缺点。首先，无法取消 </a:t>
+            </a:r>
+            <a:r>
+              <a:rPr lang="en-US" altLang="zh-CN" smtClean="0">
+                <a:solidFill>
+                  <a:schemeClr val="tx1"/>
+                </a:solidFill>
+              </a:rPr>
+              <a:t>Promise</a:t>
+            </a:r>
+            <a:r>
+              <a:rPr lang="zh-CN" altLang="en-US" smtClean="0">
+                <a:solidFill>
+                  <a:schemeClr val="tx1"/>
+                </a:solidFill>
+              </a:rPr>
+              <a:t>，一旦新建它就会立即执行，无法中途取消。其次，如果不设置回调函数，</a:t>
+            </a:r>
+            <a:r>
+              <a:rPr lang="en-US" altLang="zh-CN" smtClean="0">
+                <a:solidFill>
+                  <a:schemeClr val="tx1"/>
+                </a:solidFill>
+              </a:rPr>
+              <a:t>Promise </a:t>
+            </a:r>
+            <a:r>
+              <a:rPr lang="zh-CN" altLang="en-US" smtClean="0">
+                <a:solidFill>
+                  <a:schemeClr val="tx1"/>
+                </a:solidFill>
+              </a:rPr>
+              <a:t>内部抛出的错误，不会反应到外部。第三，当处于 </a:t>
+            </a:r>
+            <a:r>
+              <a:rPr lang="en-US" altLang="zh-CN" smtClean="0">
+                <a:solidFill>
+                  <a:schemeClr val="tx1"/>
+                </a:solidFill>
+              </a:rPr>
+              <a:t>Pending </a:t>
+            </a:r>
+            <a:r>
+              <a:rPr lang="zh-CN" altLang="en-US" smtClean="0">
+                <a:solidFill>
+                  <a:schemeClr val="tx1"/>
+                </a:solidFill>
+              </a:rPr>
+              <a:t>状态时，无法得知目前进展到哪一个阶段（刚刚开始还是即将完成）。</a:t>
+            </a:r>
+            <a:endParaRPr lang="zh-CN" altLang="en-US" dirty="0">
+              <a:solidFill>
+                <a:schemeClr val="tx1"/>
+              </a:solidFill>
+            </a:endParaRPr>
+          </a:p>
+        </p:txBody>
+      </p:sp>
+    </p:spTree>
+    <p:extLst>
+      <p:ext uri="{BB962C8B-B14F-4D97-AF65-F5344CB8AC3E}">
+        <p14:creationId xmlns="" xmlns:p14="http://schemas.microsoft.com/office/powerpoint/2010/main" val="118381098"/>
+      </p:ext>
+    </p:extLst>
+  </p:cSld>
+  <p:clrMapOvr>
+    <a:masterClrMapping/>
+  </p:clrMapOvr>
+</p:sld>
+</file>
+
+<file path=ppt/slides/slide18.xml><?xml version="1.0" encoding="utf-8"?>
+<p:sld xmlns:a="http://schemas.openxmlformats.org/drawingml/2006/main" xmlns:r="http://schemas.openxmlformats.org/officeDocument/2006/relationships" xmlns:p="http://schemas.openxmlformats.org/presentationml/2006/main">
+  <p:cSld>
+    <p:spTree>
+      <p:nvGrpSpPr>
+        <p:cNvPr id="1" name=""/>
+        <p:cNvGrpSpPr/>
+        <p:nvPr/>
+      </p:nvGrpSpPr>
+      <p:grpSpPr>
+        <a:xfrm>
+          <a:off x="0" y="0"/>
+          <a:ext cx="0" cy="0"/>
+          <a:chOff x="0" y="0"/>
+          <a:chExt cx="0" cy="0"/>
+        </a:xfrm>
+      </p:grpSpPr>
+      <p:sp>
+        <p:nvSpPr>
+          <p:cNvPr id="32" name="标题 1"/>
+          <p:cNvSpPr>
+            <a:spLocks noGrp="1"/>
+          </p:cNvSpPr>
+          <p:nvPr>
+            <p:ph type="ctrTitle"/>
+          </p:nvPr>
+        </p:nvSpPr>
+        <p:spPr>
+          <a:xfrm>
+            <a:off x="285720" y="71414"/>
+            <a:ext cx="4000528" cy="571504"/>
+          </a:xfrm>
+        </p:spPr>
+        <p:txBody>
+          <a:bodyPr>
+            <a:noAutofit/>
+          </a:bodyPr>
+          <a:lstStyle/>
+          <a:p>
+            <a:pPr marL="457200" indent="-457200">
+              <a:lnSpc>
+                <a:spcPct val="200000"/>
+              </a:lnSpc>
+            </a:pPr>
+            <a:r>
+              <a:rPr lang="en-US" altLang="zh-CN" sz="2800" dirty="0">
+                <a:latin typeface="微软雅黑" panose="020B0503020204020204" pitchFamily="34" charset="-122"/>
+                <a:ea typeface="微软雅黑" panose="020B0503020204020204" pitchFamily="34" charset="-122"/>
+              </a:rPr>
+              <a:t>async/await</a:t>
+            </a:r>
+            <a:endParaRPr lang="zh-CN" sz="2800" dirty="0">
+              <a:latin typeface="微软雅黑" panose="020B0503020204020204" pitchFamily="34" charset="-122"/>
+              <a:ea typeface="微软雅黑" panose="020B0503020204020204" pitchFamily="34" charset="-122"/>
+            </a:endParaRPr>
+          </a:p>
+        </p:txBody>
+      </p:sp>
+      <p:sp>
+        <p:nvSpPr>
+          <p:cNvPr id="6" name="TextBox 5"/>
+          <p:cNvSpPr txBox="1"/>
+          <p:nvPr/>
+        </p:nvSpPr>
+        <p:spPr>
+          <a:xfrm>
+            <a:off x="357158" y="1357298"/>
+            <a:ext cx="3357586" cy="954107"/>
+          </a:xfrm>
+          <a:prstGeom prst="rect">
+            <a:avLst/>
+          </a:prstGeom>
+          <a:noFill/>
+        </p:spPr>
+        <p:txBody>
+          <a:bodyPr wrap="square" rtlCol="0">
+            <a:spAutoFit/>
+          </a:bodyPr>
+          <a:lstStyle/>
+          <a:p>
+            <a:r>
+              <a:rPr lang="en-US" altLang="zh-CN" sz="2000" dirty="0">
+                <a:latin typeface="微软雅黑" panose="020B0503020204020204" pitchFamily="34" charset="-122"/>
+                <a:ea typeface="微软雅黑" panose="020B0503020204020204" pitchFamily="34" charset="-122"/>
+              </a:rPr>
+              <a:t>1</a:t>
+            </a:r>
+            <a:r>
+              <a:rPr lang="zh-CN" altLang="en-US" sz="2000">
+                <a:latin typeface="微软雅黑" panose="020B0503020204020204" pitchFamily="34" charset="-122"/>
+                <a:ea typeface="微软雅黑" panose="020B0503020204020204" pitchFamily="34" charset="-122"/>
+              </a:rPr>
+              <a:t>、</a:t>
+            </a:r>
+            <a:r>
+              <a:rPr lang="en-US" altLang="zh-CN" sz="2000" smtClean="0">
+                <a:latin typeface="微软雅黑" panose="020B0503020204020204" pitchFamily="34" charset="-122"/>
+                <a:ea typeface="微软雅黑" panose="020B0503020204020204" pitchFamily="34" charset="-122"/>
+              </a:rPr>
+              <a:t>ES2017</a:t>
+            </a:r>
+            <a:r>
+              <a:rPr lang="zh-CN" altLang="en-US" sz="2000" dirty="0">
+                <a:latin typeface="微软雅黑" panose="020B0503020204020204" pitchFamily="34" charset="-122"/>
+                <a:ea typeface="微软雅黑" panose="020B0503020204020204" pitchFamily="34" charset="-122"/>
+              </a:rPr>
+              <a:t>的异步函数</a:t>
+            </a:r>
+            <a:endParaRPr lang="en-US" altLang="zh-CN" sz="2000" dirty="0">
+              <a:latin typeface="微软雅黑" panose="020B0503020204020204" pitchFamily="34" charset="-122"/>
+              <a:ea typeface="微软雅黑" panose="020B0503020204020204" pitchFamily="34" charset="-122"/>
+            </a:endParaRPr>
+          </a:p>
+          <a:p>
+            <a:r>
+              <a:rPr lang="en-US" altLang="zh-CN" dirty="0"/>
+              <a:t>	</a:t>
+            </a:r>
+          </a:p>
+          <a:p>
+            <a:r>
+              <a:rPr lang="en-US" altLang="zh-CN" dirty="0"/>
+              <a:t>		</a:t>
+            </a:r>
+            <a:endParaRPr lang="zh-CN" altLang="en-US" dirty="0"/>
+          </a:p>
+        </p:txBody>
+      </p:sp>
+      <p:sp>
+        <p:nvSpPr>
+          <p:cNvPr id="2" name="爆炸形: 8 pt  1">
+            <a:extLst>
+              <a:ext uri="{FF2B5EF4-FFF2-40B4-BE49-F238E27FC236}">
+                <a16:creationId xmlns="" xmlns:a16="http://schemas.microsoft.com/office/drawing/2014/main" id="{86ABD85C-8562-41B2-984D-333FFA3945D2}"/>
+              </a:ext>
+            </a:extLst>
+          </p:cNvPr>
+          <p:cNvSpPr/>
+          <p:nvPr/>
+        </p:nvSpPr>
+        <p:spPr>
+          <a:xfrm>
+            <a:off x="3851920" y="2337199"/>
+            <a:ext cx="3096344" cy="1629394"/>
+          </a:xfrm>
+          <a:prstGeom prst="irregularSeal1">
+            <a:avLst/>
+          </a:prstGeom>
+        </p:spPr>
+        <p:style>
+          <a:lnRef idx="1">
+            <a:schemeClr val="accent1"/>
+          </a:lnRef>
+          <a:fillRef idx="2">
+            <a:schemeClr val="accent1"/>
+          </a:fillRef>
+          <a:effectRef idx="1">
+            <a:schemeClr val="accent1"/>
+          </a:effectRef>
+          <a:fontRef idx="minor">
+            <a:schemeClr val="dk1"/>
+          </a:fontRef>
+        </p:style>
+        <p:txBody>
+          <a:bodyPr rtlCol="0" anchor="ctr"/>
+          <a:lstStyle/>
+          <a:p>
+            <a:pPr algn="ctr"/>
+            <a:r>
+              <a:rPr lang="zh-CN" altLang="en-US" sz="2400" dirty="0"/>
+              <a:t>异步的终极解决方案</a:t>
+            </a:r>
+            <a:endParaRPr lang="zh-CN" altLang="en-US" dirty="0"/>
+          </a:p>
+        </p:txBody>
+      </p:sp>
+    </p:spTree>
+  </p:cSld>
+  <p:clrMapOvr>
+    <a:masterClrMapping/>
+  </p:clrMapOvr>
+</p:sld>
+</file>
+
 <file path=ppt/slides/slide19.xml><?xml version="1.0" encoding="utf-8"?>
+<p:sld xmlns:a="http://schemas.openxmlformats.org/drawingml/2006/main" xmlns:r="http://schemas.openxmlformats.org/officeDocument/2006/relationships" xmlns:p="http://schemas.openxmlformats.org/presentationml/2006/main">
+  <p:cSld>
+    <p:spTree>
+      <p:nvGrpSpPr>
+        <p:cNvPr id="1" name=""/>
+        <p:cNvGrpSpPr/>
+        <p:nvPr/>
+      </p:nvGrpSpPr>
+      <p:grpSpPr>
+        <a:xfrm>
+          <a:off x="0" y="0"/>
+          <a:ext cx="0" cy="0"/>
+          <a:chOff x="0" y="0"/>
+          <a:chExt cx="0" cy="0"/>
+        </a:xfrm>
+      </p:grpSpPr>
+      <p:sp>
+        <p:nvSpPr>
+          <p:cNvPr id="32" name="标题 1"/>
+          <p:cNvSpPr>
+            <a:spLocks noGrp="1"/>
+          </p:cNvSpPr>
+          <p:nvPr>
+            <p:ph type="ctrTitle"/>
+          </p:nvPr>
+        </p:nvSpPr>
+        <p:spPr>
+          <a:xfrm>
+            <a:off x="285720" y="71414"/>
+            <a:ext cx="4000528" cy="571504"/>
+          </a:xfrm>
+        </p:spPr>
+        <p:txBody>
+          <a:bodyPr>
+            <a:noAutofit/>
+          </a:bodyPr>
+          <a:lstStyle/>
+          <a:p>
+            <a:pPr marL="457200" indent="-457200">
+              <a:lnSpc>
+                <a:spcPct val="200000"/>
+              </a:lnSpc>
+            </a:pPr>
+            <a:r>
+              <a:rPr lang="en-US" altLang="zh-CN" sz="2800" dirty="0">
+                <a:latin typeface="微软雅黑" panose="020B0503020204020204" pitchFamily="34" charset="-122"/>
+                <a:ea typeface="微软雅黑" panose="020B0503020204020204" pitchFamily="34" charset="-122"/>
+              </a:rPr>
+              <a:t>async/await</a:t>
+            </a:r>
+            <a:endParaRPr lang="zh-CN" sz="2800" dirty="0">
+              <a:latin typeface="微软雅黑" panose="020B0503020204020204" pitchFamily="34" charset="-122"/>
+              <a:ea typeface="微软雅黑" panose="020B0503020204020204" pitchFamily="34" charset="-122"/>
+            </a:endParaRPr>
+          </a:p>
+        </p:txBody>
+      </p:sp>
+      <p:sp>
+        <p:nvSpPr>
+          <p:cNvPr id="6" name="TextBox 5"/>
+          <p:cNvSpPr txBox="1"/>
+          <p:nvPr/>
+        </p:nvSpPr>
+        <p:spPr>
+          <a:xfrm>
+            <a:off x="357158" y="1357298"/>
+            <a:ext cx="3357586" cy="954107"/>
+          </a:xfrm>
+          <a:prstGeom prst="rect">
+            <a:avLst/>
+          </a:prstGeom>
+          <a:noFill/>
+        </p:spPr>
+        <p:txBody>
+          <a:bodyPr wrap="square" rtlCol="0">
+            <a:spAutoFit/>
+          </a:bodyPr>
+          <a:lstStyle/>
+          <a:p>
+            <a:r>
+              <a:rPr lang="en-US" altLang="zh-CN" sz="2000" smtClean="0">
+                <a:latin typeface="微软雅黑" panose="020B0503020204020204" pitchFamily="34" charset="-122"/>
+                <a:ea typeface="微软雅黑" panose="020B0503020204020204" pitchFamily="34" charset="-122"/>
+              </a:rPr>
+              <a:t>2</a:t>
+            </a:r>
+            <a:r>
+              <a:rPr lang="zh-CN" altLang="en-US" sz="2000" smtClean="0">
+                <a:latin typeface="微软雅黑" panose="020B0503020204020204" pitchFamily="34" charset="-122"/>
+                <a:ea typeface="微软雅黑" panose="020B0503020204020204" pitchFamily="34" charset="-122"/>
+              </a:rPr>
+              <a:t>、什么是</a:t>
+            </a:r>
+            <a:r>
+              <a:rPr lang="en-US" altLang="zh-CN" sz="2000" smtClean="0">
+                <a:latin typeface="微软雅黑" panose="020B0503020204020204" pitchFamily="34" charset="-122"/>
+                <a:ea typeface="微软雅黑" panose="020B0503020204020204" pitchFamily="34" charset="-122"/>
+              </a:rPr>
+              <a:t>async/await</a:t>
+            </a:r>
+            <a:endParaRPr lang="en-US" altLang="zh-CN" sz="2000" dirty="0">
+              <a:latin typeface="微软雅黑" panose="020B0503020204020204" pitchFamily="34" charset="-122"/>
+              <a:ea typeface="微软雅黑" panose="020B0503020204020204" pitchFamily="34" charset="-122"/>
+            </a:endParaRPr>
+          </a:p>
+          <a:p>
+            <a:r>
+              <a:rPr lang="en-US" altLang="zh-CN" dirty="0"/>
+              <a:t>	</a:t>
+            </a:r>
+          </a:p>
+          <a:p>
+            <a:r>
+              <a:rPr lang="en-US" altLang="zh-CN" dirty="0"/>
+              <a:t>		</a:t>
+            </a:r>
+            <a:endParaRPr lang="zh-CN" altLang="en-US" dirty="0"/>
+          </a:p>
+        </p:txBody>
+      </p:sp>
+      <p:sp>
+        <p:nvSpPr>
+          <p:cNvPr id="5" name="矩形 4">
+            <a:extLst>
+              <a:ext uri="{FF2B5EF4-FFF2-40B4-BE49-F238E27FC236}">
+                <a16:creationId xmlns="" xmlns:a16="http://schemas.microsoft.com/office/drawing/2014/main" id="{DCFE554A-B118-458E-B70A-1650DABF3B52}"/>
+              </a:ext>
+            </a:extLst>
+          </p:cNvPr>
+          <p:cNvSpPr/>
+          <p:nvPr/>
+        </p:nvSpPr>
+        <p:spPr>
+          <a:xfrm>
+            <a:off x="928662" y="2428868"/>
+            <a:ext cx="7358114" cy="2666536"/>
+          </a:xfrm>
+          <a:prstGeom prst="rect">
+            <a:avLst/>
+          </a:prstGeom>
+          <a:solidFill>
+            <a:schemeClr val="accent5">
+              <a:lumMod val="20000"/>
+              <a:lumOff val="80000"/>
+            </a:schemeClr>
+          </a:solidFill>
+        </p:spPr>
+        <p:style>
+          <a:lnRef idx="2">
+            <a:schemeClr val="accent1">
+              <a:shade val="50000"/>
+            </a:schemeClr>
+          </a:lnRef>
+          <a:fillRef idx="1">
+            <a:schemeClr val="accent1"/>
+          </a:fillRef>
+          <a:effectRef idx="0">
+            <a:schemeClr val="accent1"/>
+          </a:effectRef>
+          <a:fontRef idx="minor">
+            <a:schemeClr val="lt1"/>
+          </a:fontRef>
+        </p:style>
+        <p:txBody>
+          <a:bodyPr rtlCol="0" anchor="ctr"/>
+          <a:lstStyle/>
+          <a:p>
+            <a:r>
+              <a:rPr lang="en-US" altLang="zh-CN" smtClean="0">
+                <a:solidFill>
+                  <a:schemeClr val="tx1"/>
+                </a:solidFill>
+              </a:rPr>
+              <a:t>async/await</a:t>
+            </a:r>
+            <a:r>
+              <a:rPr lang="zh-CN" altLang="en-US" smtClean="0">
+                <a:solidFill>
+                  <a:schemeClr val="tx1"/>
+                </a:solidFill>
+              </a:rPr>
+              <a:t>是异步编程的</a:t>
+            </a:r>
+            <a:r>
+              <a:rPr lang="zh-CN" altLang="en-US" smtClean="0">
+                <a:solidFill>
+                  <a:schemeClr val="tx1"/>
+                </a:solidFill>
+              </a:rPr>
+              <a:t>新方式，以前的方法有回调函数和</a:t>
+            </a:r>
+            <a:r>
+              <a:rPr lang="en-US" altLang="zh-CN" smtClean="0">
+                <a:solidFill>
+                  <a:schemeClr val="tx1"/>
+                </a:solidFill>
+              </a:rPr>
+              <a:t>Promise</a:t>
+            </a:r>
+            <a:r>
+              <a:rPr lang="zh-CN" altLang="en-US" smtClean="0">
+                <a:solidFill>
+                  <a:schemeClr val="tx1"/>
+                </a:solidFill>
+              </a:rPr>
+              <a:t>。</a:t>
+            </a:r>
+            <a:endParaRPr lang="en-US" altLang="zh-CN" smtClean="0">
+              <a:solidFill>
+                <a:schemeClr val="tx1"/>
+              </a:solidFill>
+            </a:endParaRPr>
+          </a:p>
+          <a:p>
+            <a:endParaRPr lang="en-US" altLang="zh-CN" smtClean="0">
+              <a:solidFill>
+                <a:schemeClr val="tx1"/>
+              </a:solidFill>
+            </a:endParaRPr>
+          </a:p>
+          <a:p>
+            <a:r>
+              <a:rPr lang="en-US" altLang="zh-CN" smtClean="0">
+                <a:solidFill>
+                  <a:schemeClr val="tx1"/>
+                </a:solidFill>
+              </a:rPr>
+              <a:t>async/await</a:t>
+            </a:r>
+            <a:r>
+              <a:rPr lang="zh-CN" altLang="en-US" smtClean="0">
+                <a:solidFill>
+                  <a:schemeClr val="tx1"/>
+                </a:solidFill>
+              </a:rPr>
+              <a:t>是基于</a:t>
+            </a:r>
+            <a:r>
+              <a:rPr lang="en-US" altLang="zh-CN" smtClean="0">
+                <a:solidFill>
+                  <a:schemeClr val="tx1"/>
+                </a:solidFill>
+              </a:rPr>
+              <a:t>Promise</a:t>
+            </a:r>
+            <a:r>
+              <a:rPr lang="zh-CN" altLang="en-US" smtClean="0">
+                <a:solidFill>
+                  <a:schemeClr val="tx1"/>
+                </a:solidFill>
+              </a:rPr>
+              <a:t>实现的，它不能用于普通的回调函</a:t>
+            </a:r>
+            <a:r>
+              <a:rPr lang="zh-CN" altLang="en-US" smtClean="0">
+                <a:solidFill>
+                  <a:schemeClr val="tx1"/>
+                </a:solidFill>
+              </a:rPr>
+              <a:t>数</a:t>
+            </a:r>
+            <a:r>
+              <a:rPr lang="zh-CN" altLang="en-US" smtClean="0">
+                <a:solidFill>
+                  <a:schemeClr val="tx1"/>
+                </a:solidFill>
+              </a:rPr>
+              <a:t>。</a:t>
+            </a:r>
+            <a:endParaRPr lang="en-US" altLang="zh-CN" smtClean="0">
+              <a:solidFill>
+                <a:schemeClr val="tx1"/>
+              </a:solidFill>
+            </a:endParaRPr>
+          </a:p>
+          <a:p>
+            <a:endParaRPr lang="en-US" altLang="zh-CN" smtClean="0">
+              <a:solidFill>
+                <a:schemeClr val="tx1"/>
+              </a:solidFill>
+            </a:endParaRPr>
+          </a:p>
+          <a:p>
+            <a:r>
+              <a:rPr lang="en-US" altLang="zh-CN" smtClean="0">
+                <a:solidFill>
+                  <a:schemeClr val="tx1"/>
+                </a:solidFill>
+              </a:rPr>
+              <a:t>async/await</a:t>
+            </a:r>
+            <a:r>
+              <a:rPr lang="zh-CN" altLang="en-US" smtClean="0">
+                <a:solidFill>
+                  <a:schemeClr val="tx1"/>
+                </a:solidFill>
+              </a:rPr>
+              <a:t>与</a:t>
+            </a:r>
+            <a:r>
+              <a:rPr lang="en-US" altLang="zh-CN" smtClean="0">
+                <a:solidFill>
+                  <a:schemeClr val="tx1"/>
+                </a:solidFill>
+              </a:rPr>
+              <a:t>Promise</a:t>
+            </a:r>
+            <a:r>
+              <a:rPr lang="zh-CN" altLang="en-US" smtClean="0">
+                <a:solidFill>
+                  <a:schemeClr val="tx1"/>
+                </a:solidFill>
+              </a:rPr>
+              <a:t>一样，是非阻塞</a:t>
+            </a:r>
+            <a:r>
+              <a:rPr lang="zh-CN" altLang="en-US" smtClean="0">
+                <a:solidFill>
+                  <a:schemeClr val="tx1"/>
+                </a:solidFill>
+              </a:rPr>
+              <a:t>的</a:t>
+            </a:r>
+            <a:r>
+              <a:rPr lang="zh-CN" altLang="en-US" smtClean="0">
+                <a:solidFill>
+                  <a:schemeClr val="tx1"/>
+                </a:solidFill>
+              </a:rPr>
+              <a:t>。</a:t>
+            </a:r>
+            <a:endParaRPr lang="en-US" altLang="zh-CN" smtClean="0">
+              <a:solidFill>
+                <a:schemeClr val="tx1"/>
+              </a:solidFill>
+            </a:endParaRPr>
+          </a:p>
+          <a:p>
+            <a:endParaRPr lang="en-US" altLang="zh-CN" smtClean="0">
+              <a:solidFill>
+                <a:schemeClr val="tx1"/>
+              </a:solidFill>
+            </a:endParaRPr>
+          </a:p>
+          <a:p>
+            <a:r>
+              <a:rPr lang="en-US" altLang="zh-CN" smtClean="0">
+                <a:solidFill>
+                  <a:schemeClr val="tx1"/>
+                </a:solidFill>
+              </a:rPr>
+              <a:t>async/await</a:t>
+            </a:r>
+            <a:r>
+              <a:rPr lang="zh-CN" altLang="en-US" smtClean="0">
+                <a:solidFill>
+                  <a:schemeClr val="tx1"/>
+                </a:solidFill>
+              </a:rPr>
+              <a:t>通过</a:t>
+            </a:r>
+            <a:r>
+              <a:rPr lang="zh-CN" altLang="en-US" smtClean="0">
+                <a:solidFill>
+                  <a:schemeClr val="tx1"/>
+                </a:solidFill>
+              </a:rPr>
+              <a:t>同步</a:t>
+            </a:r>
+            <a:r>
+              <a:rPr lang="zh-CN" altLang="en-US" smtClean="0">
+                <a:solidFill>
+                  <a:schemeClr val="tx1"/>
+                </a:solidFill>
+              </a:rPr>
+              <a:t>写法改写</a:t>
+            </a:r>
+            <a:r>
+              <a:rPr lang="zh-CN" altLang="en-US" smtClean="0">
+                <a:solidFill>
+                  <a:schemeClr val="tx1"/>
+                </a:solidFill>
+              </a:rPr>
+              <a:t>异步</a:t>
+            </a:r>
+            <a:r>
+              <a:rPr lang="zh-CN" altLang="en-US" smtClean="0">
+                <a:solidFill>
+                  <a:schemeClr val="tx1"/>
+                </a:solidFill>
+              </a:rPr>
+              <a:t/>
+            </a:r>
+            <a:br>
+              <a:rPr lang="zh-CN" altLang="en-US" smtClean="0">
+                <a:solidFill>
+                  <a:schemeClr val="tx1"/>
+                </a:solidFill>
+              </a:rPr>
+            </a:br>
+            <a:endParaRPr lang="zh-CN" altLang="en-US" dirty="0">
+              <a:solidFill>
+                <a:schemeClr val="tx1"/>
+              </a:solidFill>
+            </a:endParaRPr>
+          </a:p>
+        </p:txBody>
+      </p:sp>
+    </p:spTree>
+  </p:cSld>
+  <p:clrMapOvr>
+    <a:masterClrMapping/>
+  </p:clrMapOvr>
+</p:sld>
+</file>
+
+<file path=ppt/slides/slide2.xml><?xml version="1.0" encoding="utf-8"?>
+<p:sld xmlns:a="http://schemas.openxmlformats.org/drawingml/2006/main" xmlns:r="http://schemas.openxmlformats.org/officeDocument/2006/relationships" xmlns:p="http://schemas.openxmlformats.org/presentationml/2006/main">
+  <p:cSld>
+    <p:spTree>
+      <p:nvGrpSpPr>
+        <p:cNvPr id="1" name=""/>
+        <p:cNvGrpSpPr/>
+        <p:nvPr/>
+      </p:nvGrpSpPr>
+      <p:grpSpPr>
+        <a:xfrm>
+          <a:off x="0" y="0"/>
+          <a:ext cx="0" cy="0"/>
+          <a:chOff x="0" y="0"/>
+          <a:chExt cx="0" cy="0"/>
+        </a:xfrm>
+      </p:grpSpPr>
+      <p:sp>
+        <p:nvSpPr>
+          <p:cNvPr id="4" name="AutoShape 33"/>
+          <p:cNvSpPr>
+            <a:spLocks noChangeArrowheads="1"/>
+          </p:cNvSpPr>
+          <p:nvPr/>
+        </p:nvSpPr>
+        <p:spPr bwMode="auto">
+          <a:xfrm>
+            <a:off x="822412" y="3611565"/>
+            <a:ext cx="7499176" cy="1008112"/>
+          </a:xfrm>
+          <a:prstGeom prst="roundRect">
+            <a:avLst>
+              <a:gd name="adj" fmla="val 16667"/>
+            </a:avLst>
+          </a:prstGeom>
+          <a:solidFill>
+            <a:srgbClr val="CCFFFF">
+              <a:alpha val="38823"/>
+            </a:srgbClr>
+          </a:solidFill>
+          <a:ln w="12700" algn="ctr">
+            <a:solidFill>
+              <a:srgbClr val="99CCFF"/>
+            </a:solidFill>
+            <a:round/>
+            <a:headEnd/>
+            <a:tailEnd/>
+          </a:ln>
+        </p:spPr>
+        <p:txBody>
+          <a:bodyPr wrap="none" anchor="ctr"/>
+          <a:lstStyle/>
+          <a:p>
+            <a:r>
+              <a:rPr lang="zh-CN" altLang="en-US">
+                <a:latin typeface="微软雅黑" pitchFamily="34" charset="-122"/>
+                <a:ea typeface="微软雅黑" pitchFamily="34" charset="-122"/>
+              </a:rPr>
+              <a:t>开发</a:t>
+            </a:r>
+            <a:r>
+              <a:rPr lang="zh-CN" altLang="en-US" dirty="0">
+                <a:latin typeface="微软雅黑" pitchFamily="34" charset="-122"/>
+                <a:ea typeface="微软雅黑" pitchFamily="34" charset="-122"/>
+              </a:rPr>
+              <a:t>人员</a:t>
+            </a:r>
+          </a:p>
+        </p:txBody>
+      </p:sp>
+      <p:sp>
+        <p:nvSpPr>
+          <p:cNvPr id="5" name="AutoShape 35"/>
+          <p:cNvSpPr>
+            <a:spLocks noChangeArrowheads="1"/>
+          </p:cNvSpPr>
+          <p:nvPr/>
+        </p:nvSpPr>
+        <p:spPr bwMode="auto">
+          <a:xfrm>
+            <a:off x="2195736" y="4869160"/>
+            <a:ext cx="6120680" cy="504056"/>
+          </a:xfrm>
+          <a:prstGeom prst="roundRect">
+            <a:avLst>
+              <a:gd name="adj" fmla="val 16667"/>
+            </a:avLst>
+          </a:prstGeom>
+          <a:solidFill>
+            <a:srgbClr val="CCFFFF">
+              <a:alpha val="38823"/>
+            </a:srgbClr>
+          </a:solidFill>
+          <a:ln w="12700" algn="ctr">
+            <a:solidFill>
+              <a:srgbClr val="99CCFF"/>
+            </a:solidFill>
+            <a:round/>
+            <a:headEnd/>
+            <a:tailEnd/>
+          </a:ln>
+        </p:spPr>
+        <p:txBody>
+          <a:bodyPr wrap="none" anchor="ctr"/>
+          <a:lstStyle/>
+          <a:p>
+            <a:pPr algn="ctr"/>
+            <a:r>
+              <a:rPr lang="zh-CN" altLang="en-US" sz="2000">
+                <a:latin typeface="微软雅黑" pitchFamily="34" charset="-122"/>
+                <a:ea typeface="微软雅黑" pitchFamily="34" charset="-122"/>
+              </a:rPr>
+              <a:t>龙志平</a:t>
+            </a:r>
+            <a:endParaRPr lang="zh-CN" altLang="en-US" sz="2000" dirty="0">
+              <a:latin typeface="微软雅黑" pitchFamily="34" charset="-122"/>
+              <a:ea typeface="微软雅黑" pitchFamily="34" charset="-122"/>
+            </a:endParaRPr>
+          </a:p>
+        </p:txBody>
+      </p:sp>
+      <p:sp>
+        <p:nvSpPr>
+          <p:cNvPr id="6" name="AutoShape 38"/>
+          <p:cNvSpPr>
+            <a:spLocks noChangeArrowheads="1"/>
+          </p:cNvSpPr>
+          <p:nvPr/>
+        </p:nvSpPr>
+        <p:spPr bwMode="auto">
+          <a:xfrm>
+            <a:off x="827584" y="1738330"/>
+            <a:ext cx="7488832" cy="1262042"/>
+          </a:xfrm>
+          <a:prstGeom prst="roundRect">
+            <a:avLst>
+              <a:gd name="adj" fmla="val 9606"/>
+            </a:avLst>
+          </a:prstGeom>
+          <a:solidFill>
+            <a:srgbClr val="CCFFFF">
+              <a:alpha val="38823"/>
+            </a:srgbClr>
+          </a:solidFill>
+          <a:ln w="12700" algn="ctr">
+            <a:solidFill>
+              <a:srgbClr val="99CCFF"/>
+            </a:solidFill>
+            <a:round/>
+            <a:headEnd/>
+            <a:tailEnd/>
+          </a:ln>
+        </p:spPr>
+        <p:txBody>
+          <a:bodyPr/>
+          <a:lstStyle/>
+          <a:p>
+            <a:r>
+              <a:rPr lang="zh-CN" altLang="en-US" dirty="0">
+                <a:ea typeface="华文细黑" pitchFamily="2" charset="-122"/>
+              </a:rPr>
+              <a:t>       </a:t>
+            </a:r>
+            <a:r>
+              <a:rPr lang="zh-CN" altLang="en-US" dirty="0">
+                <a:latin typeface="微软雅黑" pitchFamily="34" charset="-122"/>
+                <a:ea typeface="微软雅黑" pitchFamily="34" charset="-122"/>
+              </a:rPr>
+              <a:t>本次培训仅提供前端异步编程学习，主要是让学员了解异步编程；</a:t>
+            </a:r>
+            <a:endParaRPr lang="en-US" altLang="zh-CN" dirty="0">
+              <a:latin typeface="微软雅黑" pitchFamily="34" charset="-122"/>
+              <a:ea typeface="微软雅黑" pitchFamily="34" charset="-122"/>
+            </a:endParaRPr>
+          </a:p>
+          <a:p>
+            <a:r>
+              <a:rPr lang="zh-CN" altLang="en-US" dirty="0">
+                <a:latin typeface="微软雅黑" pitchFamily="34" charset="-122"/>
+                <a:ea typeface="微软雅黑" pitchFamily="34" charset="-122"/>
+              </a:rPr>
+              <a:t>理解</a:t>
+            </a:r>
+            <a:r>
+              <a:rPr lang="zh-CN" altLang="en-US">
+                <a:latin typeface="微软雅黑" pitchFamily="34" charset="-122"/>
+                <a:ea typeface="微软雅黑" pitchFamily="34" charset="-122"/>
+              </a:rPr>
+              <a:t>并</a:t>
+            </a:r>
+            <a:r>
+              <a:rPr lang="zh-CN" altLang="en-US" smtClean="0">
+                <a:latin typeface="微软雅黑" pitchFamily="34" charset="-122"/>
+                <a:ea typeface="微软雅黑" pitchFamily="34" charset="-122"/>
+              </a:rPr>
+              <a:t>学会</a:t>
+            </a:r>
+            <a:r>
+              <a:rPr lang="en-US" altLang="zh-CN" smtClean="0">
+                <a:latin typeface="微软雅黑" pitchFamily="34" charset="-122"/>
+                <a:ea typeface="微软雅黑" pitchFamily="34" charset="-122"/>
+              </a:rPr>
+              <a:t>promise</a:t>
+            </a:r>
+            <a:r>
+              <a:rPr lang="zh-CN" altLang="en-US" smtClean="0">
+                <a:latin typeface="微软雅黑" pitchFamily="34" charset="-122"/>
+                <a:ea typeface="微软雅黑" pitchFamily="34" charset="-122"/>
+              </a:rPr>
+              <a:t>的使用以及</a:t>
+            </a:r>
+            <a:r>
+              <a:rPr lang="en-US" altLang="zh-CN" dirty="0">
+                <a:latin typeface="微软雅黑" pitchFamily="34" charset="-122"/>
+                <a:ea typeface="微软雅黑" pitchFamily="34" charset="-122"/>
+              </a:rPr>
+              <a:t>async/await</a:t>
+            </a:r>
+            <a:r>
+              <a:rPr lang="zh-CN" altLang="en-US" dirty="0">
+                <a:latin typeface="微软雅黑" pitchFamily="34" charset="-122"/>
+                <a:ea typeface="微软雅黑" pitchFamily="34" charset="-122"/>
+              </a:rPr>
+              <a:t>的使用。</a:t>
+            </a:r>
+          </a:p>
+        </p:txBody>
+      </p:sp>
+      <p:sp>
+        <p:nvSpPr>
+          <p:cNvPr id="7" name="AutoShape 50"/>
+          <p:cNvSpPr>
+            <a:spLocks noChangeArrowheads="1"/>
+          </p:cNvSpPr>
+          <p:nvPr/>
+        </p:nvSpPr>
+        <p:spPr bwMode="auto">
+          <a:xfrm>
+            <a:off x="827584" y="1196752"/>
+            <a:ext cx="1295400" cy="457200"/>
+          </a:xfrm>
+          <a:prstGeom prst="roundRect">
+            <a:avLst>
+              <a:gd name="adj" fmla="val 16667"/>
+            </a:avLst>
+          </a:prstGeom>
+          <a:solidFill>
+            <a:srgbClr val="32C3F6">
+              <a:alpha val="78038"/>
+            </a:srgbClr>
+          </a:solidFill>
+          <a:ln w="12700" algn="ctr">
+            <a:solidFill>
+              <a:srgbClr val="333399"/>
+            </a:solidFill>
+            <a:round/>
+            <a:headEnd/>
+            <a:tailEnd/>
+          </a:ln>
+        </p:spPr>
+        <p:txBody>
+          <a:bodyPr wrap="none" lIns="90000" tIns="46800" rIns="90000" bIns="46800" anchor="ctr"/>
+          <a:lstStyle/>
+          <a:p>
+            <a:pPr algn="ctr"/>
+            <a:r>
+              <a:rPr lang="zh-CN" altLang="en-US" sz="2000" b="1" dirty="0">
+                <a:solidFill>
+                  <a:srgbClr val="000099"/>
+                </a:solidFill>
+                <a:latin typeface="微软雅黑" pitchFamily="34" charset="-122"/>
+                <a:ea typeface="微软雅黑" pitchFamily="34" charset="-122"/>
+              </a:rPr>
+              <a:t>培训目的</a:t>
+            </a:r>
+          </a:p>
+        </p:txBody>
+      </p:sp>
+      <p:sp>
+        <p:nvSpPr>
+          <p:cNvPr id="8" name="AutoShape 51"/>
+          <p:cNvSpPr>
+            <a:spLocks noChangeArrowheads="1"/>
+          </p:cNvSpPr>
+          <p:nvPr/>
+        </p:nvSpPr>
+        <p:spPr bwMode="auto">
+          <a:xfrm>
+            <a:off x="827584" y="3068960"/>
+            <a:ext cx="1295400" cy="457200"/>
+          </a:xfrm>
+          <a:prstGeom prst="roundRect">
+            <a:avLst>
+              <a:gd name="adj" fmla="val 16667"/>
+            </a:avLst>
+          </a:prstGeom>
+          <a:solidFill>
+            <a:srgbClr val="32C3F6">
+              <a:alpha val="78038"/>
+            </a:srgbClr>
+          </a:solidFill>
+          <a:ln w="12700" algn="ctr">
+            <a:solidFill>
+              <a:srgbClr val="333399"/>
+            </a:solidFill>
+            <a:round/>
+            <a:headEnd/>
+            <a:tailEnd/>
+          </a:ln>
+        </p:spPr>
+        <p:txBody>
+          <a:bodyPr wrap="none" lIns="90000" tIns="46800" rIns="90000" bIns="46800" anchor="ctr"/>
+          <a:lstStyle/>
+          <a:p>
+            <a:pPr algn="ctr"/>
+            <a:r>
+              <a:rPr lang="zh-CN" altLang="en-US" sz="2000" b="1" dirty="0">
+                <a:solidFill>
+                  <a:srgbClr val="000099"/>
+                </a:solidFill>
+                <a:latin typeface="微软雅黑" pitchFamily="34" charset="-122"/>
+                <a:ea typeface="微软雅黑" pitchFamily="34" charset="-122"/>
+              </a:rPr>
+              <a:t>培训对象</a:t>
+            </a:r>
+          </a:p>
+        </p:txBody>
+      </p:sp>
+      <p:sp>
+        <p:nvSpPr>
+          <p:cNvPr id="9" name="AutoShape 52"/>
+          <p:cNvSpPr>
+            <a:spLocks noChangeArrowheads="1"/>
+          </p:cNvSpPr>
+          <p:nvPr/>
+        </p:nvSpPr>
+        <p:spPr bwMode="auto">
+          <a:xfrm>
+            <a:off x="827584" y="4869160"/>
+            <a:ext cx="1295400" cy="457200"/>
+          </a:xfrm>
+          <a:prstGeom prst="roundRect">
+            <a:avLst>
+              <a:gd name="adj" fmla="val 16667"/>
+            </a:avLst>
+          </a:prstGeom>
+          <a:solidFill>
+            <a:srgbClr val="32C3F6">
+              <a:alpha val="78038"/>
+            </a:srgbClr>
+          </a:solidFill>
+          <a:ln w="12700" algn="ctr">
+            <a:solidFill>
+              <a:srgbClr val="333399"/>
+            </a:solidFill>
+            <a:round/>
+            <a:headEnd/>
+            <a:tailEnd/>
+          </a:ln>
+        </p:spPr>
+        <p:txBody>
+          <a:bodyPr wrap="none" lIns="90000" tIns="46800" rIns="90000" bIns="46800" anchor="ctr"/>
+          <a:lstStyle/>
+          <a:p>
+            <a:pPr algn="ctr"/>
+            <a:r>
+              <a:rPr lang="zh-CN" altLang="en-US" sz="2000" b="1" dirty="0">
+                <a:solidFill>
+                  <a:srgbClr val="000099"/>
+                </a:solidFill>
+                <a:latin typeface="微软雅黑" pitchFamily="34" charset="-122"/>
+                <a:ea typeface="微软雅黑" pitchFamily="34" charset="-122"/>
+              </a:rPr>
+              <a:t>培训讲师</a:t>
+            </a:r>
+          </a:p>
+        </p:txBody>
+      </p:sp>
+      <p:sp>
+        <p:nvSpPr>
+          <p:cNvPr id="10" name="AutoShape 54"/>
+          <p:cNvSpPr>
+            <a:spLocks noChangeArrowheads="1"/>
+          </p:cNvSpPr>
+          <p:nvPr/>
+        </p:nvSpPr>
+        <p:spPr bwMode="auto">
+          <a:xfrm>
+            <a:off x="827584" y="5517232"/>
+            <a:ext cx="1295400" cy="457200"/>
+          </a:xfrm>
+          <a:prstGeom prst="roundRect">
+            <a:avLst>
+              <a:gd name="adj" fmla="val 16667"/>
+            </a:avLst>
+          </a:prstGeom>
+          <a:solidFill>
+            <a:srgbClr val="32C3F6">
+              <a:alpha val="78038"/>
+            </a:srgbClr>
+          </a:solidFill>
+          <a:ln w="12700" algn="ctr">
+            <a:solidFill>
+              <a:srgbClr val="333399"/>
+            </a:solidFill>
+            <a:round/>
+            <a:headEnd/>
+            <a:tailEnd/>
+          </a:ln>
+        </p:spPr>
+        <p:txBody>
+          <a:bodyPr wrap="none" lIns="90000" tIns="46800" rIns="90000" bIns="46800" anchor="ctr"/>
+          <a:lstStyle/>
+          <a:p>
+            <a:pPr algn="ctr"/>
+            <a:r>
+              <a:rPr lang="zh-CN" altLang="en-US" sz="2000" b="1" dirty="0">
+                <a:solidFill>
+                  <a:srgbClr val="000099"/>
+                </a:solidFill>
+                <a:latin typeface="微软雅黑" pitchFamily="34" charset="-122"/>
+                <a:ea typeface="微软雅黑" pitchFamily="34" charset="-122"/>
+              </a:rPr>
+              <a:t>培训课时</a:t>
+            </a:r>
+          </a:p>
+        </p:txBody>
+      </p:sp>
+      <p:sp>
+        <p:nvSpPr>
+          <p:cNvPr id="11" name="AutoShape 35"/>
+          <p:cNvSpPr>
+            <a:spLocks noChangeArrowheads="1"/>
+          </p:cNvSpPr>
+          <p:nvPr/>
+        </p:nvSpPr>
+        <p:spPr bwMode="auto">
+          <a:xfrm>
+            <a:off x="2195736" y="5517232"/>
+            <a:ext cx="6120680" cy="432048"/>
+          </a:xfrm>
+          <a:prstGeom prst="roundRect">
+            <a:avLst>
+              <a:gd name="adj" fmla="val 16667"/>
+            </a:avLst>
+          </a:prstGeom>
+          <a:solidFill>
+            <a:srgbClr val="CCFFFF">
+              <a:alpha val="38823"/>
+            </a:srgbClr>
+          </a:solidFill>
+          <a:ln w="12700" algn="ctr">
+            <a:solidFill>
+              <a:srgbClr val="99CCFF"/>
+            </a:solidFill>
+            <a:round/>
+            <a:headEnd/>
+            <a:tailEnd/>
+          </a:ln>
+        </p:spPr>
+        <p:txBody>
+          <a:bodyPr wrap="none" anchor="ctr"/>
+          <a:lstStyle/>
+          <a:p>
+            <a:pPr algn="ctr"/>
+            <a:r>
+              <a:rPr lang="en-US" altLang="zh-CN" sz="2000" dirty="0">
+                <a:latin typeface="微软雅黑" pitchFamily="34" charset="-122"/>
+                <a:ea typeface="微软雅黑" pitchFamily="34" charset="-122"/>
+              </a:rPr>
+              <a:t>2</a:t>
+            </a:r>
+            <a:r>
+              <a:rPr lang="zh-CN" altLang="en-US" sz="2000" dirty="0">
+                <a:latin typeface="微软雅黑" pitchFamily="34" charset="-122"/>
+                <a:ea typeface="微软雅黑" pitchFamily="34" charset="-122"/>
+              </a:rPr>
+              <a:t>小时</a:t>
+            </a:r>
+          </a:p>
+        </p:txBody>
+      </p:sp>
+    </p:spTree>
+    <p:extLst>
+      <p:ext uri="{BB962C8B-B14F-4D97-AF65-F5344CB8AC3E}">
+        <p14:creationId xmlns="" xmlns:p14="http://schemas.microsoft.com/office/powerpoint/2010/main" val="3955474334"/>
+      </p:ext>
+    </p:extLst>
+  </p:cSld>
+  <p:clrMapOvr>
+    <a:masterClrMapping/>
+  </p:clrMapOvr>
+</p:sld>
+</file>
+
+<file path=ppt/slides/slide20.xml><?xml version="1.0" encoding="utf-8"?>
+<p:sld xmlns:a="http://schemas.openxmlformats.org/drawingml/2006/main" xmlns:r="http://schemas.openxmlformats.org/officeDocument/2006/relationships" xmlns:p="http://schemas.openxmlformats.org/presentationml/2006/main">
+  <p:cSld>
+    <p:spTree>
+      <p:nvGrpSpPr>
+        <p:cNvPr id="1" name=""/>
+        <p:cNvGrpSpPr/>
+        <p:nvPr/>
+      </p:nvGrpSpPr>
+      <p:grpSpPr>
+        <a:xfrm>
+          <a:off x="0" y="0"/>
+          <a:ext cx="0" cy="0"/>
+          <a:chOff x="0" y="0"/>
+          <a:chExt cx="0" cy="0"/>
+        </a:xfrm>
+      </p:grpSpPr>
+      <p:sp>
+        <p:nvSpPr>
+          <p:cNvPr id="32" name="标题 1"/>
+          <p:cNvSpPr>
+            <a:spLocks noGrp="1"/>
+          </p:cNvSpPr>
+          <p:nvPr>
+            <p:ph type="ctrTitle"/>
+          </p:nvPr>
+        </p:nvSpPr>
+        <p:spPr>
+          <a:xfrm>
+            <a:off x="285720" y="71414"/>
+            <a:ext cx="4000528" cy="571504"/>
+          </a:xfrm>
+        </p:spPr>
+        <p:txBody>
+          <a:bodyPr>
+            <a:noAutofit/>
+          </a:bodyPr>
+          <a:lstStyle/>
+          <a:p>
+            <a:pPr marL="457200" indent="-457200">
+              <a:lnSpc>
+                <a:spcPct val="200000"/>
+              </a:lnSpc>
+            </a:pPr>
+            <a:r>
+              <a:rPr lang="en-US" altLang="zh-CN" sz="2800" dirty="0">
+                <a:latin typeface="微软雅黑" panose="020B0503020204020204" pitchFamily="34" charset="-122"/>
+                <a:ea typeface="微软雅黑" panose="020B0503020204020204" pitchFamily="34" charset="-122"/>
+              </a:rPr>
+              <a:t>async/await</a:t>
+            </a:r>
+            <a:endParaRPr lang="zh-CN" sz="2800" dirty="0">
+              <a:latin typeface="微软雅黑" panose="020B0503020204020204" pitchFamily="34" charset="-122"/>
+              <a:ea typeface="微软雅黑" panose="020B0503020204020204" pitchFamily="34" charset="-122"/>
+            </a:endParaRPr>
+          </a:p>
+        </p:txBody>
+      </p:sp>
+      <p:sp>
+        <p:nvSpPr>
+          <p:cNvPr id="6" name="TextBox 5"/>
+          <p:cNvSpPr txBox="1"/>
+          <p:nvPr/>
+        </p:nvSpPr>
+        <p:spPr>
+          <a:xfrm>
+            <a:off x="357158" y="1357298"/>
+            <a:ext cx="3357586" cy="954107"/>
+          </a:xfrm>
+          <a:prstGeom prst="rect">
+            <a:avLst/>
+          </a:prstGeom>
+          <a:noFill/>
+        </p:spPr>
+        <p:txBody>
+          <a:bodyPr wrap="square" rtlCol="0">
+            <a:spAutoFit/>
+          </a:bodyPr>
+          <a:lstStyle/>
+          <a:p>
+            <a:r>
+              <a:rPr lang="en-US" altLang="zh-CN" sz="2000" smtClean="0">
+                <a:latin typeface="微软雅黑" panose="020B0503020204020204" pitchFamily="34" charset="-122"/>
+                <a:ea typeface="微软雅黑" panose="020B0503020204020204" pitchFamily="34" charset="-122"/>
+              </a:rPr>
+              <a:t>3</a:t>
+            </a:r>
+            <a:r>
+              <a:rPr lang="zh-CN" altLang="en-US" sz="2000" smtClean="0">
+                <a:latin typeface="微软雅黑" panose="020B0503020204020204" pitchFamily="34" charset="-122"/>
+                <a:ea typeface="微软雅黑" panose="020B0503020204020204" pitchFamily="34" charset="-122"/>
+              </a:rPr>
+              <a:t>、用法对比</a:t>
+            </a:r>
+            <a:endParaRPr lang="en-US" altLang="zh-CN" sz="2000" dirty="0">
+              <a:latin typeface="微软雅黑" panose="020B0503020204020204" pitchFamily="34" charset="-122"/>
+              <a:ea typeface="微软雅黑" panose="020B0503020204020204" pitchFamily="34" charset="-122"/>
+            </a:endParaRPr>
+          </a:p>
+          <a:p>
+            <a:r>
+              <a:rPr lang="en-US" altLang="zh-CN" dirty="0"/>
+              <a:t>	</a:t>
+            </a:r>
+          </a:p>
+          <a:p>
+            <a:r>
+              <a:rPr lang="en-US" altLang="zh-CN" dirty="0"/>
+              <a:t>		</a:t>
+            </a:r>
+            <a:endParaRPr lang="zh-CN" altLang="en-US" dirty="0"/>
+          </a:p>
+        </p:txBody>
+      </p:sp>
+      <p:pic>
+        <p:nvPicPr>
+          <p:cNvPr id="2050" name="Picture 2"/>
+          <p:cNvPicPr>
+            <a:picLocks noChangeAspect="1" noChangeArrowheads="1"/>
+          </p:cNvPicPr>
+          <p:nvPr/>
+        </p:nvPicPr>
+        <p:blipFill>
+          <a:blip r:embed="rId3"/>
+          <a:srcRect/>
+          <a:stretch>
+            <a:fillRect/>
+          </a:stretch>
+        </p:blipFill>
+        <p:spPr bwMode="auto">
+          <a:xfrm>
+            <a:off x="2471738" y="1824038"/>
+            <a:ext cx="5372207" cy="4105292"/>
+          </a:xfrm>
+          <a:prstGeom prst="rect">
+            <a:avLst/>
+          </a:prstGeom>
+          <a:noFill/>
+          <a:ln w="9525">
+            <a:noFill/>
+            <a:miter lim="800000"/>
+            <a:headEnd/>
+            <a:tailEnd/>
+          </a:ln>
+          <a:effectLst/>
+        </p:spPr>
+      </p:pic>
+    </p:spTree>
+  </p:cSld>
+  <p:clrMapOvr>
+    <a:masterClrMapping/>
+  </p:clrMapOvr>
+</p:sld>
+</file>
+
+<file path=ppt/slides/slide21.xml><?xml version="1.0" encoding="utf-8"?>
+<p:sld xmlns:a="http://schemas.openxmlformats.org/drawingml/2006/main" xmlns:r="http://schemas.openxmlformats.org/officeDocument/2006/relationships" xmlns:p="http://schemas.openxmlformats.org/presentationml/2006/main">
+  <p:cSld>
+    <p:spTree>
+      <p:nvGrpSpPr>
+        <p:cNvPr id="1" name=""/>
+        <p:cNvGrpSpPr/>
+        <p:nvPr/>
+      </p:nvGrpSpPr>
+      <p:grpSpPr>
+        <a:xfrm>
+          <a:off x="0" y="0"/>
+          <a:ext cx="0" cy="0"/>
+          <a:chOff x="0" y="0"/>
+          <a:chExt cx="0" cy="0"/>
+        </a:xfrm>
+      </p:grpSpPr>
+      <p:sp>
+        <p:nvSpPr>
+          <p:cNvPr id="32" name="标题 1"/>
+          <p:cNvSpPr>
+            <a:spLocks noGrp="1"/>
+          </p:cNvSpPr>
+          <p:nvPr>
+            <p:ph type="ctrTitle"/>
+          </p:nvPr>
+        </p:nvSpPr>
+        <p:spPr>
+          <a:xfrm>
+            <a:off x="285720" y="71414"/>
+            <a:ext cx="4000528" cy="571504"/>
+          </a:xfrm>
+        </p:spPr>
+        <p:txBody>
+          <a:bodyPr>
+            <a:noAutofit/>
+          </a:bodyPr>
+          <a:lstStyle/>
+          <a:p>
+            <a:pPr marL="457200" indent="-457200">
+              <a:lnSpc>
+                <a:spcPct val="200000"/>
+              </a:lnSpc>
+            </a:pPr>
+            <a:r>
+              <a:rPr lang="en-US" altLang="zh-CN" sz="2800" dirty="0">
+                <a:latin typeface="微软雅黑" panose="020B0503020204020204" pitchFamily="34" charset="-122"/>
+                <a:ea typeface="微软雅黑" panose="020B0503020204020204" pitchFamily="34" charset="-122"/>
+              </a:rPr>
+              <a:t>async/await</a:t>
+            </a:r>
+            <a:endParaRPr lang="zh-CN" sz="2800" dirty="0">
+              <a:latin typeface="微软雅黑" panose="020B0503020204020204" pitchFamily="34" charset="-122"/>
+              <a:ea typeface="微软雅黑" panose="020B0503020204020204" pitchFamily="34" charset="-122"/>
+            </a:endParaRPr>
+          </a:p>
+        </p:txBody>
+      </p:sp>
+      <p:sp>
+        <p:nvSpPr>
+          <p:cNvPr id="6" name="TextBox 5"/>
+          <p:cNvSpPr txBox="1"/>
+          <p:nvPr/>
+        </p:nvSpPr>
+        <p:spPr>
+          <a:xfrm>
+            <a:off x="357158" y="1357298"/>
+            <a:ext cx="6143668" cy="1261884"/>
+          </a:xfrm>
+          <a:prstGeom prst="rect">
+            <a:avLst/>
+          </a:prstGeom>
+          <a:noFill/>
+        </p:spPr>
+        <p:txBody>
+          <a:bodyPr wrap="square" rtlCol="0">
+            <a:spAutoFit/>
+          </a:bodyPr>
+          <a:lstStyle/>
+          <a:p>
+            <a:r>
+              <a:rPr lang="en-US" altLang="zh-CN" sz="2000" smtClean="0">
+                <a:latin typeface="微软雅黑" panose="020B0503020204020204" pitchFamily="34" charset="-122"/>
+                <a:ea typeface="微软雅黑" panose="020B0503020204020204" pitchFamily="34" charset="-122"/>
+              </a:rPr>
+              <a:t>4</a:t>
+            </a:r>
+            <a:r>
+              <a:rPr lang="zh-CN" altLang="en-US" sz="2000" smtClean="0">
+                <a:latin typeface="微软雅黑" panose="020B0503020204020204" pitchFamily="34" charset="-122"/>
+                <a:ea typeface="微软雅黑" panose="020B0503020204020204" pitchFamily="34" charset="-122"/>
+              </a:rPr>
+              <a:t>、总结，</a:t>
+            </a:r>
+            <a:r>
+              <a:rPr lang="zh-CN" altLang="en-US" sz="2000" smtClean="0"/>
+              <a:t>为什么要使用</a:t>
+            </a:r>
+            <a:r>
+              <a:rPr lang="en-US" altLang="zh-CN" sz="2000" smtClean="0"/>
+              <a:t>async/await</a:t>
+            </a:r>
+            <a:r>
+              <a:rPr lang="zh-CN" altLang="en-US" sz="2000" smtClean="0"/>
+              <a:t>？</a:t>
+            </a:r>
+          </a:p>
+          <a:p>
+            <a:endParaRPr lang="en-US" altLang="zh-CN" sz="2000" dirty="0">
+              <a:latin typeface="微软雅黑" panose="020B0503020204020204" pitchFamily="34" charset="-122"/>
+              <a:ea typeface="微软雅黑" panose="020B0503020204020204" pitchFamily="34" charset="-122"/>
+            </a:endParaRPr>
+          </a:p>
+          <a:p>
+            <a:r>
+              <a:rPr lang="en-US" altLang="zh-CN" dirty="0"/>
+              <a:t>	</a:t>
+            </a:r>
+          </a:p>
+          <a:p>
+            <a:r>
+              <a:rPr lang="en-US" altLang="zh-CN" dirty="0"/>
+              <a:t>		</a:t>
+            </a:r>
+            <a:endParaRPr lang="zh-CN" altLang="en-US" dirty="0"/>
+          </a:p>
+        </p:txBody>
+      </p:sp>
+      <p:sp>
+        <p:nvSpPr>
+          <p:cNvPr id="4" name="矩形 3">
+            <a:extLst>
+              <a:ext uri="{FF2B5EF4-FFF2-40B4-BE49-F238E27FC236}">
+                <a16:creationId xmlns="" xmlns:a16="http://schemas.microsoft.com/office/drawing/2014/main" id="{A1D42ACF-F1EA-4CAF-AFC2-016C0338FEB6}"/>
+              </a:ext>
+            </a:extLst>
+          </p:cNvPr>
+          <p:cNvSpPr/>
+          <p:nvPr/>
+        </p:nvSpPr>
+        <p:spPr>
+          <a:xfrm>
+            <a:off x="785786" y="2500306"/>
+            <a:ext cx="7128792" cy="2309346"/>
+          </a:xfrm>
+          <a:prstGeom prst="rect">
+            <a:avLst/>
+          </a:prstGeom>
+          <a:solidFill>
+            <a:schemeClr val="accent5">
+              <a:lumMod val="20000"/>
+              <a:lumOff val="80000"/>
+            </a:schemeClr>
+          </a:solidFill>
+        </p:spPr>
+        <p:style>
+          <a:lnRef idx="2">
+            <a:schemeClr val="accent1">
+              <a:shade val="50000"/>
+            </a:schemeClr>
+          </a:lnRef>
+          <a:fillRef idx="1">
+            <a:schemeClr val="accent1"/>
+          </a:fillRef>
+          <a:effectRef idx="0">
+            <a:schemeClr val="accent1"/>
+          </a:effectRef>
+          <a:fontRef idx="minor">
+            <a:schemeClr val="lt1"/>
+          </a:fontRef>
+        </p:style>
+        <p:txBody>
+          <a:bodyPr rtlCol="0" anchor="ctr"/>
+          <a:lstStyle/>
+          <a:p>
+            <a:r>
+              <a:rPr lang="zh-CN" altLang="en-US" smtClean="0">
+                <a:solidFill>
+                  <a:schemeClr val="tx1"/>
+                </a:solidFill>
+              </a:rPr>
+              <a:t>优点：</a:t>
+            </a:r>
+            <a:endParaRPr lang="en-US" altLang="zh-CN" smtClean="0">
+              <a:solidFill>
+                <a:schemeClr val="tx1"/>
+              </a:solidFill>
+            </a:endParaRPr>
+          </a:p>
+          <a:p>
+            <a:endParaRPr lang="en-US" altLang="zh-CN" smtClean="0">
+              <a:solidFill>
+                <a:schemeClr val="tx1"/>
+              </a:solidFill>
+            </a:endParaRPr>
+          </a:p>
+          <a:p>
+            <a:r>
+              <a:rPr lang="zh-CN" altLang="en-US" smtClean="0">
+                <a:solidFill>
+                  <a:schemeClr val="tx1"/>
+                </a:solidFill>
+              </a:rPr>
+              <a:t>代码简洁、错误处理、中间值的复用、调试</a:t>
+            </a:r>
+            <a:endParaRPr lang="zh-CN" altLang="en-US" smtClean="0">
+              <a:solidFill>
+                <a:schemeClr val="tx1"/>
+              </a:solidFill>
+            </a:endParaRPr>
+          </a:p>
+        </p:txBody>
+      </p:sp>
+    </p:spTree>
+  </p:cSld>
+  <p:clrMapOvr>
+    <a:masterClrMapping/>
+  </p:clrMapOvr>
+</p:sld>
+</file>
+
+<file path=ppt/slides/slide22.xml><?xml version="1.0" encoding="utf-8"?>
+<p:sld xmlns:a="http://schemas.openxmlformats.org/drawingml/2006/main" xmlns:r="http://schemas.openxmlformats.org/officeDocument/2006/relationships" xmlns:p="http://schemas.openxmlformats.org/presentationml/2006/main">
+  <p:cSld>
+    <p:spTree>
+      <p:nvGrpSpPr>
+        <p:cNvPr id="1" name=""/>
+        <p:cNvGrpSpPr/>
+        <p:nvPr/>
+      </p:nvGrpSpPr>
+      <p:grpSpPr>
+        <a:xfrm>
+          <a:off x="0" y="0"/>
+          <a:ext cx="0" cy="0"/>
+          <a:chOff x="0" y="0"/>
+          <a:chExt cx="0" cy="0"/>
+        </a:xfrm>
+      </p:grpSpPr>
+      <p:sp>
+        <p:nvSpPr>
+          <p:cNvPr id="32" name="标题 1"/>
+          <p:cNvSpPr>
+            <a:spLocks noGrp="1"/>
+          </p:cNvSpPr>
+          <p:nvPr>
+            <p:ph type="ctrTitle"/>
+          </p:nvPr>
+        </p:nvSpPr>
+        <p:spPr>
+          <a:xfrm>
+            <a:off x="285720" y="71414"/>
+            <a:ext cx="4000528" cy="571504"/>
+          </a:xfrm>
+        </p:spPr>
+        <p:txBody>
+          <a:bodyPr>
+            <a:noAutofit/>
+          </a:bodyPr>
+          <a:lstStyle/>
+          <a:p>
+            <a:pPr marL="457200" indent="-457200">
+              <a:lnSpc>
+                <a:spcPct val="200000"/>
+              </a:lnSpc>
+            </a:pPr>
+            <a:r>
+              <a:rPr lang="zh-CN" altLang="en-US" sz="2800" smtClean="0">
+                <a:latin typeface="微软雅黑" panose="020B0503020204020204" pitchFamily="34" charset="-122"/>
+                <a:ea typeface="微软雅黑" panose="020B0503020204020204" pitchFamily="34" charset="-122"/>
+              </a:rPr>
+              <a:t>异步执行顺序</a:t>
+            </a:r>
+            <a:endParaRPr lang="zh-CN" sz="2800" dirty="0">
+              <a:latin typeface="微软雅黑" panose="020B0503020204020204" pitchFamily="34" charset="-122"/>
+              <a:ea typeface="微软雅黑" panose="020B0503020204020204" pitchFamily="34" charset="-122"/>
+            </a:endParaRPr>
+          </a:p>
+        </p:txBody>
+      </p:sp>
+      <p:sp>
+        <p:nvSpPr>
+          <p:cNvPr id="6" name="TextBox 5"/>
+          <p:cNvSpPr txBox="1"/>
+          <p:nvPr/>
+        </p:nvSpPr>
+        <p:spPr>
+          <a:xfrm>
+            <a:off x="357158" y="1357298"/>
+            <a:ext cx="6143668" cy="954107"/>
+          </a:xfrm>
+          <a:prstGeom prst="rect">
+            <a:avLst/>
+          </a:prstGeom>
+          <a:noFill/>
+        </p:spPr>
+        <p:txBody>
+          <a:bodyPr wrap="square" rtlCol="0">
+            <a:spAutoFit/>
+          </a:bodyPr>
+          <a:lstStyle/>
+          <a:p>
+            <a:endParaRPr lang="en-US" altLang="zh-CN" sz="2000" dirty="0">
+              <a:latin typeface="微软雅黑" panose="020B0503020204020204" pitchFamily="34" charset="-122"/>
+              <a:ea typeface="微软雅黑" panose="020B0503020204020204" pitchFamily="34" charset="-122"/>
+            </a:endParaRPr>
+          </a:p>
+          <a:p>
+            <a:r>
+              <a:rPr lang="en-US" altLang="zh-CN" dirty="0"/>
+              <a:t>	</a:t>
+            </a:r>
+          </a:p>
+          <a:p>
+            <a:r>
+              <a:rPr lang="en-US" altLang="zh-CN" dirty="0"/>
+              <a:t>		</a:t>
+            </a:r>
+            <a:endParaRPr lang="zh-CN" altLang="en-US" dirty="0"/>
+          </a:p>
+        </p:txBody>
+      </p:sp>
+      <p:sp>
+        <p:nvSpPr>
+          <p:cNvPr id="4" name="矩形 3">
+            <a:extLst>
+              <a:ext uri="{FF2B5EF4-FFF2-40B4-BE49-F238E27FC236}">
+                <a16:creationId xmlns="" xmlns:a16="http://schemas.microsoft.com/office/drawing/2014/main" id="{A1D42ACF-F1EA-4CAF-AFC2-016C0338FEB6}"/>
+              </a:ext>
+            </a:extLst>
+          </p:cNvPr>
+          <p:cNvSpPr/>
+          <p:nvPr/>
+        </p:nvSpPr>
+        <p:spPr>
+          <a:xfrm>
+            <a:off x="785786" y="2500306"/>
+            <a:ext cx="7128792" cy="2309346"/>
+          </a:xfrm>
+          <a:prstGeom prst="rect">
+            <a:avLst/>
+          </a:prstGeom>
+          <a:solidFill>
+            <a:schemeClr val="accent5">
+              <a:lumMod val="20000"/>
+              <a:lumOff val="80000"/>
+            </a:schemeClr>
+          </a:solidFill>
+        </p:spPr>
+        <p:style>
+          <a:lnRef idx="2">
+            <a:schemeClr val="accent1">
+              <a:shade val="50000"/>
+            </a:schemeClr>
+          </a:lnRef>
+          <a:fillRef idx="1">
+            <a:schemeClr val="accent1"/>
+          </a:fillRef>
+          <a:effectRef idx="0">
+            <a:schemeClr val="accent1"/>
+          </a:effectRef>
+          <a:fontRef idx="minor">
+            <a:schemeClr val="lt1"/>
+          </a:fontRef>
+        </p:style>
+        <p:txBody>
+          <a:bodyPr rtlCol="0" anchor="ctr"/>
+          <a:lstStyle/>
+          <a:p>
+            <a:r>
+              <a:rPr lang="zh-CN" altLang="en-US" smtClean="0">
+                <a:solidFill>
+                  <a:schemeClr val="tx1"/>
+                </a:solidFill>
+              </a:rPr>
+              <a:t>通过代码讲解</a:t>
+            </a:r>
+            <a:endParaRPr lang="zh-CN" altLang="en-US" smtClean="0">
+              <a:solidFill>
+                <a:schemeClr val="tx1"/>
+              </a:solidFill>
+            </a:endParaRPr>
+          </a:p>
+        </p:txBody>
+      </p:sp>
+    </p:spTree>
+  </p:cSld>
+  <p:clrMapOvr>
+    <a:masterClrMapping/>
+  </p:clrMapOvr>
+</p:sld>
+</file>
+
+<file path=ppt/slides/slide23.xml><?xml version="1.0" encoding="utf-8"?>
 <p:sld xmlns:a="http://schemas.openxmlformats.org/drawingml/2006/main" xmlns:r="http://schemas.openxmlformats.org/officeDocument/2006/relationships" xmlns:p="http://schemas.openxmlformats.org/presentationml/2006/main">
   <p:cSld>
     <p:bg>
@@ -9475,487 +12974,6 @@
 </p:sld>
 </file>
 
-<file path=ppt/slides/slide2.xml><?xml version="1.0" encoding="utf-8"?>
-<p:sld xmlns:a="http://schemas.openxmlformats.org/drawingml/2006/main" xmlns:r="http://schemas.openxmlformats.org/officeDocument/2006/relationships" xmlns:p="http://schemas.openxmlformats.org/presentationml/2006/main">
-  <p:cSld>
-    <p:spTree>
-      <p:nvGrpSpPr>
-        <p:cNvPr id="1" name=""/>
-        <p:cNvGrpSpPr/>
-        <p:nvPr/>
-      </p:nvGrpSpPr>
-      <p:grpSpPr>
-        <a:xfrm>
-          <a:off x="0" y="0"/>
-          <a:ext cx="0" cy="0"/>
-          <a:chOff x="0" y="0"/>
-          <a:chExt cx="0" cy="0"/>
-        </a:xfrm>
-      </p:grpSpPr>
-      <p:sp>
-        <p:nvSpPr>
-          <p:cNvPr id="4" name="AutoShape 33"/>
-          <p:cNvSpPr>
-            <a:spLocks noChangeArrowheads="1"/>
-          </p:cNvSpPr>
-          <p:nvPr/>
-        </p:nvSpPr>
-        <p:spPr bwMode="auto">
-          <a:xfrm>
-            <a:off x="822412" y="3611565"/>
-            <a:ext cx="7499176" cy="1008112"/>
-          </a:xfrm>
-          <a:prstGeom prst="roundRect">
-            <a:avLst>
-              <a:gd name="adj" fmla="val 16667"/>
-            </a:avLst>
-          </a:prstGeom>
-          <a:solidFill>
-            <a:srgbClr val="CCFFFF">
-              <a:alpha val="38823"/>
-            </a:srgbClr>
-          </a:solidFill>
-          <a:ln w="12700" algn="ctr">
-            <a:solidFill>
-              <a:srgbClr val="99CCFF"/>
-            </a:solidFill>
-            <a:round/>
-            <a:headEnd/>
-            <a:tailEnd/>
-          </a:ln>
-        </p:spPr>
-        <p:txBody>
-          <a:bodyPr wrap="none" anchor="ctr"/>
-          <a:lstStyle/>
-          <a:p>
-            <a:r>
-              <a:rPr lang="zh-CN" altLang="en-US">
-                <a:latin typeface="微软雅黑" pitchFamily="34" charset="-122"/>
-                <a:ea typeface="微软雅黑" pitchFamily="34" charset="-122"/>
-              </a:rPr>
-              <a:t>开发</a:t>
-            </a:r>
-            <a:r>
-              <a:rPr lang="zh-CN" altLang="en-US" dirty="0">
-                <a:latin typeface="微软雅黑" pitchFamily="34" charset="-122"/>
-                <a:ea typeface="微软雅黑" pitchFamily="34" charset="-122"/>
-              </a:rPr>
-              <a:t>人员</a:t>
-            </a:r>
-          </a:p>
-        </p:txBody>
-      </p:sp>
-      <p:sp>
-        <p:nvSpPr>
-          <p:cNvPr id="5" name="AutoShape 35"/>
-          <p:cNvSpPr>
-            <a:spLocks noChangeArrowheads="1"/>
-          </p:cNvSpPr>
-          <p:nvPr/>
-        </p:nvSpPr>
-        <p:spPr bwMode="auto">
-          <a:xfrm>
-            <a:off x="2195736" y="4869160"/>
-            <a:ext cx="6120680" cy="504056"/>
-          </a:xfrm>
-          <a:prstGeom prst="roundRect">
-            <a:avLst>
-              <a:gd name="adj" fmla="val 16667"/>
-            </a:avLst>
-          </a:prstGeom>
-          <a:solidFill>
-            <a:srgbClr val="CCFFFF">
-              <a:alpha val="38823"/>
-            </a:srgbClr>
-          </a:solidFill>
-          <a:ln w="12700" algn="ctr">
-            <a:solidFill>
-              <a:srgbClr val="99CCFF"/>
-            </a:solidFill>
-            <a:round/>
-            <a:headEnd/>
-            <a:tailEnd/>
-          </a:ln>
-        </p:spPr>
-        <p:txBody>
-          <a:bodyPr wrap="none" anchor="ctr"/>
-          <a:lstStyle/>
-          <a:p>
-            <a:pPr algn="ctr"/>
-            <a:r>
-              <a:rPr lang="zh-CN" altLang="en-US" sz="2000">
-                <a:latin typeface="微软雅黑" pitchFamily="34" charset="-122"/>
-                <a:ea typeface="微软雅黑" pitchFamily="34" charset="-122"/>
-              </a:rPr>
-              <a:t>龙志平</a:t>
-            </a:r>
-            <a:endParaRPr lang="zh-CN" altLang="en-US" sz="2000" dirty="0">
-              <a:latin typeface="微软雅黑" pitchFamily="34" charset="-122"/>
-              <a:ea typeface="微软雅黑" pitchFamily="34" charset="-122"/>
-            </a:endParaRPr>
-          </a:p>
-        </p:txBody>
-      </p:sp>
-      <p:sp>
-        <p:nvSpPr>
-          <p:cNvPr id="6" name="AutoShape 38"/>
-          <p:cNvSpPr>
-            <a:spLocks noChangeArrowheads="1"/>
-          </p:cNvSpPr>
-          <p:nvPr/>
-        </p:nvSpPr>
-        <p:spPr bwMode="auto">
-          <a:xfrm>
-            <a:off x="827584" y="1738330"/>
-            <a:ext cx="7488832" cy="1262042"/>
-          </a:xfrm>
-          <a:prstGeom prst="roundRect">
-            <a:avLst>
-              <a:gd name="adj" fmla="val 9606"/>
-            </a:avLst>
-          </a:prstGeom>
-          <a:solidFill>
-            <a:srgbClr val="CCFFFF">
-              <a:alpha val="38823"/>
-            </a:srgbClr>
-          </a:solidFill>
-          <a:ln w="12700" algn="ctr">
-            <a:solidFill>
-              <a:srgbClr val="99CCFF"/>
-            </a:solidFill>
-            <a:round/>
-            <a:headEnd/>
-            <a:tailEnd/>
-          </a:ln>
-        </p:spPr>
-        <p:txBody>
-          <a:bodyPr/>
-          <a:lstStyle/>
-          <a:p>
-            <a:r>
-              <a:rPr lang="zh-CN" altLang="en-US" dirty="0">
-                <a:ea typeface="华文细黑" pitchFamily="2" charset="-122"/>
-              </a:rPr>
-              <a:t>       </a:t>
-            </a:r>
-            <a:r>
-              <a:rPr lang="zh-CN" altLang="en-US" dirty="0">
-                <a:latin typeface="微软雅黑" pitchFamily="34" charset="-122"/>
-                <a:ea typeface="微软雅黑" pitchFamily="34" charset="-122"/>
-              </a:rPr>
-              <a:t>本次培训仅提供前端异步编程学习，主要是让学员了解异步编程；</a:t>
-            </a:r>
-            <a:endParaRPr lang="en-US" altLang="zh-CN" dirty="0">
-              <a:latin typeface="微软雅黑" pitchFamily="34" charset="-122"/>
-              <a:ea typeface="微软雅黑" pitchFamily="34" charset="-122"/>
-            </a:endParaRPr>
-          </a:p>
-          <a:p>
-            <a:r>
-              <a:rPr lang="zh-CN" altLang="en-US" dirty="0">
-                <a:latin typeface="微软雅黑" pitchFamily="34" charset="-122"/>
-                <a:ea typeface="微软雅黑" pitchFamily="34" charset="-122"/>
-              </a:rPr>
-              <a:t>理解并学会使用</a:t>
-            </a:r>
-            <a:r>
-              <a:rPr lang="en-US" altLang="zh-CN" dirty="0">
-                <a:latin typeface="微软雅黑" pitchFamily="34" charset="-122"/>
-                <a:ea typeface="微软雅黑" pitchFamily="34" charset="-122"/>
-              </a:rPr>
-              <a:t>promise</a:t>
-            </a:r>
-            <a:r>
-              <a:rPr lang="zh-CN" altLang="en-US" dirty="0">
-                <a:latin typeface="微软雅黑" pitchFamily="34" charset="-122"/>
-                <a:ea typeface="微软雅黑" pitchFamily="34" charset="-122"/>
-              </a:rPr>
-              <a:t>使用方式以及</a:t>
-            </a:r>
-            <a:r>
-              <a:rPr lang="en-US" altLang="zh-CN" dirty="0">
-                <a:latin typeface="微软雅黑" pitchFamily="34" charset="-122"/>
-                <a:ea typeface="微软雅黑" pitchFamily="34" charset="-122"/>
-              </a:rPr>
-              <a:t>async/await</a:t>
-            </a:r>
-            <a:r>
-              <a:rPr lang="zh-CN" altLang="en-US" dirty="0">
-                <a:latin typeface="微软雅黑" pitchFamily="34" charset="-122"/>
-                <a:ea typeface="微软雅黑" pitchFamily="34" charset="-122"/>
-              </a:rPr>
-              <a:t>的使用。</a:t>
-            </a:r>
-          </a:p>
-        </p:txBody>
-      </p:sp>
-      <p:sp>
-        <p:nvSpPr>
-          <p:cNvPr id="7" name="AutoShape 50"/>
-          <p:cNvSpPr>
-            <a:spLocks noChangeArrowheads="1"/>
-          </p:cNvSpPr>
-          <p:nvPr/>
-        </p:nvSpPr>
-        <p:spPr bwMode="auto">
-          <a:xfrm>
-            <a:off x="827584" y="1196752"/>
-            <a:ext cx="1295400" cy="457200"/>
-          </a:xfrm>
-          <a:prstGeom prst="roundRect">
-            <a:avLst>
-              <a:gd name="adj" fmla="val 16667"/>
-            </a:avLst>
-          </a:prstGeom>
-          <a:solidFill>
-            <a:srgbClr val="32C3F6">
-              <a:alpha val="78038"/>
-            </a:srgbClr>
-          </a:solidFill>
-          <a:ln w="12700" algn="ctr">
-            <a:solidFill>
-              <a:srgbClr val="333399"/>
-            </a:solidFill>
-            <a:round/>
-            <a:headEnd/>
-            <a:tailEnd/>
-          </a:ln>
-        </p:spPr>
-        <p:txBody>
-          <a:bodyPr wrap="none" lIns="90000" tIns="46800" rIns="90000" bIns="46800" anchor="ctr"/>
-          <a:lstStyle/>
-          <a:p>
-            <a:pPr algn="ctr"/>
-            <a:r>
-              <a:rPr lang="zh-CN" altLang="en-US" sz="2000" b="1" dirty="0">
-                <a:solidFill>
-                  <a:srgbClr val="000099"/>
-                </a:solidFill>
-                <a:latin typeface="微软雅黑" pitchFamily="34" charset="-122"/>
-                <a:ea typeface="微软雅黑" pitchFamily="34" charset="-122"/>
-              </a:rPr>
-              <a:t>培训目的</a:t>
-            </a:r>
-          </a:p>
-        </p:txBody>
-      </p:sp>
-      <p:sp>
-        <p:nvSpPr>
-          <p:cNvPr id="8" name="AutoShape 51"/>
-          <p:cNvSpPr>
-            <a:spLocks noChangeArrowheads="1"/>
-          </p:cNvSpPr>
-          <p:nvPr/>
-        </p:nvSpPr>
-        <p:spPr bwMode="auto">
-          <a:xfrm>
-            <a:off x="827584" y="3068960"/>
-            <a:ext cx="1295400" cy="457200"/>
-          </a:xfrm>
-          <a:prstGeom prst="roundRect">
-            <a:avLst>
-              <a:gd name="adj" fmla="val 16667"/>
-            </a:avLst>
-          </a:prstGeom>
-          <a:solidFill>
-            <a:srgbClr val="32C3F6">
-              <a:alpha val="78038"/>
-            </a:srgbClr>
-          </a:solidFill>
-          <a:ln w="12700" algn="ctr">
-            <a:solidFill>
-              <a:srgbClr val="333399"/>
-            </a:solidFill>
-            <a:round/>
-            <a:headEnd/>
-            <a:tailEnd/>
-          </a:ln>
-        </p:spPr>
-        <p:txBody>
-          <a:bodyPr wrap="none" lIns="90000" tIns="46800" rIns="90000" bIns="46800" anchor="ctr"/>
-          <a:lstStyle/>
-          <a:p>
-            <a:pPr algn="ctr"/>
-            <a:r>
-              <a:rPr lang="zh-CN" altLang="en-US" sz="2000" b="1" dirty="0">
-                <a:solidFill>
-                  <a:srgbClr val="000099"/>
-                </a:solidFill>
-                <a:latin typeface="微软雅黑" pitchFamily="34" charset="-122"/>
-                <a:ea typeface="微软雅黑" pitchFamily="34" charset="-122"/>
-              </a:rPr>
-              <a:t>培训对象</a:t>
-            </a:r>
-          </a:p>
-        </p:txBody>
-      </p:sp>
-      <p:sp>
-        <p:nvSpPr>
-          <p:cNvPr id="9" name="AutoShape 52"/>
-          <p:cNvSpPr>
-            <a:spLocks noChangeArrowheads="1"/>
-          </p:cNvSpPr>
-          <p:nvPr/>
-        </p:nvSpPr>
-        <p:spPr bwMode="auto">
-          <a:xfrm>
-            <a:off x="827584" y="4869160"/>
-            <a:ext cx="1295400" cy="457200"/>
-          </a:xfrm>
-          <a:prstGeom prst="roundRect">
-            <a:avLst>
-              <a:gd name="adj" fmla="val 16667"/>
-            </a:avLst>
-          </a:prstGeom>
-          <a:solidFill>
-            <a:srgbClr val="32C3F6">
-              <a:alpha val="78038"/>
-            </a:srgbClr>
-          </a:solidFill>
-          <a:ln w="12700" algn="ctr">
-            <a:solidFill>
-              <a:srgbClr val="333399"/>
-            </a:solidFill>
-            <a:round/>
-            <a:headEnd/>
-            <a:tailEnd/>
-          </a:ln>
-        </p:spPr>
-        <p:txBody>
-          <a:bodyPr wrap="none" lIns="90000" tIns="46800" rIns="90000" bIns="46800" anchor="ctr"/>
-          <a:lstStyle/>
-          <a:p>
-            <a:pPr algn="ctr"/>
-            <a:r>
-              <a:rPr lang="zh-CN" altLang="en-US" sz="2000" b="1" dirty="0">
-                <a:solidFill>
-                  <a:srgbClr val="000099"/>
-                </a:solidFill>
-                <a:latin typeface="微软雅黑" pitchFamily="34" charset="-122"/>
-                <a:ea typeface="微软雅黑" pitchFamily="34" charset="-122"/>
-              </a:rPr>
-              <a:t>培训讲师</a:t>
-            </a:r>
-          </a:p>
-        </p:txBody>
-      </p:sp>
-      <p:sp>
-        <p:nvSpPr>
-          <p:cNvPr id="10" name="AutoShape 54"/>
-          <p:cNvSpPr>
-            <a:spLocks noChangeArrowheads="1"/>
-          </p:cNvSpPr>
-          <p:nvPr/>
-        </p:nvSpPr>
-        <p:spPr bwMode="auto">
-          <a:xfrm>
-            <a:off x="827584" y="5517232"/>
-            <a:ext cx="1295400" cy="457200"/>
-          </a:xfrm>
-          <a:prstGeom prst="roundRect">
-            <a:avLst>
-              <a:gd name="adj" fmla="val 16667"/>
-            </a:avLst>
-          </a:prstGeom>
-          <a:solidFill>
-            <a:srgbClr val="32C3F6">
-              <a:alpha val="78038"/>
-            </a:srgbClr>
-          </a:solidFill>
-          <a:ln w="12700" algn="ctr">
-            <a:solidFill>
-              <a:srgbClr val="333399"/>
-            </a:solidFill>
-            <a:round/>
-            <a:headEnd/>
-            <a:tailEnd/>
-          </a:ln>
-        </p:spPr>
-        <p:txBody>
-          <a:bodyPr wrap="none" lIns="90000" tIns="46800" rIns="90000" bIns="46800" anchor="ctr"/>
-          <a:lstStyle/>
-          <a:p>
-            <a:pPr algn="ctr"/>
-            <a:r>
-              <a:rPr lang="zh-CN" altLang="en-US" sz="2000" b="1" dirty="0">
-                <a:solidFill>
-                  <a:srgbClr val="000099"/>
-                </a:solidFill>
-                <a:latin typeface="微软雅黑" pitchFamily="34" charset="-122"/>
-                <a:ea typeface="微软雅黑" pitchFamily="34" charset="-122"/>
-              </a:rPr>
-              <a:t>培训课时</a:t>
-            </a:r>
-          </a:p>
-        </p:txBody>
-      </p:sp>
-      <p:sp>
-        <p:nvSpPr>
-          <p:cNvPr id="11" name="AutoShape 35"/>
-          <p:cNvSpPr>
-            <a:spLocks noChangeArrowheads="1"/>
-          </p:cNvSpPr>
-          <p:nvPr/>
-        </p:nvSpPr>
-        <p:spPr bwMode="auto">
-          <a:xfrm>
-            <a:off x="2195736" y="5517232"/>
-            <a:ext cx="6120680" cy="432048"/>
-          </a:xfrm>
-          <a:prstGeom prst="roundRect">
-            <a:avLst>
-              <a:gd name="adj" fmla="val 16667"/>
-            </a:avLst>
-          </a:prstGeom>
-          <a:solidFill>
-            <a:srgbClr val="CCFFFF">
-              <a:alpha val="38823"/>
-            </a:srgbClr>
-          </a:solidFill>
-          <a:ln w="12700" algn="ctr">
-            <a:solidFill>
-              <a:srgbClr val="99CCFF"/>
-            </a:solidFill>
-            <a:round/>
-            <a:headEnd/>
-            <a:tailEnd/>
-          </a:ln>
-        </p:spPr>
-        <p:txBody>
-          <a:bodyPr wrap="none" anchor="ctr"/>
-          <a:lstStyle/>
-          <a:p>
-            <a:pPr algn="ctr"/>
-            <a:r>
-              <a:rPr lang="en-US" altLang="zh-CN" sz="2000" dirty="0">
-                <a:latin typeface="微软雅黑" pitchFamily="34" charset="-122"/>
-                <a:ea typeface="微软雅黑" pitchFamily="34" charset="-122"/>
-              </a:rPr>
-              <a:t>2</a:t>
-            </a:r>
-            <a:r>
-              <a:rPr lang="zh-CN" altLang="en-US" sz="2000" dirty="0">
-                <a:latin typeface="微软雅黑" pitchFamily="34" charset="-122"/>
-                <a:ea typeface="微软雅黑" pitchFamily="34" charset="-122"/>
-              </a:rPr>
-              <a:t>小时</a:t>
-            </a:r>
-          </a:p>
-        </p:txBody>
-      </p:sp>
-    </p:spTree>
-    <p:extLst>
-      <p:ext uri="{BB962C8B-B14F-4D97-AF65-F5344CB8AC3E}">
-        <p14:creationId xmlns:p14="http://schemas.microsoft.com/office/powerpoint/2010/main" val="3955474334"/>
-      </p:ext>
-    </p:extLst>
-  </p:cSld>
-  <p:clrMapOvr>
-    <a:masterClrMapping/>
-  </p:clrMapOvr>
-</p:sld>
-</file>
-
 <file path=ppt/slides/slide3.xml><?xml version="1.0" encoding="utf-8"?>
 <p:sld xmlns:a="http://schemas.openxmlformats.org/drawingml/2006/main" xmlns:r="http://schemas.openxmlformats.org/officeDocument/2006/relationships" xmlns:p="http://schemas.openxmlformats.org/presentationml/2006/main">
   <p:cSld>
@@ -10093,14 +13111,14 @@
               <a:buChar char="Ø"/>
             </a:pPr>
             <a:r>
-              <a:rPr lang="zh-CN" altLang="en-US" sz="2000" dirty="0">
+              <a:rPr lang="zh-CN" altLang="en-US" sz="2000" smtClean="0">
                 <a:solidFill>
                   <a:schemeClr val="tx1"/>
                 </a:solidFill>
                 <a:latin typeface="微软雅黑" panose="020B0503020204020204" pitchFamily="34" charset="-122"/>
                 <a:ea typeface="微软雅黑" panose="020B0503020204020204" pitchFamily="34" charset="-122"/>
               </a:rPr>
-              <a:t>其他</a:t>
+              <a:t>异步执行顺序</a:t>
             </a:r>
             <a:endParaRPr lang="en-US" altLang="zh-CN" sz="2000" dirty="0">
               <a:solidFill>
@@ -11157,7 +14175,23 @@
                   <a:schemeClr val="tx1"/>
                 </a:solidFill>
               </a:rPr>
-              <a:t>同步异步是针对被调用者，也就是谷歌浏览器；浏览器有通知功能，能告诉小明正在下载，它就是异步的。</a:t>
+              <a:t>同步异步是针对被调用者，</a:t>
+            </a:r>
+            <a:r>
+              <a:rPr lang="zh-CN" altLang="en-US" smtClean="0">
+                <a:solidFill>
+                  <a:schemeClr val="tx1"/>
+                </a:solidFill>
+              </a:rPr>
+              <a:t>也就是图书管理员；图书管理员找到书通知小明，它</a:t>
+            </a:r>
+            <a:r>
+              <a:rPr lang="zh-CN" altLang="en-US">
+                <a:solidFill>
+                  <a:schemeClr val="tx1"/>
+                </a:solidFill>
+              </a:rPr>
+              <a:t>就是异步的。</a:t>
             </a:r>
           </a:p>
         </p:txBody>
@@ -11204,12 +14238,12 @@
           <a:lstStyle/>
           <a:p>
             <a:r>
-              <a:rPr lang="zh-CN" altLang="en-US">
+              <a:rPr lang="zh-CN" altLang="en-US" smtClean="0">
                 <a:solidFill>
                   <a:schemeClr val="tx1"/>
                 </a:solidFill>
               </a:rPr>
-              <a:t>等待下载，再做其他任务；</a:t>
+              <a:t>小明等待图书管理员找书，不做其他事情；</a:t>
             </a:r>
             <a:endParaRPr lang="en-US" altLang="zh-CN">
               <a:solidFill>
@@ -11219,12 +14253,20 @@
           </a:p>
           <a:p>
             <a:r>
+              <a:rPr lang="zh-CN" altLang="en-US" smtClean="0">
+                <a:solidFill>
+                  <a:schemeClr val="tx1"/>
+                </a:solidFill>
+              </a:rPr>
+              <a:t>图书管理员找书，</a:t>
+            </a:r>
+            <a:r>
               <a:rPr lang="zh-CN" altLang="en-US">
                 <a:solidFill>
                   <a:schemeClr val="tx1"/>
                 </a:solidFill>
               </a:rPr>
-              <a:t>下载过程中，去做其他任务；</a:t>
+              <a:t>去做其他任务；</a:t>
             </a:r>
           </a:p>
         </p:txBody>
@@ -11277,8 +14319,21 @@
                   <a:schemeClr val="tx1"/>
                 </a:solidFill>
               </a:rPr>
-              <a:t>事件：小明用谷歌浏览器下载软件</a:t>
-            </a:r>
+              <a:t>事件：小</a:t>
+            </a:r>
+            <a:r>
+              <a:rPr lang="zh-CN" altLang="en-US" smtClean="0">
+                <a:solidFill>
+                  <a:schemeClr val="tx1"/>
+                </a:solidFill>
+              </a:rPr>
+              <a:t>明去图书管理员借书</a:t>
+            </a:r>
+            <a:endParaRPr lang="zh-CN" altLang="en-US">
+              <a:solidFill>
+                <a:schemeClr val="tx1"/>
+              </a:solidFill>
+            </a:endParaRPr>
           </a:p>
         </p:txBody>
       </p:sp>
@@ -11851,7 +14906,7 @@
       </p:sp>
       <p:pic>
         <p:nvPicPr>
-          <p:cNvPr id="13" name="Picture 3"/>
+          <p:cNvPr id="1026" name="Picture 2"/>
           <p:cNvPicPr>
             <a:picLocks noChangeAspect="1" noChangeArrowheads="1"/>
           </p:cNvPicPr>
@@ -11866,8 +14921,8 @@
         </p:blipFill>
         <p:spPr bwMode="auto">
           <a:xfrm>
-            <a:off x="1357290" y="1928802"/>
-            <a:ext cx="4487654" cy="4614881"/>
+            <a:off x="785786" y="1857364"/>
+            <a:ext cx="4572081" cy="4491056"/>
           </a:xfrm>
           <a:prstGeom prst="rect">
             <a:avLst/>
@@ -12534,7 +15589,7 @@
         <p:spPr>
           <a:xfrm>
             <a:off x="4143372" y="1550758"/>
-            <a:ext cx="4643470" cy="3390409"/>
+            <a:ext cx="4643470" cy="4092820"/>
           </a:xfrm>
           <a:prstGeom prst="irregularSeal1">
             <a:avLst/>
@@ -12644,7 +15699,7 @@
           <p:cNvPr id="7" name="椭圆 6">
             <a:extLst>
               <a:ext uri="{FF2B5EF4-FFF2-40B4-BE49-F238E27FC236}">
-                <a16:creationId xmlns:a16="http://schemas.microsoft.com/office/drawing/2014/main" id="{CA6A04A7-0C6D-4924-A929-C394E20930EE}"/>
+                <a16:creationId xmlns="" xmlns:a16="http://schemas.microsoft.com/office/drawing/2014/main" id="{CA6A04A7-0C6D-4924-A929-C394E20930EE}"/>
               </a:ext>
             </a:extLst>
           </p:cNvPr>
@@ -12986,39 +16041,6 @@
           </a:p>
         </p:txBody>
       </p:sp>
-      <p:pic>
-        <p:nvPicPr>
-          <p:cNvPr id="3074" name="Picture 2"/>
-          <p:cNvPicPr>
-            <a:picLocks noChangeAspect="1" noChangeArrowheads="1"/>
-          </p:cNvPicPr>
-          <p:nvPr/>
-        </p:nvPicPr>
-        <p:blipFill>
-          <a:blip r:embed="rId3"/>
-          <a:srcRect/>
-          <a:stretch>
-            <a:fillRect/>
-          </a:stretch>
-        </p:blipFill>
-        <p:spPr bwMode="auto">
-          <a:xfrm>
-            <a:off x="3286116" y="1285860"/>
-            <a:ext cx="5657850" cy="4781550"/>
-          </a:xfrm>
-          <a:prstGeom prst="rect">
-            <a:avLst/>
-          </a:prstGeom>
-          <a:noFill/>
-          <a:ln w="9525">
-            <a:noFill/>
-            <a:miter lim="800000"/>
-            <a:headEnd/>
-            <a:tailEnd/>
-          </a:ln>
-          <a:effectLst/>
-        </p:spPr>
-      </p:pic>
       <p:sp>
         <p:nvSpPr>
           <p:cNvPr id="7" name="圆角矩形 6"/>
@@ -13071,6 +16093,39 @@
           </a:p>
         </p:txBody>
       </p:sp>
+      <p:pic>
+        <p:nvPicPr>
+          <p:cNvPr id="1026" name="Picture 2"/>
+          <p:cNvPicPr>
+            <a:picLocks noChangeAspect="1" noChangeArrowheads="1"/>
+          </p:cNvPicPr>
+          <p:nvPr/>
+        </p:nvPicPr>
+        <p:blipFill>
+          <a:blip r:embed="rId3"/>
+          <a:srcRect/>
+          <a:stretch>
+            <a:fillRect/>
+          </a:stretch>
+        </p:blipFill>
+        <p:spPr bwMode="auto">
+          <a:xfrm>
+            <a:off x="3143240" y="1171593"/>
+            <a:ext cx="5819775" cy="4829175"/>
+          </a:xfrm>
+          <a:prstGeom prst="rect">
+            <a:avLst/>
+          </a:prstGeom>
+          <a:noFill/>
+          <a:ln w="9525">
+            <a:noFill/>
+            <a:miter lim="800000"/>
+            <a:headEnd/>
+            <a:tailEnd/>
+          </a:ln>
+          <a:effectLst/>
+        </p:spPr>
+      </p:pic>
     </p:spTree>
   </p:cSld>
   <p:clrMapOvr>
@@ -13375,7 +16430,7 @@
   <a:extraClrSchemeLst/>
   <a:extLst>
     <a:ext uri="{05A4C25C-085E-4340-85A3-A5531E510DB2}">
-      <thm15:themeFamily xmlns:thm15="http://schemas.microsoft.com/office/thememl/2012/main" name="Office Theme" id="{62F939B6-93AF-4DB8-9C6B-D6C7DFDC589F}" vid="{4A3C46E8-61CC-4603-A589-7422A47A8E4A}"/>
+      <thm15:themeFamily xmlns="" xmlns:thm15="http://schemas.microsoft.com/office/thememl/2012/main" name="Office Theme" id="{62F939B6-93AF-4DB8-9C6B-D6C7DFDC589F}" vid="{4A3C46E8-61CC-4603-A589-7422A47A8E4A}"/>
     </a:ext>
   </a:extLst>
 </a:theme>
@@ -13636,7 +16691,7 @@
   <a:extraClrSchemeLst/>
   <a:extLst>
     <a:ext uri="{05A4C25C-085E-4340-85A3-A5531E510DB2}">
-      <thm15:themeFamily xmlns:thm15="http://schemas.microsoft.com/office/thememl/2012/main" name="Office Theme" id="{62F939B6-93AF-4DB8-9C6B-D6C7DFDC589F}" vid="{4A3C46E8-61CC-4603-A589-7422A47A8E4A}"/>
+      <thm15:themeFamily xmlns="" xmlns:thm15="http://schemas.microsoft.com/office/thememl/2012/main" name="Office Theme" id="{62F939B6-93AF-4DB8-9C6B-D6C7DFDC589F}" vid="{4A3C46E8-61CC-4603-A589-7422A47A8E4A}"/>
     </a:ext>
   </a:extLst>
 </a:theme>
